--- a/LLM.pptx
+++ b/LLM.pptx
@@ -14,23 +14,34 @@
     <p:sldId id="267" r:id="rId8"/>
     <p:sldId id="268" r:id="rId9"/>
     <p:sldId id="270" r:id="rId10"/>
-    <p:sldId id="269" r:id="rId11"/>
-    <p:sldId id="258" r:id="rId12"/>
-    <p:sldId id="259" r:id="rId13"/>
-    <p:sldId id="260" r:id="rId14"/>
-    <p:sldId id="261" r:id="rId15"/>
-    <p:sldId id="266" r:id="rId16"/>
-    <p:sldId id="271" r:id="rId17"/>
-    <p:sldId id="272" r:id="rId18"/>
-    <p:sldId id="273" r:id="rId19"/>
-    <p:sldId id="274" r:id="rId20"/>
-    <p:sldId id="275" r:id="rId21"/>
-    <p:sldId id="276" r:id="rId22"/>
-    <p:sldId id="277" r:id="rId23"/>
-    <p:sldId id="278" r:id="rId24"/>
-    <p:sldId id="279" r:id="rId25"/>
-    <p:sldId id="280" r:id="rId26"/>
-    <p:sldId id="281" r:id="rId27"/>
+    <p:sldId id="283" r:id="rId11"/>
+    <p:sldId id="284" r:id="rId12"/>
+    <p:sldId id="285" r:id="rId13"/>
+    <p:sldId id="286" r:id="rId14"/>
+    <p:sldId id="287" r:id="rId15"/>
+    <p:sldId id="288" r:id="rId16"/>
+    <p:sldId id="269" r:id="rId17"/>
+    <p:sldId id="258" r:id="rId18"/>
+    <p:sldId id="259" r:id="rId19"/>
+    <p:sldId id="282" r:id="rId20"/>
+    <p:sldId id="260" r:id="rId21"/>
+    <p:sldId id="261" r:id="rId22"/>
+    <p:sldId id="266" r:id="rId23"/>
+    <p:sldId id="280" r:id="rId24"/>
+    <p:sldId id="281" r:id="rId25"/>
+    <p:sldId id="271" r:id="rId26"/>
+    <p:sldId id="272" r:id="rId27"/>
+    <p:sldId id="273" r:id="rId28"/>
+    <p:sldId id="274" r:id="rId29"/>
+    <p:sldId id="275" r:id="rId30"/>
+    <p:sldId id="276" r:id="rId31"/>
+    <p:sldId id="289" r:id="rId32"/>
+    <p:sldId id="290" r:id="rId33"/>
+    <p:sldId id="291" r:id="rId34"/>
+    <p:sldId id="292" r:id="rId35"/>
+    <p:sldId id="277" r:id="rId36"/>
+    <p:sldId id="278" r:id="rId37"/>
+    <p:sldId id="279" r:id="rId38"/>
   </p:sldIdLst>
   <p:sldSz cx="12192000" cy="6858000"/>
   <p:notesSz cx="6858000" cy="9144000"/>
@@ -143,6 +154,12 @@
             <p14:sldId id="267"/>
             <p14:sldId id="268"/>
             <p14:sldId id="270"/>
+            <p14:sldId id="283"/>
+            <p14:sldId id="284"/>
+            <p14:sldId id="285"/>
+            <p14:sldId id="286"/>
+            <p14:sldId id="287"/>
+            <p14:sldId id="288"/>
           </p14:sldIdLst>
         </p14:section>
         <p14:section name="Differences" id="{671E0D58-1009-423F-AD0C-8633CE61FFE2}">
@@ -150,24 +167,33 @@
             <p14:sldId id="269"/>
             <p14:sldId id="258"/>
             <p14:sldId id="259"/>
+          </p14:sldIdLst>
+        </p14:section>
+        <p14:section name="Applications" id="{B1D12D61-69FE-48D6-BF7F-6BABBF108860}">
+          <p14:sldIdLst>
+            <p14:sldId id="282"/>
             <p14:sldId id="260"/>
             <p14:sldId id="261"/>
             <p14:sldId id="266"/>
-            <p14:sldId id="271"/>
+            <p14:sldId id="280"/>
+            <p14:sldId id="281"/>
           </p14:sldIdLst>
         </p14:section>
         <p14:section name="Questions" id="{20BD6266-3E7C-4F6B-A4DB-AFCCDB7C5611}">
           <p14:sldIdLst>
+            <p14:sldId id="271"/>
             <p14:sldId id="272"/>
             <p14:sldId id="273"/>
             <p14:sldId id="274"/>
             <p14:sldId id="275"/>
             <p14:sldId id="276"/>
+            <p14:sldId id="289"/>
+            <p14:sldId id="290"/>
+            <p14:sldId id="291"/>
+            <p14:sldId id="292"/>
             <p14:sldId id="277"/>
             <p14:sldId id="278"/>
             <p14:sldId id="279"/>
-            <p14:sldId id="280"/>
-            <p14:sldId id="281"/>
           </p14:sldIdLst>
         </p14:section>
       </p14:sectionLst>
@@ -1486,6 +1512,13 @@
         </dgm:presLayoutVars>
       </dgm:prSet>
       <dgm:spPr/>
+      <dgm:t>
+        <a:bodyPr/>
+        <a:lstStyle/>
+        <a:p>
+          <a:endParaRPr lang="en-US"/>
+        </a:p>
+      </dgm:t>
     </dgm:pt>
     <dgm:pt modelId="{AF57A041-AC68-4F2B-A5A3-06D50CE26AF1}" type="pres">
       <dgm:prSet presAssocID="{6FD88A59-C023-40D4-B221-A7743F9924E5}" presName="linNode" presStyleCnt="0"/>
@@ -1499,6 +1532,13 @@
         </dgm:presLayoutVars>
       </dgm:prSet>
       <dgm:spPr/>
+      <dgm:t>
+        <a:bodyPr/>
+        <a:lstStyle/>
+        <a:p>
+          <a:endParaRPr lang="en-US"/>
+        </a:p>
+      </dgm:t>
     </dgm:pt>
     <dgm:pt modelId="{1351A00A-4139-46B9-9A00-B77D19CF5393}" type="pres">
       <dgm:prSet presAssocID="{6FD88A59-C023-40D4-B221-A7743F9924E5}" presName="descendantText" presStyleLbl="alignAccFollowNode1" presStyleIdx="0" presStyleCnt="5">
@@ -1531,6 +1571,13 @@
         </dgm:presLayoutVars>
       </dgm:prSet>
       <dgm:spPr/>
+      <dgm:t>
+        <a:bodyPr/>
+        <a:lstStyle/>
+        <a:p>
+          <a:endParaRPr lang="en-US"/>
+        </a:p>
+      </dgm:t>
     </dgm:pt>
     <dgm:pt modelId="{3474B3CC-E9A8-493E-957A-C810CB98318A}" type="pres">
       <dgm:prSet presAssocID="{158D1504-D9E5-4E47-A224-86893FCB810B}" presName="descendantText" presStyleLbl="alignAccFollowNode1" presStyleIdx="1" presStyleCnt="5">
@@ -1602,6 +1649,13 @@
         </dgm:presLayoutVars>
       </dgm:prSet>
       <dgm:spPr/>
+      <dgm:t>
+        <a:bodyPr/>
+        <a:lstStyle/>
+        <a:p>
+          <a:endParaRPr lang="en-US"/>
+        </a:p>
+      </dgm:t>
     </dgm:pt>
     <dgm:pt modelId="{042F8AA2-3AC1-488A-8006-3467AB48B773}" type="pres">
       <dgm:prSet presAssocID="{8167430B-B9B6-406B-9773-2CEE0EE9F353}" presName="descendantText" presStyleLbl="alignAccFollowNode1" presStyleIdx="3" presStyleCnt="5">
@@ -1634,6 +1688,13 @@
         </dgm:presLayoutVars>
       </dgm:prSet>
       <dgm:spPr/>
+      <dgm:t>
+        <a:bodyPr/>
+        <a:lstStyle/>
+        <a:p>
+          <a:endParaRPr lang="en-US"/>
+        </a:p>
+      </dgm:t>
     </dgm:pt>
     <dgm:pt modelId="{73DE912F-8936-46F1-8D6C-7EA3B7B59518}" type="pres">
       <dgm:prSet presAssocID="{66FB292F-F8A2-4449-853B-90579DE54FD2}" presName="descendantText" presStyleLbl="alignAccFollowNode1" presStyleIdx="4" presStyleCnt="5">
@@ -1642,30 +1703,37 @@
         </dgm:presLayoutVars>
       </dgm:prSet>
       <dgm:spPr/>
+      <dgm:t>
+        <a:bodyPr/>
+        <a:lstStyle/>
+        <a:p>
+          <a:endParaRPr lang="en-US"/>
+        </a:p>
+      </dgm:t>
     </dgm:pt>
   </dgm:ptLst>
   <dgm:cxnLst>
+    <dgm:cxn modelId="{27AAC3EE-0F71-4D7F-8EF0-F8F7706D1486}" type="presOf" srcId="{8167430B-B9B6-406B-9773-2CEE0EE9F353}" destId="{B4F6C399-946C-49BF-97B3-6405982A899B}" srcOrd="0" destOrd="0" presId="urn:microsoft.com/office/officeart/2005/8/layout/vList5"/>
+    <dgm:cxn modelId="{FC6D17D2-52A7-40F8-92F4-4A5023FD2C8D}" type="presOf" srcId="{C997AD9A-78FE-4F3E-886F-91516686048F}" destId="{3474B3CC-E9A8-493E-957A-C810CB98318A}" srcOrd="0" destOrd="0" presId="urn:microsoft.com/office/officeart/2005/8/layout/vList5"/>
+    <dgm:cxn modelId="{BCACA9A8-D6C5-4B0D-AFFE-DA8D1C301368}" srcId="{158D1504-D9E5-4E47-A224-86893FCB810B}" destId="{C997AD9A-78FE-4F3E-886F-91516686048F}" srcOrd="0" destOrd="0" parTransId="{435835C8-330A-442C-8B69-79D71948D66E}" sibTransId="{5BC47865-8185-481B-95A8-F4E7630E54E0}"/>
     <dgm:cxn modelId="{8694B26D-FF92-444B-BF89-E136CD250253}" srcId="{C259353E-3C29-423C-93E7-6C29F304B3E3}" destId="{158D1504-D9E5-4E47-A224-86893FCB810B}" srcOrd="1" destOrd="0" parTransId="{0306D3D9-0711-4EDF-B022-5805385150DF}" sibTransId="{36AA9871-5B06-479D-B600-12FE6E1FEC8D}"/>
+    <dgm:cxn modelId="{E66AE621-87AF-4087-BBD3-3C21A899178A}" srcId="{C259353E-3C29-423C-93E7-6C29F304B3E3}" destId="{D443D493-BBB0-49B6-9D8D-DFE24C03EB77}" srcOrd="2" destOrd="0" parTransId="{B4F03C3E-37E7-4B76-936A-653AE6E78E4A}" sibTransId="{3C84A5AE-0141-4496-A198-C95A1009F32A}"/>
+    <dgm:cxn modelId="{EBE92E0E-0D0F-477E-9C81-263DFB648E52}" type="presOf" srcId="{9AF42005-BDFB-4EFD-B8FE-21E9C1C528AA}" destId="{73DE912F-8936-46F1-8D6C-7EA3B7B59518}" srcOrd="0" destOrd="0" presId="urn:microsoft.com/office/officeart/2005/8/layout/vList5"/>
+    <dgm:cxn modelId="{271788F6-9318-48EE-BE02-26C022243B1A}" type="presOf" srcId="{C259353E-3C29-423C-93E7-6C29F304B3E3}" destId="{B856E674-7DFF-4B3F-9E96-8CDD97178A55}" srcOrd="0" destOrd="0" presId="urn:microsoft.com/office/officeart/2005/8/layout/vList5"/>
+    <dgm:cxn modelId="{E7C63436-BCE8-45EA-B7C4-E392ADF14670}" type="presOf" srcId="{66FB292F-F8A2-4449-853B-90579DE54FD2}" destId="{1E9D44D3-00CF-469E-B14B-649FA33C8239}" srcOrd="0" destOrd="0" presId="urn:microsoft.com/office/officeart/2005/8/layout/vList5"/>
+    <dgm:cxn modelId="{E21FB5D2-BCDD-4DC1-B1FC-5AB2E00D3760}" srcId="{66FB292F-F8A2-4449-853B-90579DE54FD2}" destId="{9AF42005-BDFB-4EFD-B8FE-21E9C1C528AA}" srcOrd="0" destOrd="0" parTransId="{206C68CD-C8D2-4867-BA72-3ABF5AEF0381}" sibTransId="{FC2C3A90-37FD-4BEA-9ED9-7A3B72C7BE8F}"/>
+    <dgm:cxn modelId="{8B794BBF-40E7-4FED-B786-BB44447689C5}" type="presOf" srcId="{158D1504-D9E5-4E47-A224-86893FCB810B}" destId="{C6432629-1760-4126-BFAE-A685F10CC93B}" srcOrd="0" destOrd="0" presId="urn:microsoft.com/office/officeart/2005/8/layout/vList5"/>
+    <dgm:cxn modelId="{02883748-5572-481F-B909-F6A9726B82CF}" srcId="{6FD88A59-C023-40D4-B221-A7743F9924E5}" destId="{37754C03-5726-42FC-BCCE-554A590BB108}" srcOrd="0" destOrd="0" parTransId="{8C9CA540-DCC7-47FD-AB16-C96379CEA810}" sibTransId="{92234A65-C369-4932-BCF6-7D93F07A7ED2}"/>
+    <dgm:cxn modelId="{46547355-066D-428A-9789-4EBA0E098095}" srcId="{C259353E-3C29-423C-93E7-6C29F304B3E3}" destId="{66FB292F-F8A2-4449-853B-90579DE54FD2}" srcOrd="4" destOrd="0" parTransId="{630D9847-A290-46EC-9C79-BB03B022DDF4}" sibTransId="{E6B59419-3C15-4CA6-BDB4-E25DB793CCE3}"/>
+    <dgm:cxn modelId="{BFFE5816-D89E-4B29-AA74-8C8F94FEFD2C}" srcId="{C259353E-3C29-423C-93E7-6C29F304B3E3}" destId="{6FD88A59-C023-40D4-B221-A7743F9924E5}" srcOrd="0" destOrd="0" parTransId="{D8788905-71BB-40B6-99AB-E07C4C6A9F02}" sibTransId="{A989BBAE-E849-4CB8-8850-245DA3B4B5E5}"/>
+    <dgm:cxn modelId="{D525AB9E-F724-4A87-B35B-DFB58CDC2CE6}" srcId="{8167430B-B9B6-406B-9773-2CEE0EE9F353}" destId="{BA80B2FE-F4D5-4A19-895E-84DEAF2DAEA7}" srcOrd="0" destOrd="0" parTransId="{A7054698-8F70-4993-AD69-946258B902EA}" sibTransId="{D0E31FD0-A966-41DF-8521-9A0E99E59F71}"/>
+    <dgm:cxn modelId="{3BFE80D3-4B97-472C-853A-31F627875408}" srcId="{C259353E-3C29-423C-93E7-6C29F304B3E3}" destId="{8167430B-B9B6-406B-9773-2CEE0EE9F353}" srcOrd="3" destOrd="0" parTransId="{00A96D9F-2142-4998-92EB-053A4940C20B}" sibTransId="{76C97EC7-1116-4FED-BD31-B5733A90766E}"/>
+    <dgm:cxn modelId="{00E42A66-A538-4AAC-AC31-F88DC9E91CDE}" type="presOf" srcId="{37754C03-5726-42FC-BCCE-554A590BB108}" destId="{1351A00A-4139-46B9-9A00-B77D19CF5393}" srcOrd="0" destOrd="0" presId="urn:microsoft.com/office/officeart/2005/8/layout/vList5"/>
+    <dgm:cxn modelId="{828AA41C-10F6-4846-AAD6-C48E1381929A}" type="presOf" srcId="{F905B6ED-6494-4CDD-9563-EC9DE8689870}" destId="{BEC01C18-F13E-4119-95C1-9765429360E7}" srcOrd="0" destOrd="0" presId="urn:microsoft.com/office/officeart/2005/8/layout/vList5"/>
+    <dgm:cxn modelId="{5CD4F341-7DFA-4B01-A342-6FD43FFA654A}" type="presOf" srcId="{BA80B2FE-F4D5-4A19-895E-84DEAF2DAEA7}" destId="{042F8AA2-3AC1-488A-8006-3467AB48B773}" srcOrd="0" destOrd="0" presId="urn:microsoft.com/office/officeart/2005/8/layout/vList5"/>
+    <dgm:cxn modelId="{7DACDC90-43BE-48D7-BFC2-2E2225D41396}" type="presOf" srcId="{D443D493-BBB0-49B6-9D8D-DFE24C03EB77}" destId="{E0E1654F-D855-4C74-8058-1BD98457E253}" srcOrd="0" destOrd="0" presId="urn:microsoft.com/office/officeart/2005/8/layout/vList5"/>
     <dgm:cxn modelId="{33F43F45-A1F7-486B-B3ED-BC8ACB6E6DF5}" srcId="{D443D493-BBB0-49B6-9D8D-DFE24C03EB77}" destId="{F905B6ED-6494-4CDD-9563-EC9DE8689870}" srcOrd="0" destOrd="0" parTransId="{83CBA12E-D595-46C5-8646-3DD3E6C0190F}" sibTransId="{00D587C3-C959-49F4-A319-C3518E2F36C8}"/>
-    <dgm:cxn modelId="{E66AE621-87AF-4087-BBD3-3C21A899178A}" srcId="{C259353E-3C29-423C-93E7-6C29F304B3E3}" destId="{D443D493-BBB0-49B6-9D8D-DFE24C03EB77}" srcOrd="2" destOrd="0" parTransId="{B4F03C3E-37E7-4B76-936A-653AE6E78E4A}" sibTransId="{3C84A5AE-0141-4496-A198-C95A1009F32A}"/>
-    <dgm:cxn modelId="{5CD4F341-7DFA-4B01-A342-6FD43FFA654A}" type="presOf" srcId="{BA80B2FE-F4D5-4A19-895E-84DEAF2DAEA7}" destId="{042F8AA2-3AC1-488A-8006-3467AB48B773}" srcOrd="0" destOrd="0" presId="urn:microsoft.com/office/officeart/2005/8/layout/vList5"/>
-    <dgm:cxn modelId="{E7C63436-BCE8-45EA-B7C4-E392ADF14670}" type="presOf" srcId="{66FB292F-F8A2-4449-853B-90579DE54FD2}" destId="{1E9D44D3-00CF-469E-B14B-649FA33C8239}" srcOrd="0" destOrd="0" presId="urn:microsoft.com/office/officeart/2005/8/layout/vList5"/>
-    <dgm:cxn modelId="{FC6D17D2-52A7-40F8-92F4-4A5023FD2C8D}" type="presOf" srcId="{C997AD9A-78FE-4F3E-886F-91516686048F}" destId="{3474B3CC-E9A8-493E-957A-C810CB98318A}" srcOrd="0" destOrd="0" presId="urn:microsoft.com/office/officeart/2005/8/layout/vList5"/>
-    <dgm:cxn modelId="{D525AB9E-F724-4A87-B35B-DFB58CDC2CE6}" srcId="{8167430B-B9B6-406B-9773-2CEE0EE9F353}" destId="{BA80B2FE-F4D5-4A19-895E-84DEAF2DAEA7}" srcOrd="0" destOrd="0" parTransId="{A7054698-8F70-4993-AD69-946258B902EA}" sibTransId="{D0E31FD0-A966-41DF-8521-9A0E99E59F71}"/>
-    <dgm:cxn modelId="{BFFE5816-D89E-4B29-AA74-8C8F94FEFD2C}" srcId="{C259353E-3C29-423C-93E7-6C29F304B3E3}" destId="{6FD88A59-C023-40D4-B221-A7743F9924E5}" srcOrd="0" destOrd="0" parTransId="{D8788905-71BB-40B6-99AB-E07C4C6A9F02}" sibTransId="{A989BBAE-E849-4CB8-8850-245DA3B4B5E5}"/>
-    <dgm:cxn modelId="{3BFE80D3-4B97-472C-853A-31F627875408}" srcId="{C259353E-3C29-423C-93E7-6C29F304B3E3}" destId="{8167430B-B9B6-406B-9773-2CEE0EE9F353}" srcOrd="3" destOrd="0" parTransId="{00A96D9F-2142-4998-92EB-053A4940C20B}" sibTransId="{76C97EC7-1116-4FED-BD31-B5733A90766E}"/>
-    <dgm:cxn modelId="{27AAC3EE-0F71-4D7F-8EF0-F8F7706D1486}" type="presOf" srcId="{8167430B-B9B6-406B-9773-2CEE0EE9F353}" destId="{B4F6C399-946C-49BF-97B3-6405982A899B}" srcOrd="0" destOrd="0" presId="urn:microsoft.com/office/officeart/2005/8/layout/vList5"/>
-    <dgm:cxn modelId="{E21FB5D2-BCDD-4DC1-B1FC-5AB2E00D3760}" srcId="{66FB292F-F8A2-4449-853B-90579DE54FD2}" destId="{9AF42005-BDFB-4EFD-B8FE-21E9C1C528AA}" srcOrd="0" destOrd="0" parTransId="{206C68CD-C8D2-4867-BA72-3ABF5AEF0381}" sibTransId="{FC2C3A90-37FD-4BEA-9ED9-7A3B72C7BE8F}"/>
-    <dgm:cxn modelId="{00E42A66-A538-4AAC-AC31-F88DC9E91CDE}" type="presOf" srcId="{37754C03-5726-42FC-BCCE-554A590BB108}" destId="{1351A00A-4139-46B9-9A00-B77D19CF5393}" srcOrd="0" destOrd="0" presId="urn:microsoft.com/office/officeart/2005/8/layout/vList5"/>
-    <dgm:cxn modelId="{BCACA9A8-D6C5-4B0D-AFFE-DA8D1C301368}" srcId="{158D1504-D9E5-4E47-A224-86893FCB810B}" destId="{C997AD9A-78FE-4F3E-886F-91516686048F}" srcOrd="0" destOrd="0" parTransId="{435835C8-330A-442C-8B69-79D71948D66E}" sibTransId="{5BC47865-8185-481B-95A8-F4E7630E54E0}"/>
-    <dgm:cxn modelId="{46547355-066D-428A-9789-4EBA0E098095}" srcId="{C259353E-3C29-423C-93E7-6C29F304B3E3}" destId="{66FB292F-F8A2-4449-853B-90579DE54FD2}" srcOrd="4" destOrd="0" parTransId="{630D9847-A290-46EC-9C79-BB03B022DDF4}" sibTransId="{E6B59419-3C15-4CA6-BDB4-E25DB793CCE3}"/>
-    <dgm:cxn modelId="{7DACDC90-43BE-48D7-BFC2-2E2225D41396}" type="presOf" srcId="{D443D493-BBB0-49B6-9D8D-DFE24C03EB77}" destId="{E0E1654F-D855-4C74-8058-1BD98457E253}" srcOrd="0" destOrd="0" presId="urn:microsoft.com/office/officeart/2005/8/layout/vList5"/>
-    <dgm:cxn modelId="{271788F6-9318-48EE-BE02-26C022243B1A}" type="presOf" srcId="{C259353E-3C29-423C-93E7-6C29F304B3E3}" destId="{B856E674-7DFF-4B3F-9E96-8CDD97178A55}" srcOrd="0" destOrd="0" presId="urn:microsoft.com/office/officeart/2005/8/layout/vList5"/>
-    <dgm:cxn modelId="{02883748-5572-481F-B909-F6A9726B82CF}" srcId="{6FD88A59-C023-40D4-B221-A7743F9924E5}" destId="{37754C03-5726-42FC-BCCE-554A590BB108}" srcOrd="0" destOrd="0" parTransId="{8C9CA540-DCC7-47FD-AB16-C96379CEA810}" sibTransId="{92234A65-C369-4932-BCF6-7D93F07A7ED2}"/>
-    <dgm:cxn modelId="{828AA41C-10F6-4846-AAD6-C48E1381929A}" type="presOf" srcId="{F905B6ED-6494-4CDD-9563-EC9DE8689870}" destId="{BEC01C18-F13E-4119-95C1-9765429360E7}" srcOrd="0" destOrd="0" presId="urn:microsoft.com/office/officeart/2005/8/layout/vList5"/>
-    <dgm:cxn modelId="{8B794BBF-40E7-4FED-B786-BB44447689C5}" type="presOf" srcId="{158D1504-D9E5-4E47-A224-86893FCB810B}" destId="{C6432629-1760-4126-BFAE-A685F10CC93B}" srcOrd="0" destOrd="0" presId="urn:microsoft.com/office/officeart/2005/8/layout/vList5"/>
     <dgm:cxn modelId="{722F07B0-7525-4E7E-8B67-CC388916BA8E}" type="presOf" srcId="{6FD88A59-C023-40D4-B221-A7743F9924E5}" destId="{4496FC90-1E52-4DC5-82FF-3C9B62D5304C}" srcOrd="0" destOrd="0" presId="urn:microsoft.com/office/officeart/2005/8/layout/vList5"/>
-    <dgm:cxn modelId="{EBE92E0E-0D0F-477E-9C81-263DFB648E52}" type="presOf" srcId="{9AF42005-BDFB-4EFD-B8FE-21E9C1C528AA}" destId="{73DE912F-8936-46F1-8D6C-7EA3B7B59518}" srcOrd="0" destOrd="0" presId="urn:microsoft.com/office/officeart/2005/8/layout/vList5"/>
     <dgm:cxn modelId="{67659F32-9B9A-48C7-9499-A4781B5A8E79}" type="presParOf" srcId="{B856E674-7DFF-4B3F-9E96-8CDD97178A55}" destId="{AF57A041-AC68-4F2B-A5A3-06D50CE26AF1}" srcOrd="0" destOrd="0" presId="urn:microsoft.com/office/officeart/2005/8/layout/vList5"/>
     <dgm:cxn modelId="{A2E8D482-24BC-4450-86B6-64EB0FD0349C}" type="presParOf" srcId="{AF57A041-AC68-4F2B-A5A3-06D50CE26AF1}" destId="{4496FC90-1E52-4DC5-82FF-3C9B62D5304C}" srcOrd="0" destOrd="0" presId="urn:microsoft.com/office/officeart/2005/8/layout/vList5"/>
     <dgm:cxn modelId="{601F7501-3F30-454A-93A2-811624B58CD1}" type="presParOf" srcId="{AF57A041-AC68-4F2B-A5A3-06D50CE26AF1}" destId="{1351A00A-4139-46B9-9A00-B77D19CF5393}" srcOrd="1" destOrd="0" presId="urn:microsoft.com/office/officeart/2005/8/layout/vList5"/>
@@ -4100,7 +4168,7 @@
           <a:p>
             <a:fld id="{1160EA64-D806-43AC-9DF2-F8C432F32B4C}" type="datetimeFigureOut">
               <a:rPr lang="en-US" dirty="0"/>
-              <a:t>5/6/2023</a:t>
+              <a:t>5/8/2023</a:t>
             </a:fld>
             <a:endParaRPr lang="en-US" dirty="0"/>
           </a:p>
@@ -4266,7 +4334,7 @@
           <a:p>
             <a:fld id="{E9F9C37B-1D36-470B-8223-D6C91242EC14}" type="datetimeFigureOut">
               <a:rPr lang="en-US" dirty="0"/>
-              <a:t>5/6/2023</a:t>
+              <a:t>5/8/2023</a:t>
             </a:fld>
             <a:endParaRPr lang="en-US" dirty="0"/>
           </a:p>
@@ -4441,7 +4509,7 @@
           <a:p>
             <a:fld id="{67C6F52A-A82B-47A2-A83A-8C4C91F2D59F}" type="datetimeFigureOut">
               <a:rPr lang="en-US" dirty="0"/>
-              <a:t>5/6/2023</a:t>
+              <a:t>5/8/2023</a:t>
             </a:fld>
             <a:endParaRPr lang="en-US" dirty="0"/>
           </a:p>
@@ -4606,7 +4674,7 @@
           <a:p>
             <a:fld id="{F070A7B3-6521-4DCA-87E5-044747A908C1}" type="datetimeFigureOut">
               <a:rPr lang="en-US" dirty="0"/>
-              <a:t>5/6/2023</a:t>
+              <a:t>5/8/2023</a:t>
             </a:fld>
             <a:endParaRPr lang="en-US" dirty="0"/>
           </a:p>
@@ -4870,7 +4938,7 @@
           <a:p>
             <a:fld id="{1160EA64-D806-43AC-9DF2-F8C432F32B4C}" type="datetimeFigureOut">
               <a:rPr lang="en-US" dirty="0"/>
-              <a:t>5/6/2023</a:t>
+              <a:t>5/8/2023</a:t>
             </a:fld>
             <a:endParaRPr lang="en-US" dirty="0"/>
           </a:p>
@@ -5098,7 +5166,7 @@
           <a:p>
             <a:fld id="{AB134690-1557-4C89-A502-4959FE7FAD70}" type="datetimeFigureOut">
               <a:rPr lang="en-US" dirty="0"/>
-              <a:t>5/6/2023</a:t>
+              <a:t>5/8/2023</a:t>
             </a:fld>
             <a:endParaRPr lang="en-US" dirty="0"/>
           </a:p>
@@ -5448,7 +5516,7 @@
           <a:p>
             <a:fld id="{4F7D4976-E339-4826-83B7-FBD03F55ECF8}" type="datetimeFigureOut">
               <a:rPr lang="en-US" dirty="0"/>
-              <a:t>5/6/2023</a:t>
+              <a:t>5/8/2023</a:t>
             </a:fld>
             <a:endParaRPr lang="en-US" dirty="0"/>
           </a:p>
@@ -5584,7 +5652,7 @@
           <a:p>
             <a:fld id="{E1037C31-9E7A-4F99-8774-A0E530DE1A42}" type="datetimeFigureOut">
               <a:rPr lang="en-US" dirty="0"/>
-              <a:t>5/6/2023</a:t>
+              <a:t>5/8/2023</a:t>
             </a:fld>
             <a:endParaRPr lang="en-US" dirty="0"/>
           </a:p>
@@ -5674,7 +5742,7 @@
           <a:p>
             <a:fld id="{C278504F-A551-4DE0-9316-4DCD1D8CC752}" type="datetimeFigureOut">
               <a:rPr lang="en-US" dirty="0"/>
-              <a:t>5/6/2023</a:t>
+              <a:t>5/8/2023</a:t>
             </a:fld>
             <a:endParaRPr lang="en-US" dirty="0"/>
           </a:p>
@@ -6026,7 +6094,7 @@
           <a:p>
             <a:fld id="{1160EA64-D806-43AC-9DF2-F8C432F32B4C}" type="datetimeFigureOut">
               <a:rPr lang="en-US" dirty="0"/>
-              <a:t>5/6/2023</a:t>
+              <a:t>5/8/2023</a:t>
             </a:fld>
             <a:endParaRPr lang="en-US" dirty="0"/>
           </a:p>
@@ -6379,7 +6447,7 @@
             <a:fld id="{1160EA64-D806-43AC-9DF2-F8C432F32B4C}" type="datetimeFigureOut">
               <a:rPr lang="en-US" dirty="0"/>
               <a:pPr/>
-              <a:t>5/6/2023</a:t>
+              <a:t>5/8/2023</a:t>
             </a:fld>
             <a:endParaRPr lang="en-US" dirty="0"/>
           </a:p>
@@ -6614,7 +6682,7 @@
           <a:p>
             <a:fld id="{1160EA64-D806-43AC-9DF2-F8C432F32B4C}" type="datetimeFigureOut">
               <a:rPr lang="en-US" dirty="0"/>
-              <a:t>5/6/2023</a:t>
+              <a:t>5/8/2023</a:t>
             </a:fld>
             <a:endParaRPr lang="en-US" dirty="0"/>
           </a:p>
@@ -7131,6 +7199,2436 @@
 <file path=ppt/slides/slide10.xml><?xml version="1.0" encoding="utf-8"?>
 <p:sld xmlns:a="http://schemas.openxmlformats.org/drawingml/2006/main" xmlns:r="http://schemas.openxmlformats.org/officeDocument/2006/relationships" xmlns:p="http://schemas.openxmlformats.org/presentationml/2006/main">
   <p:cSld>
+    <p:bg>
+      <p:bgPr>
+        <a:solidFill>
+          <a:schemeClr val="bg1"/>
+        </a:solidFill>
+        <a:effectLst/>
+      </p:bgPr>
+    </p:bg>
+    <p:spTree>
+      <p:nvGrpSpPr>
+        <p:cNvPr id="1" name=""/>
+        <p:cNvGrpSpPr/>
+        <p:nvPr/>
+      </p:nvGrpSpPr>
+      <p:grpSpPr>
+        <a:xfrm>
+          <a:off x="0" y="0"/>
+          <a:ext cx="0" cy="0"/>
+          <a:chOff x="0" y="0"/>
+          <a:chExt cx="0" cy="0"/>
+        </a:xfrm>
+      </p:grpSpPr>
+      <p:sp>
+        <p:nvSpPr>
+          <p:cNvPr id="5" name="TextBox 4"/>
+          <p:cNvSpPr txBox="1"/>
+          <p:nvPr/>
+        </p:nvSpPr>
+        <p:spPr>
+          <a:xfrm>
+            <a:off x="0" y="0"/>
+            <a:ext cx="12192000" cy="769441"/>
+          </a:xfrm>
+          <a:prstGeom prst="rect">
+            <a:avLst/>
+          </a:prstGeom>
+          <a:solidFill>
+            <a:schemeClr val="accent2"/>
+          </a:solidFill>
+        </p:spPr>
+        <p:txBody>
+          <a:bodyPr wrap="square" rtlCol="0">
+            <a:spAutoFit/>
+          </a:bodyPr>
+          <a:lstStyle/>
+          <a:p>
+            <a:r>
+              <a:rPr lang="en-US" sz="4400" dirty="0" smtClean="0"/>
+              <a:t>Byte Pair Encoding</a:t>
+            </a:r>
+            <a:endParaRPr lang="en-US" sz="4400" dirty="0"/>
+          </a:p>
+        </p:txBody>
+      </p:sp>
+      <p:sp>
+        <p:nvSpPr>
+          <p:cNvPr id="7" name="Content Placeholder 2"/>
+          <p:cNvSpPr txBox="1">
+            <a:spLocks/>
+          </p:cNvSpPr>
+          <p:nvPr/>
+        </p:nvSpPr>
+        <p:spPr>
+          <a:xfrm>
+            <a:off x="1" y="1383804"/>
+            <a:ext cx="5129212" cy="5248656"/>
+          </a:xfrm>
+          <a:prstGeom prst="rect">
+            <a:avLst/>
+          </a:prstGeom>
+        </p:spPr>
+        <p:txBody>
+          <a:bodyPr>
+            <a:normAutofit/>
+          </a:bodyPr>
+          <a:lstStyle>
+            <a:lvl1pPr marL="228600" indent="-228600" algn="l" defTabSz="914400" rtl="0" eaLnBrk="1" latinLnBrk="0" hangingPunct="1">
+              <a:lnSpc>
+                <a:spcPct val="100000"/>
+              </a:lnSpc>
+              <a:spcBef>
+                <a:spcPts val="1000"/>
+              </a:spcBef>
+              <a:buClr>
+                <a:schemeClr val="accent2"/>
+              </a:buClr>
+              <a:buFont typeface="Arial" panose="020B0604020202020204" pitchFamily="34" charset="0"/>
+              <a:buChar char="•"/>
+              <a:defRPr sz="1800" kern="1200">
+                <a:solidFill>
+                  <a:schemeClr val="tx1">
+                    <a:lumMod val="85000"/>
+                    <a:lumOff val="15000"/>
+                  </a:schemeClr>
+                </a:solidFill>
+                <a:latin typeface="+mn-lt"/>
+                <a:ea typeface="+mn-ea"/>
+                <a:cs typeface="+mn-cs"/>
+              </a:defRPr>
+            </a:lvl1pPr>
+            <a:lvl2pPr marL="457200" indent="-228600" algn="l" defTabSz="914400" rtl="0" eaLnBrk="1" latinLnBrk="0" hangingPunct="1">
+              <a:lnSpc>
+                <a:spcPct val="100000"/>
+              </a:lnSpc>
+              <a:spcBef>
+                <a:spcPts val="1000"/>
+              </a:spcBef>
+              <a:buClr>
+                <a:schemeClr val="accent2"/>
+              </a:buClr>
+              <a:buFont typeface="Arial" panose="020B0604020202020204" pitchFamily="34" charset="0"/>
+              <a:buChar char="•"/>
+              <a:defRPr sz="1600" kern="1200">
+                <a:solidFill>
+                  <a:schemeClr val="tx1">
+                    <a:lumMod val="85000"/>
+                    <a:lumOff val="15000"/>
+                  </a:schemeClr>
+                </a:solidFill>
+                <a:latin typeface="+mn-lt"/>
+                <a:ea typeface="+mn-ea"/>
+                <a:cs typeface="+mn-cs"/>
+              </a:defRPr>
+            </a:lvl2pPr>
+            <a:lvl3pPr marL="685800" indent="-228600" algn="l" defTabSz="914400" rtl="0" eaLnBrk="1" latinLnBrk="0" hangingPunct="1">
+              <a:lnSpc>
+                <a:spcPct val="100000"/>
+              </a:lnSpc>
+              <a:spcBef>
+                <a:spcPts val="1000"/>
+              </a:spcBef>
+              <a:buClr>
+                <a:schemeClr val="accent2"/>
+              </a:buClr>
+              <a:buFont typeface="Arial" panose="020B0604020202020204" pitchFamily="34" charset="0"/>
+              <a:buChar char="•"/>
+              <a:defRPr sz="1600" kern="1200">
+                <a:solidFill>
+                  <a:schemeClr val="tx1">
+                    <a:lumMod val="85000"/>
+                    <a:lumOff val="15000"/>
+                  </a:schemeClr>
+                </a:solidFill>
+                <a:latin typeface="+mn-lt"/>
+                <a:ea typeface="+mn-ea"/>
+                <a:cs typeface="+mn-cs"/>
+              </a:defRPr>
+            </a:lvl3pPr>
+            <a:lvl4pPr marL="914400" indent="-228600" algn="l" defTabSz="914400" rtl="0" eaLnBrk="1" latinLnBrk="0" hangingPunct="1">
+              <a:lnSpc>
+                <a:spcPct val="100000"/>
+              </a:lnSpc>
+              <a:spcBef>
+                <a:spcPts val="1000"/>
+              </a:spcBef>
+              <a:buClr>
+                <a:schemeClr val="accent2"/>
+              </a:buClr>
+              <a:buFont typeface="Arial" panose="020B0604020202020204" pitchFamily="34" charset="0"/>
+              <a:buChar char="•"/>
+              <a:defRPr sz="1600" kern="1200">
+                <a:solidFill>
+                  <a:schemeClr val="tx1">
+                    <a:lumMod val="85000"/>
+                    <a:lumOff val="15000"/>
+                  </a:schemeClr>
+                </a:solidFill>
+                <a:latin typeface="+mn-lt"/>
+                <a:ea typeface="+mn-ea"/>
+                <a:cs typeface="+mn-cs"/>
+              </a:defRPr>
+            </a:lvl4pPr>
+            <a:lvl5pPr marL="1143000" indent="-228600" algn="l" defTabSz="914400" rtl="0" eaLnBrk="1" latinLnBrk="0" hangingPunct="1">
+              <a:lnSpc>
+                <a:spcPct val="100000"/>
+              </a:lnSpc>
+              <a:spcBef>
+                <a:spcPts val="1000"/>
+              </a:spcBef>
+              <a:buClr>
+                <a:schemeClr val="accent2"/>
+              </a:buClr>
+              <a:buFont typeface="Arial" panose="020B0604020202020204" pitchFamily="34" charset="0"/>
+              <a:buChar char="•"/>
+              <a:defRPr sz="1600" kern="1200">
+                <a:solidFill>
+                  <a:schemeClr val="tx1">
+                    <a:lumMod val="85000"/>
+                    <a:lumOff val="15000"/>
+                  </a:schemeClr>
+                </a:solidFill>
+                <a:latin typeface="+mn-lt"/>
+                <a:ea typeface="+mn-ea"/>
+                <a:cs typeface="+mn-cs"/>
+              </a:defRPr>
+            </a:lvl5pPr>
+            <a:lvl6pPr marL="1312863" indent="-228600" algn="l" defTabSz="914400" rtl="0" eaLnBrk="1" latinLnBrk="0" hangingPunct="1">
+              <a:lnSpc>
+                <a:spcPct val="100000"/>
+              </a:lnSpc>
+              <a:spcBef>
+                <a:spcPts val="1000"/>
+              </a:spcBef>
+              <a:buClr>
+                <a:schemeClr val="accent2"/>
+              </a:buClr>
+              <a:buFont typeface="Arial" panose="020B0604020202020204" pitchFamily="34" charset="0"/>
+              <a:buChar char="•"/>
+              <a:defRPr sz="1600" kern="1200">
+                <a:solidFill>
+                  <a:schemeClr val="tx1"/>
+                </a:solidFill>
+                <a:latin typeface="+mn-lt"/>
+                <a:ea typeface="+mn-ea"/>
+                <a:cs typeface="+mn-cs"/>
+              </a:defRPr>
+            </a:lvl6pPr>
+            <a:lvl7pPr marL="1484313" indent="-228600" algn="l" defTabSz="914400" rtl="0" eaLnBrk="1" latinLnBrk="0" hangingPunct="1">
+              <a:lnSpc>
+                <a:spcPct val="100000"/>
+              </a:lnSpc>
+              <a:spcBef>
+                <a:spcPts val="1000"/>
+              </a:spcBef>
+              <a:buClr>
+                <a:schemeClr val="accent2"/>
+              </a:buClr>
+              <a:buFont typeface="Arial" panose="020B0604020202020204" pitchFamily="34" charset="0"/>
+              <a:buChar char="•"/>
+              <a:defRPr sz="1600" kern="1200">
+                <a:solidFill>
+                  <a:schemeClr val="tx1"/>
+                </a:solidFill>
+                <a:latin typeface="+mn-lt"/>
+                <a:ea typeface="+mn-ea"/>
+                <a:cs typeface="+mn-cs"/>
+              </a:defRPr>
+            </a:lvl7pPr>
+            <a:lvl8pPr marL="1657350" indent="-228600" algn="l" defTabSz="914400" rtl="0" eaLnBrk="1" latinLnBrk="0" hangingPunct="1">
+              <a:lnSpc>
+                <a:spcPct val="100000"/>
+              </a:lnSpc>
+              <a:spcBef>
+                <a:spcPts val="1000"/>
+              </a:spcBef>
+              <a:buClr>
+                <a:schemeClr val="accent2"/>
+              </a:buClr>
+              <a:buFont typeface="Arial" panose="020B0604020202020204" pitchFamily="34" charset="0"/>
+              <a:buChar char="•"/>
+              <a:defRPr sz="1600" kern="1200" baseline="0">
+                <a:solidFill>
+                  <a:schemeClr val="tx1"/>
+                </a:solidFill>
+                <a:latin typeface="+mn-lt"/>
+                <a:ea typeface="+mn-ea"/>
+                <a:cs typeface="+mn-cs"/>
+              </a:defRPr>
+            </a:lvl8pPr>
+            <a:lvl9pPr marL="1882775" indent="-228600" algn="l" defTabSz="914400" rtl="0" eaLnBrk="1" latinLnBrk="0" hangingPunct="1">
+              <a:lnSpc>
+                <a:spcPct val="100000"/>
+              </a:lnSpc>
+              <a:spcBef>
+                <a:spcPts val="1000"/>
+              </a:spcBef>
+              <a:buClr>
+                <a:schemeClr val="accent2"/>
+              </a:buClr>
+              <a:buFont typeface="Arial" panose="020B0604020202020204" pitchFamily="34" charset="0"/>
+              <a:buChar char="•"/>
+              <a:defRPr sz="1600" kern="1200" baseline="0">
+                <a:solidFill>
+                  <a:schemeClr val="tx1"/>
+                </a:solidFill>
+                <a:latin typeface="+mn-lt"/>
+                <a:ea typeface="+mn-ea"/>
+                <a:cs typeface="+mn-cs"/>
+              </a:defRPr>
+            </a:lvl9pPr>
+          </a:lstStyle>
+          <a:p>
+            <a:pPr marL="0" indent="0" algn="just">
+              <a:buNone/>
+            </a:pPr>
+            <a:r>
+              <a:rPr lang="en-US" sz="2400" dirty="0" smtClean="0">
+                <a:latin typeface="Corbel" panose="020B0503020204020204" pitchFamily="34" charset="0"/>
+              </a:rPr>
+              <a:t>BPE starts with initial vocabulary</a:t>
+            </a:r>
+          </a:p>
+          <a:p>
+            <a:pPr algn="just"/>
+            <a:r>
+              <a:rPr lang="en-US" sz="2400" dirty="0" smtClean="0">
+                <a:latin typeface="Corbel" panose="020B0503020204020204" pitchFamily="34" charset="0"/>
+              </a:rPr>
+              <a:t>Step 1: Split words into smaller units (characters).</a:t>
+            </a:r>
+          </a:p>
+          <a:p>
+            <a:pPr algn="just"/>
+            <a:r>
+              <a:rPr lang="en-US" sz="2400" dirty="0" smtClean="0">
+                <a:latin typeface="Corbel" panose="020B0503020204020204" pitchFamily="34" charset="0"/>
+              </a:rPr>
+              <a:t>Step 2: count the pair frequencies</a:t>
+            </a:r>
+          </a:p>
+          <a:p>
+            <a:pPr algn="just"/>
+            <a:r>
+              <a:rPr lang="en-US" sz="2400" dirty="0" smtClean="0">
+                <a:latin typeface="Corbel" panose="020B0503020204020204" pitchFamily="34" charset="0"/>
+              </a:rPr>
+              <a:t>Step 3: Choose the most frequent pair and add to merging rule. Add the token to vocabulary</a:t>
+            </a:r>
+          </a:p>
+          <a:p>
+            <a:pPr algn="just"/>
+            <a:r>
+              <a:rPr lang="en-US" sz="2400" dirty="0" smtClean="0">
+                <a:latin typeface="Corbel" panose="020B0503020204020204" pitchFamily="34" charset="0"/>
+              </a:rPr>
+              <a:t>Step 4: Do step 2 &amp; step 3 till we reach our desired max vocabulary size</a:t>
+            </a:r>
+          </a:p>
+          <a:p>
+            <a:pPr algn="just"/>
+            <a:r>
+              <a:rPr lang="en-US" sz="2400" dirty="0" smtClean="0">
+                <a:latin typeface="Corbel" panose="020B0503020204020204" pitchFamily="34" charset="0"/>
+              </a:rPr>
+              <a:t>Step 5: Place the tokens to replace the original words</a:t>
+            </a:r>
+            <a:endParaRPr lang="en-US" sz="2400" dirty="0">
+              <a:latin typeface="Corbel" panose="020B0503020204020204" pitchFamily="34" charset="0"/>
+            </a:endParaRPr>
+          </a:p>
+        </p:txBody>
+      </p:sp>
+      <p:pic>
+        <p:nvPicPr>
+          <p:cNvPr id="8" name="Picture 7"/>
+          <p:cNvPicPr>
+            <a:picLocks noChangeAspect="1"/>
+          </p:cNvPicPr>
+          <p:nvPr/>
+        </p:nvPicPr>
+        <p:blipFill>
+          <a:blip r:embed="rId2"/>
+          <a:stretch>
+            <a:fillRect/>
+          </a:stretch>
+        </p:blipFill>
+        <p:spPr>
+          <a:xfrm>
+            <a:off x="5539733" y="1383804"/>
+            <a:ext cx="6395091" cy="4100852"/>
+          </a:xfrm>
+          <a:prstGeom prst="rect">
+            <a:avLst/>
+          </a:prstGeom>
+        </p:spPr>
+      </p:pic>
+    </p:spTree>
+    <p:extLst>
+      <p:ext uri="{BB962C8B-B14F-4D97-AF65-F5344CB8AC3E}">
+        <p14:creationId xmlns:p14="http://schemas.microsoft.com/office/powerpoint/2010/main" val="3416431740"/>
+      </p:ext>
+    </p:extLst>
+  </p:cSld>
+  <p:clrMapOvr>
+    <a:masterClrMapping/>
+  </p:clrMapOvr>
+</p:sld>
+</file>
+
+<file path=ppt/slides/slide11.xml><?xml version="1.0" encoding="utf-8"?>
+<p:sld xmlns:a="http://schemas.openxmlformats.org/drawingml/2006/main" xmlns:r="http://schemas.openxmlformats.org/officeDocument/2006/relationships" xmlns:p="http://schemas.openxmlformats.org/presentationml/2006/main">
+  <p:cSld>
+    <p:bg>
+      <p:bgPr>
+        <a:solidFill>
+          <a:schemeClr val="bg1"/>
+        </a:solidFill>
+        <a:effectLst/>
+      </p:bgPr>
+    </p:bg>
+    <p:spTree>
+      <p:nvGrpSpPr>
+        <p:cNvPr id="1" name=""/>
+        <p:cNvGrpSpPr/>
+        <p:nvPr/>
+      </p:nvGrpSpPr>
+      <p:grpSpPr>
+        <a:xfrm>
+          <a:off x="0" y="0"/>
+          <a:ext cx="0" cy="0"/>
+          <a:chOff x="0" y="0"/>
+          <a:chExt cx="0" cy="0"/>
+        </a:xfrm>
+      </p:grpSpPr>
+      <p:sp>
+        <p:nvSpPr>
+          <p:cNvPr id="5" name="TextBox 4"/>
+          <p:cNvSpPr txBox="1"/>
+          <p:nvPr/>
+        </p:nvSpPr>
+        <p:spPr>
+          <a:xfrm>
+            <a:off x="0" y="0"/>
+            <a:ext cx="12192000" cy="769441"/>
+          </a:xfrm>
+          <a:prstGeom prst="rect">
+            <a:avLst/>
+          </a:prstGeom>
+          <a:solidFill>
+            <a:schemeClr val="accent2"/>
+          </a:solidFill>
+        </p:spPr>
+        <p:txBody>
+          <a:bodyPr wrap="square" rtlCol="0">
+            <a:spAutoFit/>
+          </a:bodyPr>
+          <a:lstStyle/>
+          <a:p>
+            <a:r>
+              <a:rPr lang="en-US" sz="4400" dirty="0" smtClean="0"/>
+              <a:t>Byte Pair Encoding</a:t>
+            </a:r>
+            <a:endParaRPr lang="en-US" sz="4400" dirty="0"/>
+          </a:p>
+        </p:txBody>
+      </p:sp>
+      <p:sp>
+        <p:nvSpPr>
+          <p:cNvPr id="7" name="Content Placeholder 2"/>
+          <p:cNvSpPr txBox="1">
+            <a:spLocks/>
+          </p:cNvSpPr>
+          <p:nvPr/>
+        </p:nvSpPr>
+        <p:spPr>
+          <a:xfrm>
+            <a:off x="1" y="1383804"/>
+            <a:ext cx="5129212" cy="5248656"/>
+          </a:xfrm>
+          <a:prstGeom prst="rect">
+            <a:avLst/>
+          </a:prstGeom>
+        </p:spPr>
+        <p:txBody>
+          <a:bodyPr>
+            <a:normAutofit/>
+          </a:bodyPr>
+          <a:lstStyle>
+            <a:lvl1pPr marL="228600" indent="-228600" algn="l" defTabSz="914400" rtl="0" eaLnBrk="1" latinLnBrk="0" hangingPunct="1">
+              <a:lnSpc>
+                <a:spcPct val="100000"/>
+              </a:lnSpc>
+              <a:spcBef>
+                <a:spcPts val="1000"/>
+              </a:spcBef>
+              <a:buClr>
+                <a:schemeClr val="accent2"/>
+              </a:buClr>
+              <a:buFont typeface="Arial" panose="020B0604020202020204" pitchFamily="34" charset="0"/>
+              <a:buChar char="•"/>
+              <a:defRPr sz="1800" kern="1200">
+                <a:solidFill>
+                  <a:schemeClr val="tx1">
+                    <a:lumMod val="85000"/>
+                    <a:lumOff val="15000"/>
+                  </a:schemeClr>
+                </a:solidFill>
+                <a:latin typeface="+mn-lt"/>
+                <a:ea typeface="+mn-ea"/>
+                <a:cs typeface="+mn-cs"/>
+              </a:defRPr>
+            </a:lvl1pPr>
+            <a:lvl2pPr marL="457200" indent="-228600" algn="l" defTabSz="914400" rtl="0" eaLnBrk="1" latinLnBrk="0" hangingPunct="1">
+              <a:lnSpc>
+                <a:spcPct val="100000"/>
+              </a:lnSpc>
+              <a:spcBef>
+                <a:spcPts val="1000"/>
+              </a:spcBef>
+              <a:buClr>
+                <a:schemeClr val="accent2"/>
+              </a:buClr>
+              <a:buFont typeface="Arial" panose="020B0604020202020204" pitchFamily="34" charset="0"/>
+              <a:buChar char="•"/>
+              <a:defRPr sz="1600" kern="1200">
+                <a:solidFill>
+                  <a:schemeClr val="tx1">
+                    <a:lumMod val="85000"/>
+                    <a:lumOff val="15000"/>
+                  </a:schemeClr>
+                </a:solidFill>
+                <a:latin typeface="+mn-lt"/>
+                <a:ea typeface="+mn-ea"/>
+                <a:cs typeface="+mn-cs"/>
+              </a:defRPr>
+            </a:lvl2pPr>
+            <a:lvl3pPr marL="685800" indent="-228600" algn="l" defTabSz="914400" rtl="0" eaLnBrk="1" latinLnBrk="0" hangingPunct="1">
+              <a:lnSpc>
+                <a:spcPct val="100000"/>
+              </a:lnSpc>
+              <a:spcBef>
+                <a:spcPts val="1000"/>
+              </a:spcBef>
+              <a:buClr>
+                <a:schemeClr val="accent2"/>
+              </a:buClr>
+              <a:buFont typeface="Arial" panose="020B0604020202020204" pitchFamily="34" charset="0"/>
+              <a:buChar char="•"/>
+              <a:defRPr sz="1600" kern="1200">
+                <a:solidFill>
+                  <a:schemeClr val="tx1">
+                    <a:lumMod val="85000"/>
+                    <a:lumOff val="15000"/>
+                  </a:schemeClr>
+                </a:solidFill>
+                <a:latin typeface="+mn-lt"/>
+                <a:ea typeface="+mn-ea"/>
+                <a:cs typeface="+mn-cs"/>
+              </a:defRPr>
+            </a:lvl3pPr>
+            <a:lvl4pPr marL="914400" indent="-228600" algn="l" defTabSz="914400" rtl="0" eaLnBrk="1" latinLnBrk="0" hangingPunct="1">
+              <a:lnSpc>
+                <a:spcPct val="100000"/>
+              </a:lnSpc>
+              <a:spcBef>
+                <a:spcPts val="1000"/>
+              </a:spcBef>
+              <a:buClr>
+                <a:schemeClr val="accent2"/>
+              </a:buClr>
+              <a:buFont typeface="Arial" panose="020B0604020202020204" pitchFamily="34" charset="0"/>
+              <a:buChar char="•"/>
+              <a:defRPr sz="1600" kern="1200">
+                <a:solidFill>
+                  <a:schemeClr val="tx1">
+                    <a:lumMod val="85000"/>
+                    <a:lumOff val="15000"/>
+                  </a:schemeClr>
+                </a:solidFill>
+                <a:latin typeface="+mn-lt"/>
+                <a:ea typeface="+mn-ea"/>
+                <a:cs typeface="+mn-cs"/>
+              </a:defRPr>
+            </a:lvl4pPr>
+            <a:lvl5pPr marL="1143000" indent="-228600" algn="l" defTabSz="914400" rtl="0" eaLnBrk="1" latinLnBrk="0" hangingPunct="1">
+              <a:lnSpc>
+                <a:spcPct val="100000"/>
+              </a:lnSpc>
+              <a:spcBef>
+                <a:spcPts val="1000"/>
+              </a:spcBef>
+              <a:buClr>
+                <a:schemeClr val="accent2"/>
+              </a:buClr>
+              <a:buFont typeface="Arial" panose="020B0604020202020204" pitchFamily="34" charset="0"/>
+              <a:buChar char="•"/>
+              <a:defRPr sz="1600" kern="1200">
+                <a:solidFill>
+                  <a:schemeClr val="tx1">
+                    <a:lumMod val="85000"/>
+                    <a:lumOff val="15000"/>
+                  </a:schemeClr>
+                </a:solidFill>
+                <a:latin typeface="+mn-lt"/>
+                <a:ea typeface="+mn-ea"/>
+                <a:cs typeface="+mn-cs"/>
+              </a:defRPr>
+            </a:lvl5pPr>
+            <a:lvl6pPr marL="1312863" indent="-228600" algn="l" defTabSz="914400" rtl="0" eaLnBrk="1" latinLnBrk="0" hangingPunct="1">
+              <a:lnSpc>
+                <a:spcPct val="100000"/>
+              </a:lnSpc>
+              <a:spcBef>
+                <a:spcPts val="1000"/>
+              </a:spcBef>
+              <a:buClr>
+                <a:schemeClr val="accent2"/>
+              </a:buClr>
+              <a:buFont typeface="Arial" panose="020B0604020202020204" pitchFamily="34" charset="0"/>
+              <a:buChar char="•"/>
+              <a:defRPr sz="1600" kern="1200">
+                <a:solidFill>
+                  <a:schemeClr val="tx1"/>
+                </a:solidFill>
+                <a:latin typeface="+mn-lt"/>
+                <a:ea typeface="+mn-ea"/>
+                <a:cs typeface="+mn-cs"/>
+              </a:defRPr>
+            </a:lvl6pPr>
+            <a:lvl7pPr marL="1484313" indent="-228600" algn="l" defTabSz="914400" rtl="0" eaLnBrk="1" latinLnBrk="0" hangingPunct="1">
+              <a:lnSpc>
+                <a:spcPct val="100000"/>
+              </a:lnSpc>
+              <a:spcBef>
+                <a:spcPts val="1000"/>
+              </a:spcBef>
+              <a:buClr>
+                <a:schemeClr val="accent2"/>
+              </a:buClr>
+              <a:buFont typeface="Arial" panose="020B0604020202020204" pitchFamily="34" charset="0"/>
+              <a:buChar char="•"/>
+              <a:defRPr sz="1600" kern="1200">
+                <a:solidFill>
+                  <a:schemeClr val="tx1"/>
+                </a:solidFill>
+                <a:latin typeface="+mn-lt"/>
+                <a:ea typeface="+mn-ea"/>
+                <a:cs typeface="+mn-cs"/>
+              </a:defRPr>
+            </a:lvl7pPr>
+            <a:lvl8pPr marL="1657350" indent="-228600" algn="l" defTabSz="914400" rtl="0" eaLnBrk="1" latinLnBrk="0" hangingPunct="1">
+              <a:lnSpc>
+                <a:spcPct val="100000"/>
+              </a:lnSpc>
+              <a:spcBef>
+                <a:spcPts val="1000"/>
+              </a:spcBef>
+              <a:buClr>
+                <a:schemeClr val="accent2"/>
+              </a:buClr>
+              <a:buFont typeface="Arial" panose="020B0604020202020204" pitchFamily="34" charset="0"/>
+              <a:buChar char="•"/>
+              <a:defRPr sz="1600" kern="1200" baseline="0">
+                <a:solidFill>
+                  <a:schemeClr val="tx1"/>
+                </a:solidFill>
+                <a:latin typeface="+mn-lt"/>
+                <a:ea typeface="+mn-ea"/>
+                <a:cs typeface="+mn-cs"/>
+              </a:defRPr>
+            </a:lvl8pPr>
+            <a:lvl9pPr marL="1882775" indent="-228600" algn="l" defTabSz="914400" rtl="0" eaLnBrk="1" latinLnBrk="0" hangingPunct="1">
+              <a:lnSpc>
+                <a:spcPct val="100000"/>
+              </a:lnSpc>
+              <a:spcBef>
+                <a:spcPts val="1000"/>
+              </a:spcBef>
+              <a:buClr>
+                <a:schemeClr val="accent2"/>
+              </a:buClr>
+              <a:buFont typeface="Arial" panose="020B0604020202020204" pitchFamily="34" charset="0"/>
+              <a:buChar char="•"/>
+              <a:defRPr sz="1600" kern="1200" baseline="0">
+                <a:solidFill>
+                  <a:schemeClr val="tx1"/>
+                </a:solidFill>
+                <a:latin typeface="+mn-lt"/>
+                <a:ea typeface="+mn-ea"/>
+                <a:cs typeface="+mn-cs"/>
+              </a:defRPr>
+            </a:lvl9pPr>
+          </a:lstStyle>
+          <a:p>
+            <a:pPr marL="0" indent="0" algn="just">
+              <a:buNone/>
+            </a:pPr>
+            <a:r>
+              <a:rPr lang="en-US" sz="2400" dirty="0" smtClean="0">
+                <a:latin typeface="Corbel" panose="020B0503020204020204" pitchFamily="34" charset="0"/>
+              </a:rPr>
+              <a:t>BPE starts with initial vocabulary</a:t>
+            </a:r>
+          </a:p>
+          <a:p>
+            <a:pPr algn="just"/>
+            <a:r>
+              <a:rPr lang="en-US" sz="2400" dirty="0" smtClean="0">
+                <a:latin typeface="Corbel" panose="020B0503020204020204" pitchFamily="34" charset="0"/>
+              </a:rPr>
+              <a:t>Step 1: Split words into smaller units (characters).</a:t>
+            </a:r>
+          </a:p>
+          <a:p>
+            <a:pPr algn="just"/>
+            <a:r>
+              <a:rPr lang="en-US" sz="2400" dirty="0" smtClean="0">
+                <a:latin typeface="Corbel" panose="020B0503020204020204" pitchFamily="34" charset="0"/>
+              </a:rPr>
+              <a:t>Step 2: count the pair frequencies</a:t>
+            </a:r>
+          </a:p>
+          <a:p>
+            <a:pPr algn="just"/>
+            <a:r>
+              <a:rPr lang="en-US" sz="2400" dirty="0" smtClean="0">
+                <a:latin typeface="Corbel" panose="020B0503020204020204" pitchFamily="34" charset="0"/>
+              </a:rPr>
+              <a:t>Step 3: Choose the most frequent pair and add to merging rule. Add the token to vocabulary</a:t>
+            </a:r>
+          </a:p>
+          <a:p>
+            <a:pPr algn="just"/>
+            <a:r>
+              <a:rPr lang="en-US" sz="2400" dirty="0" smtClean="0">
+                <a:latin typeface="Corbel" panose="020B0503020204020204" pitchFamily="34" charset="0"/>
+              </a:rPr>
+              <a:t>Step 4: Do step 2 &amp; step 3 till we reach our desired max vocabulary size</a:t>
+            </a:r>
+          </a:p>
+          <a:p>
+            <a:pPr algn="just"/>
+            <a:r>
+              <a:rPr lang="en-US" sz="2400" dirty="0" smtClean="0">
+                <a:latin typeface="Corbel" panose="020B0503020204020204" pitchFamily="34" charset="0"/>
+              </a:rPr>
+              <a:t>Step 5: Place </a:t>
+            </a:r>
+            <a:r>
+              <a:rPr lang="en-US" sz="2400" dirty="0">
+                <a:latin typeface="Corbel" panose="020B0503020204020204" pitchFamily="34" charset="0"/>
+              </a:rPr>
+              <a:t>the tokens to replace the original words</a:t>
+            </a:r>
+          </a:p>
+        </p:txBody>
+      </p:sp>
+      <p:pic>
+        <p:nvPicPr>
+          <p:cNvPr id="2" name="Picture 1"/>
+          <p:cNvPicPr>
+            <a:picLocks noChangeAspect="1"/>
+          </p:cNvPicPr>
+          <p:nvPr/>
+        </p:nvPicPr>
+        <p:blipFill>
+          <a:blip r:embed="rId2"/>
+          <a:stretch>
+            <a:fillRect/>
+          </a:stretch>
+        </p:blipFill>
+        <p:spPr>
+          <a:xfrm>
+            <a:off x="5292258" y="1528763"/>
+            <a:ext cx="6719273" cy="4294338"/>
+          </a:xfrm>
+          <a:prstGeom prst="rect">
+            <a:avLst/>
+          </a:prstGeom>
+        </p:spPr>
+      </p:pic>
+    </p:spTree>
+    <p:extLst>
+      <p:ext uri="{BB962C8B-B14F-4D97-AF65-F5344CB8AC3E}">
+        <p14:creationId xmlns:p14="http://schemas.microsoft.com/office/powerpoint/2010/main" val="1401472716"/>
+      </p:ext>
+    </p:extLst>
+  </p:cSld>
+  <p:clrMapOvr>
+    <a:masterClrMapping/>
+  </p:clrMapOvr>
+</p:sld>
+</file>
+
+<file path=ppt/slides/slide12.xml><?xml version="1.0" encoding="utf-8"?>
+<p:sld xmlns:a="http://schemas.openxmlformats.org/drawingml/2006/main" xmlns:r="http://schemas.openxmlformats.org/officeDocument/2006/relationships" xmlns:p="http://schemas.openxmlformats.org/presentationml/2006/main">
+  <p:cSld>
+    <p:bg>
+      <p:bgPr>
+        <a:solidFill>
+          <a:schemeClr val="bg1"/>
+        </a:solidFill>
+        <a:effectLst/>
+      </p:bgPr>
+    </p:bg>
+    <p:spTree>
+      <p:nvGrpSpPr>
+        <p:cNvPr id="1" name=""/>
+        <p:cNvGrpSpPr/>
+        <p:nvPr/>
+      </p:nvGrpSpPr>
+      <p:grpSpPr>
+        <a:xfrm>
+          <a:off x="0" y="0"/>
+          <a:ext cx="0" cy="0"/>
+          <a:chOff x="0" y="0"/>
+          <a:chExt cx="0" cy="0"/>
+        </a:xfrm>
+      </p:grpSpPr>
+      <p:sp>
+        <p:nvSpPr>
+          <p:cNvPr id="5" name="TextBox 4"/>
+          <p:cNvSpPr txBox="1"/>
+          <p:nvPr/>
+        </p:nvSpPr>
+        <p:spPr>
+          <a:xfrm>
+            <a:off x="0" y="0"/>
+            <a:ext cx="12192000" cy="769441"/>
+          </a:xfrm>
+          <a:prstGeom prst="rect">
+            <a:avLst/>
+          </a:prstGeom>
+          <a:solidFill>
+            <a:schemeClr val="accent2"/>
+          </a:solidFill>
+        </p:spPr>
+        <p:txBody>
+          <a:bodyPr wrap="square" rtlCol="0">
+            <a:spAutoFit/>
+          </a:bodyPr>
+          <a:lstStyle/>
+          <a:p>
+            <a:r>
+              <a:rPr lang="en-US" sz="4400" dirty="0" smtClean="0"/>
+              <a:t>Byte Pair Encoding</a:t>
+            </a:r>
+            <a:endParaRPr lang="en-US" sz="4400" dirty="0"/>
+          </a:p>
+        </p:txBody>
+      </p:sp>
+      <p:sp>
+        <p:nvSpPr>
+          <p:cNvPr id="7" name="Content Placeholder 2"/>
+          <p:cNvSpPr txBox="1">
+            <a:spLocks/>
+          </p:cNvSpPr>
+          <p:nvPr/>
+        </p:nvSpPr>
+        <p:spPr>
+          <a:xfrm>
+            <a:off x="1" y="1383804"/>
+            <a:ext cx="5129212" cy="5248656"/>
+          </a:xfrm>
+          <a:prstGeom prst="rect">
+            <a:avLst/>
+          </a:prstGeom>
+        </p:spPr>
+        <p:txBody>
+          <a:bodyPr>
+            <a:normAutofit/>
+          </a:bodyPr>
+          <a:lstStyle>
+            <a:lvl1pPr marL="228600" indent="-228600" algn="l" defTabSz="914400" rtl="0" eaLnBrk="1" latinLnBrk="0" hangingPunct="1">
+              <a:lnSpc>
+                <a:spcPct val="100000"/>
+              </a:lnSpc>
+              <a:spcBef>
+                <a:spcPts val="1000"/>
+              </a:spcBef>
+              <a:buClr>
+                <a:schemeClr val="accent2"/>
+              </a:buClr>
+              <a:buFont typeface="Arial" panose="020B0604020202020204" pitchFamily="34" charset="0"/>
+              <a:buChar char="•"/>
+              <a:defRPr sz="1800" kern="1200">
+                <a:solidFill>
+                  <a:schemeClr val="tx1">
+                    <a:lumMod val="85000"/>
+                    <a:lumOff val="15000"/>
+                  </a:schemeClr>
+                </a:solidFill>
+                <a:latin typeface="+mn-lt"/>
+                <a:ea typeface="+mn-ea"/>
+                <a:cs typeface="+mn-cs"/>
+              </a:defRPr>
+            </a:lvl1pPr>
+            <a:lvl2pPr marL="457200" indent="-228600" algn="l" defTabSz="914400" rtl="0" eaLnBrk="1" latinLnBrk="0" hangingPunct="1">
+              <a:lnSpc>
+                <a:spcPct val="100000"/>
+              </a:lnSpc>
+              <a:spcBef>
+                <a:spcPts val="1000"/>
+              </a:spcBef>
+              <a:buClr>
+                <a:schemeClr val="accent2"/>
+              </a:buClr>
+              <a:buFont typeface="Arial" panose="020B0604020202020204" pitchFamily="34" charset="0"/>
+              <a:buChar char="•"/>
+              <a:defRPr sz="1600" kern="1200">
+                <a:solidFill>
+                  <a:schemeClr val="tx1">
+                    <a:lumMod val="85000"/>
+                    <a:lumOff val="15000"/>
+                  </a:schemeClr>
+                </a:solidFill>
+                <a:latin typeface="+mn-lt"/>
+                <a:ea typeface="+mn-ea"/>
+                <a:cs typeface="+mn-cs"/>
+              </a:defRPr>
+            </a:lvl2pPr>
+            <a:lvl3pPr marL="685800" indent="-228600" algn="l" defTabSz="914400" rtl="0" eaLnBrk="1" latinLnBrk="0" hangingPunct="1">
+              <a:lnSpc>
+                <a:spcPct val="100000"/>
+              </a:lnSpc>
+              <a:spcBef>
+                <a:spcPts val="1000"/>
+              </a:spcBef>
+              <a:buClr>
+                <a:schemeClr val="accent2"/>
+              </a:buClr>
+              <a:buFont typeface="Arial" panose="020B0604020202020204" pitchFamily="34" charset="0"/>
+              <a:buChar char="•"/>
+              <a:defRPr sz="1600" kern="1200">
+                <a:solidFill>
+                  <a:schemeClr val="tx1">
+                    <a:lumMod val="85000"/>
+                    <a:lumOff val="15000"/>
+                  </a:schemeClr>
+                </a:solidFill>
+                <a:latin typeface="+mn-lt"/>
+                <a:ea typeface="+mn-ea"/>
+                <a:cs typeface="+mn-cs"/>
+              </a:defRPr>
+            </a:lvl3pPr>
+            <a:lvl4pPr marL="914400" indent="-228600" algn="l" defTabSz="914400" rtl="0" eaLnBrk="1" latinLnBrk="0" hangingPunct="1">
+              <a:lnSpc>
+                <a:spcPct val="100000"/>
+              </a:lnSpc>
+              <a:spcBef>
+                <a:spcPts val="1000"/>
+              </a:spcBef>
+              <a:buClr>
+                <a:schemeClr val="accent2"/>
+              </a:buClr>
+              <a:buFont typeface="Arial" panose="020B0604020202020204" pitchFamily="34" charset="0"/>
+              <a:buChar char="•"/>
+              <a:defRPr sz="1600" kern="1200">
+                <a:solidFill>
+                  <a:schemeClr val="tx1">
+                    <a:lumMod val="85000"/>
+                    <a:lumOff val="15000"/>
+                  </a:schemeClr>
+                </a:solidFill>
+                <a:latin typeface="+mn-lt"/>
+                <a:ea typeface="+mn-ea"/>
+                <a:cs typeface="+mn-cs"/>
+              </a:defRPr>
+            </a:lvl4pPr>
+            <a:lvl5pPr marL="1143000" indent="-228600" algn="l" defTabSz="914400" rtl="0" eaLnBrk="1" latinLnBrk="0" hangingPunct="1">
+              <a:lnSpc>
+                <a:spcPct val="100000"/>
+              </a:lnSpc>
+              <a:spcBef>
+                <a:spcPts val="1000"/>
+              </a:spcBef>
+              <a:buClr>
+                <a:schemeClr val="accent2"/>
+              </a:buClr>
+              <a:buFont typeface="Arial" panose="020B0604020202020204" pitchFamily="34" charset="0"/>
+              <a:buChar char="•"/>
+              <a:defRPr sz="1600" kern="1200">
+                <a:solidFill>
+                  <a:schemeClr val="tx1">
+                    <a:lumMod val="85000"/>
+                    <a:lumOff val="15000"/>
+                  </a:schemeClr>
+                </a:solidFill>
+                <a:latin typeface="+mn-lt"/>
+                <a:ea typeface="+mn-ea"/>
+                <a:cs typeface="+mn-cs"/>
+              </a:defRPr>
+            </a:lvl5pPr>
+            <a:lvl6pPr marL="1312863" indent="-228600" algn="l" defTabSz="914400" rtl="0" eaLnBrk="1" latinLnBrk="0" hangingPunct="1">
+              <a:lnSpc>
+                <a:spcPct val="100000"/>
+              </a:lnSpc>
+              <a:spcBef>
+                <a:spcPts val="1000"/>
+              </a:spcBef>
+              <a:buClr>
+                <a:schemeClr val="accent2"/>
+              </a:buClr>
+              <a:buFont typeface="Arial" panose="020B0604020202020204" pitchFamily="34" charset="0"/>
+              <a:buChar char="•"/>
+              <a:defRPr sz="1600" kern="1200">
+                <a:solidFill>
+                  <a:schemeClr val="tx1"/>
+                </a:solidFill>
+                <a:latin typeface="+mn-lt"/>
+                <a:ea typeface="+mn-ea"/>
+                <a:cs typeface="+mn-cs"/>
+              </a:defRPr>
+            </a:lvl6pPr>
+            <a:lvl7pPr marL="1484313" indent="-228600" algn="l" defTabSz="914400" rtl="0" eaLnBrk="1" latinLnBrk="0" hangingPunct="1">
+              <a:lnSpc>
+                <a:spcPct val="100000"/>
+              </a:lnSpc>
+              <a:spcBef>
+                <a:spcPts val="1000"/>
+              </a:spcBef>
+              <a:buClr>
+                <a:schemeClr val="accent2"/>
+              </a:buClr>
+              <a:buFont typeface="Arial" panose="020B0604020202020204" pitchFamily="34" charset="0"/>
+              <a:buChar char="•"/>
+              <a:defRPr sz="1600" kern="1200">
+                <a:solidFill>
+                  <a:schemeClr val="tx1"/>
+                </a:solidFill>
+                <a:latin typeface="+mn-lt"/>
+                <a:ea typeface="+mn-ea"/>
+                <a:cs typeface="+mn-cs"/>
+              </a:defRPr>
+            </a:lvl7pPr>
+            <a:lvl8pPr marL="1657350" indent="-228600" algn="l" defTabSz="914400" rtl="0" eaLnBrk="1" latinLnBrk="0" hangingPunct="1">
+              <a:lnSpc>
+                <a:spcPct val="100000"/>
+              </a:lnSpc>
+              <a:spcBef>
+                <a:spcPts val="1000"/>
+              </a:spcBef>
+              <a:buClr>
+                <a:schemeClr val="accent2"/>
+              </a:buClr>
+              <a:buFont typeface="Arial" panose="020B0604020202020204" pitchFamily="34" charset="0"/>
+              <a:buChar char="•"/>
+              <a:defRPr sz="1600" kern="1200" baseline="0">
+                <a:solidFill>
+                  <a:schemeClr val="tx1"/>
+                </a:solidFill>
+                <a:latin typeface="+mn-lt"/>
+                <a:ea typeface="+mn-ea"/>
+                <a:cs typeface="+mn-cs"/>
+              </a:defRPr>
+            </a:lvl8pPr>
+            <a:lvl9pPr marL="1882775" indent="-228600" algn="l" defTabSz="914400" rtl="0" eaLnBrk="1" latinLnBrk="0" hangingPunct="1">
+              <a:lnSpc>
+                <a:spcPct val="100000"/>
+              </a:lnSpc>
+              <a:spcBef>
+                <a:spcPts val="1000"/>
+              </a:spcBef>
+              <a:buClr>
+                <a:schemeClr val="accent2"/>
+              </a:buClr>
+              <a:buFont typeface="Arial" panose="020B0604020202020204" pitchFamily="34" charset="0"/>
+              <a:buChar char="•"/>
+              <a:defRPr sz="1600" kern="1200" baseline="0">
+                <a:solidFill>
+                  <a:schemeClr val="tx1"/>
+                </a:solidFill>
+                <a:latin typeface="+mn-lt"/>
+                <a:ea typeface="+mn-ea"/>
+                <a:cs typeface="+mn-cs"/>
+              </a:defRPr>
+            </a:lvl9pPr>
+          </a:lstStyle>
+          <a:p>
+            <a:pPr marL="0" indent="0" algn="just">
+              <a:buNone/>
+            </a:pPr>
+            <a:r>
+              <a:rPr lang="en-US" sz="2400" dirty="0" smtClean="0">
+                <a:latin typeface="Corbel" panose="020B0503020204020204" pitchFamily="34" charset="0"/>
+              </a:rPr>
+              <a:t>BPE starts with initial vocabulary</a:t>
+            </a:r>
+          </a:p>
+          <a:p>
+            <a:pPr algn="just"/>
+            <a:r>
+              <a:rPr lang="en-US" sz="2400" dirty="0" smtClean="0">
+                <a:latin typeface="Corbel" panose="020B0503020204020204" pitchFamily="34" charset="0"/>
+              </a:rPr>
+              <a:t>Step 1: Split words into smaller units (characters).</a:t>
+            </a:r>
+          </a:p>
+          <a:p>
+            <a:pPr algn="just"/>
+            <a:r>
+              <a:rPr lang="en-US" sz="2400" dirty="0" smtClean="0">
+                <a:latin typeface="Corbel" panose="020B0503020204020204" pitchFamily="34" charset="0"/>
+              </a:rPr>
+              <a:t>Step 2: count the pair frequencies</a:t>
+            </a:r>
+          </a:p>
+          <a:p>
+            <a:pPr algn="just"/>
+            <a:r>
+              <a:rPr lang="en-US" sz="2400" dirty="0" smtClean="0">
+                <a:latin typeface="Corbel" panose="020B0503020204020204" pitchFamily="34" charset="0"/>
+              </a:rPr>
+              <a:t>Step 3: Choose the most frequent pair and add to merging rule. Add the token to vocabulary</a:t>
+            </a:r>
+          </a:p>
+          <a:p>
+            <a:pPr algn="just"/>
+            <a:r>
+              <a:rPr lang="en-US" sz="2400" dirty="0" smtClean="0">
+                <a:latin typeface="Corbel" panose="020B0503020204020204" pitchFamily="34" charset="0"/>
+              </a:rPr>
+              <a:t>Step 4: Do step 2 &amp; step 3 till we reach our desired max vocabulary size</a:t>
+            </a:r>
+          </a:p>
+          <a:p>
+            <a:pPr algn="just"/>
+            <a:r>
+              <a:rPr lang="en-US" sz="2400" dirty="0">
+                <a:latin typeface="Corbel" panose="020B0503020204020204" pitchFamily="34" charset="0"/>
+              </a:rPr>
+              <a:t>Step 5: Place the tokens to replace the original words</a:t>
+            </a:r>
+          </a:p>
+          <a:p>
+            <a:pPr algn="just"/>
+            <a:endParaRPr lang="en-US" sz="2400" dirty="0">
+              <a:latin typeface="Corbel" panose="020B0503020204020204" pitchFamily="34" charset="0"/>
+            </a:endParaRPr>
+          </a:p>
+        </p:txBody>
+      </p:sp>
+      <p:pic>
+        <p:nvPicPr>
+          <p:cNvPr id="3" name="Picture 2"/>
+          <p:cNvPicPr>
+            <a:picLocks noChangeAspect="1"/>
+          </p:cNvPicPr>
+          <p:nvPr/>
+        </p:nvPicPr>
+        <p:blipFill>
+          <a:blip r:embed="rId2"/>
+          <a:stretch>
+            <a:fillRect/>
+          </a:stretch>
+        </p:blipFill>
+        <p:spPr>
+          <a:xfrm>
+            <a:off x="5659621" y="1383804"/>
+            <a:ext cx="6185239" cy="3953209"/>
+          </a:xfrm>
+          <a:prstGeom prst="rect">
+            <a:avLst/>
+          </a:prstGeom>
+        </p:spPr>
+      </p:pic>
+    </p:spTree>
+    <p:extLst>
+      <p:ext uri="{BB962C8B-B14F-4D97-AF65-F5344CB8AC3E}">
+        <p14:creationId xmlns:p14="http://schemas.microsoft.com/office/powerpoint/2010/main" val="3567605388"/>
+      </p:ext>
+    </p:extLst>
+  </p:cSld>
+  <p:clrMapOvr>
+    <a:masterClrMapping/>
+  </p:clrMapOvr>
+</p:sld>
+</file>
+
+<file path=ppt/slides/slide13.xml><?xml version="1.0" encoding="utf-8"?>
+<p:sld xmlns:a="http://schemas.openxmlformats.org/drawingml/2006/main" xmlns:r="http://schemas.openxmlformats.org/officeDocument/2006/relationships" xmlns:p="http://schemas.openxmlformats.org/presentationml/2006/main">
+  <p:cSld>
+    <p:bg>
+      <p:bgPr>
+        <a:solidFill>
+          <a:schemeClr val="bg1"/>
+        </a:solidFill>
+        <a:effectLst/>
+      </p:bgPr>
+    </p:bg>
+    <p:spTree>
+      <p:nvGrpSpPr>
+        <p:cNvPr id="1" name=""/>
+        <p:cNvGrpSpPr/>
+        <p:nvPr/>
+      </p:nvGrpSpPr>
+      <p:grpSpPr>
+        <a:xfrm>
+          <a:off x="0" y="0"/>
+          <a:ext cx="0" cy="0"/>
+          <a:chOff x="0" y="0"/>
+          <a:chExt cx="0" cy="0"/>
+        </a:xfrm>
+      </p:grpSpPr>
+      <p:sp>
+        <p:nvSpPr>
+          <p:cNvPr id="5" name="TextBox 4"/>
+          <p:cNvSpPr txBox="1"/>
+          <p:nvPr/>
+        </p:nvSpPr>
+        <p:spPr>
+          <a:xfrm>
+            <a:off x="0" y="0"/>
+            <a:ext cx="12192000" cy="769441"/>
+          </a:xfrm>
+          <a:prstGeom prst="rect">
+            <a:avLst/>
+          </a:prstGeom>
+          <a:solidFill>
+            <a:schemeClr val="accent2"/>
+          </a:solidFill>
+        </p:spPr>
+        <p:txBody>
+          <a:bodyPr wrap="square" rtlCol="0">
+            <a:spAutoFit/>
+          </a:bodyPr>
+          <a:lstStyle/>
+          <a:p>
+            <a:r>
+              <a:rPr lang="en-US" sz="4400" dirty="0" smtClean="0"/>
+              <a:t>Byte Pair Encoding</a:t>
+            </a:r>
+            <a:endParaRPr lang="en-US" sz="4400" dirty="0"/>
+          </a:p>
+        </p:txBody>
+      </p:sp>
+      <p:sp>
+        <p:nvSpPr>
+          <p:cNvPr id="7" name="Content Placeholder 2"/>
+          <p:cNvSpPr txBox="1">
+            <a:spLocks/>
+          </p:cNvSpPr>
+          <p:nvPr/>
+        </p:nvSpPr>
+        <p:spPr>
+          <a:xfrm>
+            <a:off x="1" y="1383804"/>
+            <a:ext cx="5129212" cy="5248656"/>
+          </a:xfrm>
+          <a:prstGeom prst="rect">
+            <a:avLst/>
+          </a:prstGeom>
+        </p:spPr>
+        <p:txBody>
+          <a:bodyPr>
+            <a:normAutofit/>
+          </a:bodyPr>
+          <a:lstStyle>
+            <a:lvl1pPr marL="228600" indent="-228600" algn="l" defTabSz="914400" rtl="0" eaLnBrk="1" latinLnBrk="0" hangingPunct="1">
+              <a:lnSpc>
+                <a:spcPct val="100000"/>
+              </a:lnSpc>
+              <a:spcBef>
+                <a:spcPts val="1000"/>
+              </a:spcBef>
+              <a:buClr>
+                <a:schemeClr val="accent2"/>
+              </a:buClr>
+              <a:buFont typeface="Arial" panose="020B0604020202020204" pitchFamily="34" charset="0"/>
+              <a:buChar char="•"/>
+              <a:defRPr sz="1800" kern="1200">
+                <a:solidFill>
+                  <a:schemeClr val="tx1">
+                    <a:lumMod val="85000"/>
+                    <a:lumOff val="15000"/>
+                  </a:schemeClr>
+                </a:solidFill>
+                <a:latin typeface="+mn-lt"/>
+                <a:ea typeface="+mn-ea"/>
+                <a:cs typeface="+mn-cs"/>
+              </a:defRPr>
+            </a:lvl1pPr>
+            <a:lvl2pPr marL="457200" indent="-228600" algn="l" defTabSz="914400" rtl="0" eaLnBrk="1" latinLnBrk="0" hangingPunct="1">
+              <a:lnSpc>
+                <a:spcPct val="100000"/>
+              </a:lnSpc>
+              <a:spcBef>
+                <a:spcPts val="1000"/>
+              </a:spcBef>
+              <a:buClr>
+                <a:schemeClr val="accent2"/>
+              </a:buClr>
+              <a:buFont typeface="Arial" panose="020B0604020202020204" pitchFamily="34" charset="0"/>
+              <a:buChar char="•"/>
+              <a:defRPr sz="1600" kern="1200">
+                <a:solidFill>
+                  <a:schemeClr val="tx1">
+                    <a:lumMod val="85000"/>
+                    <a:lumOff val="15000"/>
+                  </a:schemeClr>
+                </a:solidFill>
+                <a:latin typeface="+mn-lt"/>
+                <a:ea typeface="+mn-ea"/>
+                <a:cs typeface="+mn-cs"/>
+              </a:defRPr>
+            </a:lvl2pPr>
+            <a:lvl3pPr marL="685800" indent="-228600" algn="l" defTabSz="914400" rtl="0" eaLnBrk="1" latinLnBrk="0" hangingPunct="1">
+              <a:lnSpc>
+                <a:spcPct val="100000"/>
+              </a:lnSpc>
+              <a:spcBef>
+                <a:spcPts val="1000"/>
+              </a:spcBef>
+              <a:buClr>
+                <a:schemeClr val="accent2"/>
+              </a:buClr>
+              <a:buFont typeface="Arial" panose="020B0604020202020204" pitchFamily="34" charset="0"/>
+              <a:buChar char="•"/>
+              <a:defRPr sz="1600" kern="1200">
+                <a:solidFill>
+                  <a:schemeClr val="tx1">
+                    <a:lumMod val="85000"/>
+                    <a:lumOff val="15000"/>
+                  </a:schemeClr>
+                </a:solidFill>
+                <a:latin typeface="+mn-lt"/>
+                <a:ea typeface="+mn-ea"/>
+                <a:cs typeface="+mn-cs"/>
+              </a:defRPr>
+            </a:lvl3pPr>
+            <a:lvl4pPr marL="914400" indent="-228600" algn="l" defTabSz="914400" rtl="0" eaLnBrk="1" latinLnBrk="0" hangingPunct="1">
+              <a:lnSpc>
+                <a:spcPct val="100000"/>
+              </a:lnSpc>
+              <a:spcBef>
+                <a:spcPts val="1000"/>
+              </a:spcBef>
+              <a:buClr>
+                <a:schemeClr val="accent2"/>
+              </a:buClr>
+              <a:buFont typeface="Arial" panose="020B0604020202020204" pitchFamily="34" charset="0"/>
+              <a:buChar char="•"/>
+              <a:defRPr sz="1600" kern="1200">
+                <a:solidFill>
+                  <a:schemeClr val="tx1">
+                    <a:lumMod val="85000"/>
+                    <a:lumOff val="15000"/>
+                  </a:schemeClr>
+                </a:solidFill>
+                <a:latin typeface="+mn-lt"/>
+                <a:ea typeface="+mn-ea"/>
+                <a:cs typeface="+mn-cs"/>
+              </a:defRPr>
+            </a:lvl4pPr>
+            <a:lvl5pPr marL="1143000" indent="-228600" algn="l" defTabSz="914400" rtl="0" eaLnBrk="1" latinLnBrk="0" hangingPunct="1">
+              <a:lnSpc>
+                <a:spcPct val="100000"/>
+              </a:lnSpc>
+              <a:spcBef>
+                <a:spcPts val="1000"/>
+              </a:spcBef>
+              <a:buClr>
+                <a:schemeClr val="accent2"/>
+              </a:buClr>
+              <a:buFont typeface="Arial" panose="020B0604020202020204" pitchFamily="34" charset="0"/>
+              <a:buChar char="•"/>
+              <a:defRPr sz="1600" kern="1200">
+                <a:solidFill>
+                  <a:schemeClr val="tx1">
+                    <a:lumMod val="85000"/>
+                    <a:lumOff val="15000"/>
+                  </a:schemeClr>
+                </a:solidFill>
+                <a:latin typeface="+mn-lt"/>
+                <a:ea typeface="+mn-ea"/>
+                <a:cs typeface="+mn-cs"/>
+              </a:defRPr>
+            </a:lvl5pPr>
+            <a:lvl6pPr marL="1312863" indent="-228600" algn="l" defTabSz="914400" rtl="0" eaLnBrk="1" latinLnBrk="0" hangingPunct="1">
+              <a:lnSpc>
+                <a:spcPct val="100000"/>
+              </a:lnSpc>
+              <a:spcBef>
+                <a:spcPts val="1000"/>
+              </a:spcBef>
+              <a:buClr>
+                <a:schemeClr val="accent2"/>
+              </a:buClr>
+              <a:buFont typeface="Arial" panose="020B0604020202020204" pitchFamily="34" charset="0"/>
+              <a:buChar char="•"/>
+              <a:defRPr sz="1600" kern="1200">
+                <a:solidFill>
+                  <a:schemeClr val="tx1"/>
+                </a:solidFill>
+                <a:latin typeface="+mn-lt"/>
+                <a:ea typeface="+mn-ea"/>
+                <a:cs typeface="+mn-cs"/>
+              </a:defRPr>
+            </a:lvl6pPr>
+            <a:lvl7pPr marL="1484313" indent="-228600" algn="l" defTabSz="914400" rtl="0" eaLnBrk="1" latinLnBrk="0" hangingPunct="1">
+              <a:lnSpc>
+                <a:spcPct val="100000"/>
+              </a:lnSpc>
+              <a:spcBef>
+                <a:spcPts val="1000"/>
+              </a:spcBef>
+              <a:buClr>
+                <a:schemeClr val="accent2"/>
+              </a:buClr>
+              <a:buFont typeface="Arial" panose="020B0604020202020204" pitchFamily="34" charset="0"/>
+              <a:buChar char="•"/>
+              <a:defRPr sz="1600" kern="1200">
+                <a:solidFill>
+                  <a:schemeClr val="tx1"/>
+                </a:solidFill>
+                <a:latin typeface="+mn-lt"/>
+                <a:ea typeface="+mn-ea"/>
+                <a:cs typeface="+mn-cs"/>
+              </a:defRPr>
+            </a:lvl7pPr>
+            <a:lvl8pPr marL="1657350" indent="-228600" algn="l" defTabSz="914400" rtl="0" eaLnBrk="1" latinLnBrk="0" hangingPunct="1">
+              <a:lnSpc>
+                <a:spcPct val="100000"/>
+              </a:lnSpc>
+              <a:spcBef>
+                <a:spcPts val="1000"/>
+              </a:spcBef>
+              <a:buClr>
+                <a:schemeClr val="accent2"/>
+              </a:buClr>
+              <a:buFont typeface="Arial" panose="020B0604020202020204" pitchFamily="34" charset="0"/>
+              <a:buChar char="•"/>
+              <a:defRPr sz="1600" kern="1200" baseline="0">
+                <a:solidFill>
+                  <a:schemeClr val="tx1"/>
+                </a:solidFill>
+                <a:latin typeface="+mn-lt"/>
+                <a:ea typeface="+mn-ea"/>
+                <a:cs typeface="+mn-cs"/>
+              </a:defRPr>
+            </a:lvl8pPr>
+            <a:lvl9pPr marL="1882775" indent="-228600" algn="l" defTabSz="914400" rtl="0" eaLnBrk="1" latinLnBrk="0" hangingPunct="1">
+              <a:lnSpc>
+                <a:spcPct val="100000"/>
+              </a:lnSpc>
+              <a:spcBef>
+                <a:spcPts val="1000"/>
+              </a:spcBef>
+              <a:buClr>
+                <a:schemeClr val="accent2"/>
+              </a:buClr>
+              <a:buFont typeface="Arial" panose="020B0604020202020204" pitchFamily="34" charset="0"/>
+              <a:buChar char="•"/>
+              <a:defRPr sz="1600" kern="1200" baseline="0">
+                <a:solidFill>
+                  <a:schemeClr val="tx1"/>
+                </a:solidFill>
+                <a:latin typeface="+mn-lt"/>
+                <a:ea typeface="+mn-ea"/>
+                <a:cs typeface="+mn-cs"/>
+              </a:defRPr>
+            </a:lvl9pPr>
+          </a:lstStyle>
+          <a:p>
+            <a:pPr marL="0" indent="0" algn="just">
+              <a:buNone/>
+            </a:pPr>
+            <a:r>
+              <a:rPr lang="en-US" sz="2400" dirty="0" smtClean="0">
+                <a:latin typeface="Corbel" panose="020B0503020204020204" pitchFamily="34" charset="0"/>
+              </a:rPr>
+              <a:t>BPE starts with initial vocabulary</a:t>
+            </a:r>
+          </a:p>
+          <a:p>
+            <a:pPr algn="just"/>
+            <a:r>
+              <a:rPr lang="en-US" sz="2400" dirty="0" smtClean="0">
+                <a:latin typeface="Corbel" panose="020B0503020204020204" pitchFamily="34" charset="0"/>
+              </a:rPr>
+              <a:t>Step 1: Split words into smaller units (characters).</a:t>
+            </a:r>
+          </a:p>
+          <a:p>
+            <a:pPr algn="just"/>
+            <a:r>
+              <a:rPr lang="en-US" sz="2400" dirty="0" smtClean="0">
+                <a:latin typeface="Corbel" panose="020B0503020204020204" pitchFamily="34" charset="0"/>
+              </a:rPr>
+              <a:t>Step 2: count the pair frequencies</a:t>
+            </a:r>
+          </a:p>
+          <a:p>
+            <a:pPr algn="just"/>
+            <a:r>
+              <a:rPr lang="en-US" sz="2400" dirty="0" smtClean="0">
+                <a:latin typeface="Corbel" panose="020B0503020204020204" pitchFamily="34" charset="0"/>
+              </a:rPr>
+              <a:t>Step 3: Choose the most frequent pair and add to merging rule. Add the token to vocabulary</a:t>
+            </a:r>
+          </a:p>
+          <a:p>
+            <a:pPr algn="just"/>
+            <a:r>
+              <a:rPr lang="en-US" sz="2400" dirty="0" smtClean="0">
+                <a:latin typeface="Corbel" panose="020B0503020204020204" pitchFamily="34" charset="0"/>
+              </a:rPr>
+              <a:t>Step 4: Do step 2 &amp; step 3 till we reach our desired max vocabulary size</a:t>
+            </a:r>
+          </a:p>
+          <a:p>
+            <a:pPr algn="just"/>
+            <a:r>
+              <a:rPr lang="en-US" sz="2400" dirty="0">
+                <a:latin typeface="Corbel" panose="020B0503020204020204" pitchFamily="34" charset="0"/>
+              </a:rPr>
+              <a:t>Step 5: Place the tokens to replace the original words</a:t>
+            </a:r>
+          </a:p>
+          <a:p>
+            <a:pPr algn="just"/>
+            <a:endParaRPr lang="en-US" sz="2400" dirty="0">
+              <a:latin typeface="Corbel" panose="020B0503020204020204" pitchFamily="34" charset="0"/>
+            </a:endParaRPr>
+          </a:p>
+        </p:txBody>
+      </p:sp>
+      <p:pic>
+        <p:nvPicPr>
+          <p:cNvPr id="2" name="Picture 1"/>
+          <p:cNvPicPr>
+            <a:picLocks noChangeAspect="1"/>
+          </p:cNvPicPr>
+          <p:nvPr/>
+        </p:nvPicPr>
+        <p:blipFill>
+          <a:blip r:embed="rId2"/>
+          <a:stretch>
+            <a:fillRect/>
+          </a:stretch>
+        </p:blipFill>
+        <p:spPr>
+          <a:xfrm>
+            <a:off x="5676522" y="1383804"/>
+            <a:ext cx="5410955" cy="4134427"/>
+          </a:xfrm>
+          <a:prstGeom prst="rect">
+            <a:avLst/>
+          </a:prstGeom>
+        </p:spPr>
+      </p:pic>
+    </p:spTree>
+    <p:extLst>
+      <p:ext uri="{BB962C8B-B14F-4D97-AF65-F5344CB8AC3E}">
+        <p14:creationId xmlns:p14="http://schemas.microsoft.com/office/powerpoint/2010/main" val="2236879345"/>
+      </p:ext>
+    </p:extLst>
+  </p:cSld>
+  <p:clrMapOvr>
+    <a:masterClrMapping/>
+  </p:clrMapOvr>
+</p:sld>
+</file>
+
+<file path=ppt/slides/slide14.xml><?xml version="1.0" encoding="utf-8"?>
+<p:sld xmlns:a="http://schemas.openxmlformats.org/drawingml/2006/main" xmlns:r="http://schemas.openxmlformats.org/officeDocument/2006/relationships" xmlns:p="http://schemas.openxmlformats.org/presentationml/2006/main">
+  <p:cSld>
+    <p:bg>
+      <p:bgPr>
+        <a:solidFill>
+          <a:schemeClr val="bg1"/>
+        </a:solidFill>
+        <a:effectLst/>
+      </p:bgPr>
+    </p:bg>
+    <p:spTree>
+      <p:nvGrpSpPr>
+        <p:cNvPr id="1" name=""/>
+        <p:cNvGrpSpPr/>
+        <p:nvPr/>
+      </p:nvGrpSpPr>
+      <p:grpSpPr>
+        <a:xfrm>
+          <a:off x="0" y="0"/>
+          <a:ext cx="0" cy="0"/>
+          <a:chOff x="0" y="0"/>
+          <a:chExt cx="0" cy="0"/>
+        </a:xfrm>
+      </p:grpSpPr>
+      <p:sp>
+        <p:nvSpPr>
+          <p:cNvPr id="5" name="TextBox 4"/>
+          <p:cNvSpPr txBox="1"/>
+          <p:nvPr/>
+        </p:nvSpPr>
+        <p:spPr>
+          <a:xfrm>
+            <a:off x="0" y="0"/>
+            <a:ext cx="12192000" cy="769441"/>
+          </a:xfrm>
+          <a:prstGeom prst="rect">
+            <a:avLst/>
+          </a:prstGeom>
+          <a:solidFill>
+            <a:schemeClr val="accent2"/>
+          </a:solidFill>
+        </p:spPr>
+        <p:txBody>
+          <a:bodyPr wrap="square" rtlCol="0">
+            <a:spAutoFit/>
+          </a:bodyPr>
+          <a:lstStyle/>
+          <a:p>
+            <a:r>
+              <a:rPr lang="en-US" sz="4400" dirty="0" smtClean="0"/>
+              <a:t>Word Piece Tokenization</a:t>
+            </a:r>
+            <a:endParaRPr lang="en-US" sz="4400" dirty="0"/>
+          </a:p>
+        </p:txBody>
+      </p:sp>
+      <p:sp>
+        <p:nvSpPr>
+          <p:cNvPr id="7" name="Content Placeholder 2"/>
+          <p:cNvSpPr txBox="1">
+            <a:spLocks/>
+          </p:cNvSpPr>
+          <p:nvPr/>
+        </p:nvSpPr>
+        <p:spPr>
+          <a:xfrm>
+            <a:off x="1" y="1383804"/>
+            <a:ext cx="5129212" cy="5248656"/>
+          </a:xfrm>
+          <a:prstGeom prst="rect">
+            <a:avLst/>
+          </a:prstGeom>
+        </p:spPr>
+        <p:txBody>
+          <a:bodyPr>
+            <a:normAutofit lnSpcReduction="10000"/>
+          </a:bodyPr>
+          <a:lstStyle>
+            <a:lvl1pPr marL="228600" indent="-228600" algn="l" defTabSz="914400" rtl="0" eaLnBrk="1" latinLnBrk="0" hangingPunct="1">
+              <a:lnSpc>
+                <a:spcPct val="100000"/>
+              </a:lnSpc>
+              <a:spcBef>
+                <a:spcPts val="1000"/>
+              </a:spcBef>
+              <a:buClr>
+                <a:schemeClr val="accent2"/>
+              </a:buClr>
+              <a:buFont typeface="Arial" panose="020B0604020202020204" pitchFamily="34" charset="0"/>
+              <a:buChar char="•"/>
+              <a:defRPr sz="1800" kern="1200">
+                <a:solidFill>
+                  <a:schemeClr val="tx1">
+                    <a:lumMod val="85000"/>
+                    <a:lumOff val="15000"/>
+                  </a:schemeClr>
+                </a:solidFill>
+                <a:latin typeface="+mn-lt"/>
+                <a:ea typeface="+mn-ea"/>
+                <a:cs typeface="+mn-cs"/>
+              </a:defRPr>
+            </a:lvl1pPr>
+            <a:lvl2pPr marL="457200" indent="-228600" algn="l" defTabSz="914400" rtl="0" eaLnBrk="1" latinLnBrk="0" hangingPunct="1">
+              <a:lnSpc>
+                <a:spcPct val="100000"/>
+              </a:lnSpc>
+              <a:spcBef>
+                <a:spcPts val="1000"/>
+              </a:spcBef>
+              <a:buClr>
+                <a:schemeClr val="accent2"/>
+              </a:buClr>
+              <a:buFont typeface="Arial" panose="020B0604020202020204" pitchFamily="34" charset="0"/>
+              <a:buChar char="•"/>
+              <a:defRPr sz="1600" kern="1200">
+                <a:solidFill>
+                  <a:schemeClr val="tx1">
+                    <a:lumMod val="85000"/>
+                    <a:lumOff val="15000"/>
+                  </a:schemeClr>
+                </a:solidFill>
+                <a:latin typeface="+mn-lt"/>
+                <a:ea typeface="+mn-ea"/>
+                <a:cs typeface="+mn-cs"/>
+              </a:defRPr>
+            </a:lvl2pPr>
+            <a:lvl3pPr marL="685800" indent="-228600" algn="l" defTabSz="914400" rtl="0" eaLnBrk="1" latinLnBrk="0" hangingPunct="1">
+              <a:lnSpc>
+                <a:spcPct val="100000"/>
+              </a:lnSpc>
+              <a:spcBef>
+                <a:spcPts val="1000"/>
+              </a:spcBef>
+              <a:buClr>
+                <a:schemeClr val="accent2"/>
+              </a:buClr>
+              <a:buFont typeface="Arial" panose="020B0604020202020204" pitchFamily="34" charset="0"/>
+              <a:buChar char="•"/>
+              <a:defRPr sz="1600" kern="1200">
+                <a:solidFill>
+                  <a:schemeClr val="tx1">
+                    <a:lumMod val="85000"/>
+                    <a:lumOff val="15000"/>
+                  </a:schemeClr>
+                </a:solidFill>
+                <a:latin typeface="+mn-lt"/>
+                <a:ea typeface="+mn-ea"/>
+                <a:cs typeface="+mn-cs"/>
+              </a:defRPr>
+            </a:lvl3pPr>
+            <a:lvl4pPr marL="914400" indent="-228600" algn="l" defTabSz="914400" rtl="0" eaLnBrk="1" latinLnBrk="0" hangingPunct="1">
+              <a:lnSpc>
+                <a:spcPct val="100000"/>
+              </a:lnSpc>
+              <a:spcBef>
+                <a:spcPts val="1000"/>
+              </a:spcBef>
+              <a:buClr>
+                <a:schemeClr val="accent2"/>
+              </a:buClr>
+              <a:buFont typeface="Arial" panose="020B0604020202020204" pitchFamily="34" charset="0"/>
+              <a:buChar char="•"/>
+              <a:defRPr sz="1600" kern="1200">
+                <a:solidFill>
+                  <a:schemeClr val="tx1">
+                    <a:lumMod val="85000"/>
+                    <a:lumOff val="15000"/>
+                  </a:schemeClr>
+                </a:solidFill>
+                <a:latin typeface="+mn-lt"/>
+                <a:ea typeface="+mn-ea"/>
+                <a:cs typeface="+mn-cs"/>
+              </a:defRPr>
+            </a:lvl4pPr>
+            <a:lvl5pPr marL="1143000" indent="-228600" algn="l" defTabSz="914400" rtl="0" eaLnBrk="1" latinLnBrk="0" hangingPunct="1">
+              <a:lnSpc>
+                <a:spcPct val="100000"/>
+              </a:lnSpc>
+              <a:spcBef>
+                <a:spcPts val="1000"/>
+              </a:spcBef>
+              <a:buClr>
+                <a:schemeClr val="accent2"/>
+              </a:buClr>
+              <a:buFont typeface="Arial" panose="020B0604020202020204" pitchFamily="34" charset="0"/>
+              <a:buChar char="•"/>
+              <a:defRPr sz="1600" kern="1200">
+                <a:solidFill>
+                  <a:schemeClr val="tx1">
+                    <a:lumMod val="85000"/>
+                    <a:lumOff val="15000"/>
+                  </a:schemeClr>
+                </a:solidFill>
+                <a:latin typeface="+mn-lt"/>
+                <a:ea typeface="+mn-ea"/>
+                <a:cs typeface="+mn-cs"/>
+              </a:defRPr>
+            </a:lvl5pPr>
+            <a:lvl6pPr marL="1312863" indent="-228600" algn="l" defTabSz="914400" rtl="0" eaLnBrk="1" latinLnBrk="0" hangingPunct="1">
+              <a:lnSpc>
+                <a:spcPct val="100000"/>
+              </a:lnSpc>
+              <a:spcBef>
+                <a:spcPts val="1000"/>
+              </a:spcBef>
+              <a:buClr>
+                <a:schemeClr val="accent2"/>
+              </a:buClr>
+              <a:buFont typeface="Arial" panose="020B0604020202020204" pitchFamily="34" charset="0"/>
+              <a:buChar char="•"/>
+              <a:defRPr sz="1600" kern="1200">
+                <a:solidFill>
+                  <a:schemeClr val="tx1"/>
+                </a:solidFill>
+                <a:latin typeface="+mn-lt"/>
+                <a:ea typeface="+mn-ea"/>
+                <a:cs typeface="+mn-cs"/>
+              </a:defRPr>
+            </a:lvl6pPr>
+            <a:lvl7pPr marL="1484313" indent="-228600" algn="l" defTabSz="914400" rtl="0" eaLnBrk="1" latinLnBrk="0" hangingPunct="1">
+              <a:lnSpc>
+                <a:spcPct val="100000"/>
+              </a:lnSpc>
+              <a:spcBef>
+                <a:spcPts val="1000"/>
+              </a:spcBef>
+              <a:buClr>
+                <a:schemeClr val="accent2"/>
+              </a:buClr>
+              <a:buFont typeface="Arial" panose="020B0604020202020204" pitchFamily="34" charset="0"/>
+              <a:buChar char="•"/>
+              <a:defRPr sz="1600" kern="1200">
+                <a:solidFill>
+                  <a:schemeClr val="tx1"/>
+                </a:solidFill>
+                <a:latin typeface="+mn-lt"/>
+                <a:ea typeface="+mn-ea"/>
+                <a:cs typeface="+mn-cs"/>
+              </a:defRPr>
+            </a:lvl7pPr>
+            <a:lvl8pPr marL="1657350" indent="-228600" algn="l" defTabSz="914400" rtl="0" eaLnBrk="1" latinLnBrk="0" hangingPunct="1">
+              <a:lnSpc>
+                <a:spcPct val="100000"/>
+              </a:lnSpc>
+              <a:spcBef>
+                <a:spcPts val="1000"/>
+              </a:spcBef>
+              <a:buClr>
+                <a:schemeClr val="accent2"/>
+              </a:buClr>
+              <a:buFont typeface="Arial" panose="020B0604020202020204" pitchFamily="34" charset="0"/>
+              <a:buChar char="•"/>
+              <a:defRPr sz="1600" kern="1200" baseline="0">
+                <a:solidFill>
+                  <a:schemeClr val="tx1"/>
+                </a:solidFill>
+                <a:latin typeface="+mn-lt"/>
+                <a:ea typeface="+mn-ea"/>
+                <a:cs typeface="+mn-cs"/>
+              </a:defRPr>
+            </a:lvl8pPr>
+            <a:lvl9pPr marL="1882775" indent="-228600" algn="l" defTabSz="914400" rtl="0" eaLnBrk="1" latinLnBrk="0" hangingPunct="1">
+              <a:lnSpc>
+                <a:spcPct val="100000"/>
+              </a:lnSpc>
+              <a:spcBef>
+                <a:spcPts val="1000"/>
+              </a:spcBef>
+              <a:buClr>
+                <a:schemeClr val="accent2"/>
+              </a:buClr>
+              <a:buFont typeface="Arial" panose="020B0604020202020204" pitchFamily="34" charset="0"/>
+              <a:buChar char="•"/>
+              <a:defRPr sz="1600" kern="1200" baseline="0">
+                <a:solidFill>
+                  <a:schemeClr val="tx1"/>
+                </a:solidFill>
+                <a:latin typeface="+mn-lt"/>
+                <a:ea typeface="+mn-ea"/>
+                <a:cs typeface="+mn-cs"/>
+              </a:defRPr>
+            </a:lvl9pPr>
+          </a:lstStyle>
+          <a:p>
+            <a:pPr marL="0" indent="0" algn="just">
+              <a:buNone/>
+            </a:pPr>
+            <a:r>
+              <a:rPr lang="en-US" sz="2400" dirty="0" smtClean="0">
+                <a:latin typeface="Corbel" panose="020B0503020204020204" pitchFamily="34" charset="0"/>
+              </a:rPr>
+              <a:t>Word Piece starts with initial vocabulary</a:t>
+            </a:r>
+          </a:p>
+          <a:p>
+            <a:pPr algn="just"/>
+            <a:r>
+              <a:rPr lang="en-US" sz="2400" dirty="0" smtClean="0">
+                <a:latin typeface="Corbel" panose="020B0503020204020204" pitchFamily="34" charset="0"/>
+              </a:rPr>
+              <a:t>Step 1: Split words into smaller units (characters).</a:t>
+            </a:r>
+          </a:p>
+          <a:p>
+            <a:pPr algn="just"/>
+            <a:r>
+              <a:rPr lang="en-US" sz="2400" dirty="0" smtClean="0">
+                <a:latin typeface="Corbel" panose="020B0503020204020204" pitchFamily="34" charset="0"/>
+              </a:rPr>
+              <a:t>Step 2: count the pair frequencies</a:t>
+            </a:r>
+          </a:p>
+          <a:p>
+            <a:pPr algn="just"/>
+            <a:r>
+              <a:rPr lang="en-US" sz="2400" dirty="0" smtClean="0">
+                <a:latin typeface="Corbel" panose="020B0503020204020204" pitchFamily="34" charset="0"/>
+              </a:rPr>
+              <a:t>Step 3: Compute pair score</a:t>
+            </a:r>
+          </a:p>
+          <a:p>
+            <a:pPr lvl="1" algn="just"/>
+            <a:r>
+              <a:rPr lang="en-US" sz="2200" dirty="0" err="1" smtClean="0">
+                <a:latin typeface="Corbel" panose="020B0503020204020204" pitchFamily="34" charset="0"/>
+              </a:rPr>
+              <a:t>Freq</a:t>
+            </a:r>
+            <a:r>
+              <a:rPr lang="en-US" sz="2200" dirty="0" smtClean="0">
+                <a:latin typeface="Corbel" panose="020B0503020204020204" pitchFamily="34" charset="0"/>
+              </a:rPr>
+              <a:t> of pair/ (</a:t>
+            </a:r>
+            <a:r>
+              <a:rPr lang="en-US" sz="2200" dirty="0" err="1" smtClean="0">
+                <a:latin typeface="Corbel" panose="020B0503020204020204" pitchFamily="34" charset="0"/>
+              </a:rPr>
+              <a:t>freq</a:t>
+            </a:r>
+            <a:r>
+              <a:rPr lang="en-US" sz="2200" dirty="0" smtClean="0">
+                <a:latin typeface="Corbel" panose="020B0503020204020204" pitchFamily="34" charset="0"/>
+              </a:rPr>
+              <a:t> of element 1) * </a:t>
+            </a:r>
+            <a:r>
+              <a:rPr lang="en-US" sz="2200" dirty="0">
+                <a:latin typeface="Corbel" panose="020B0503020204020204" pitchFamily="34" charset="0"/>
+              </a:rPr>
+              <a:t>(</a:t>
+            </a:r>
+            <a:r>
+              <a:rPr lang="en-US" sz="2200" dirty="0" err="1">
+                <a:latin typeface="Corbel" panose="020B0503020204020204" pitchFamily="34" charset="0"/>
+              </a:rPr>
+              <a:t>freq</a:t>
+            </a:r>
+            <a:r>
+              <a:rPr lang="en-US" sz="2200" dirty="0">
+                <a:latin typeface="Corbel" panose="020B0503020204020204" pitchFamily="34" charset="0"/>
+              </a:rPr>
+              <a:t> of element </a:t>
+            </a:r>
+            <a:r>
+              <a:rPr lang="en-US" sz="2200" dirty="0" smtClean="0">
+                <a:latin typeface="Corbel" panose="020B0503020204020204" pitchFamily="34" charset="0"/>
+              </a:rPr>
+              <a:t>2) </a:t>
+            </a:r>
+          </a:p>
+          <a:p>
+            <a:pPr algn="just"/>
+            <a:r>
+              <a:rPr lang="en-US" sz="2400" dirty="0" smtClean="0">
+                <a:latin typeface="Corbel" panose="020B0503020204020204" pitchFamily="34" charset="0"/>
+              </a:rPr>
+              <a:t>Step 4: Do step 2 &amp; step 3 till we reach our desired max vocabulary size </a:t>
+            </a:r>
+            <a:r>
+              <a:rPr lang="en-US" sz="2400" dirty="0">
+                <a:latin typeface="Corbel" panose="020B0503020204020204" pitchFamily="34" charset="0"/>
+              </a:rPr>
+              <a:t>and add the newly </a:t>
+            </a:r>
+            <a:r>
+              <a:rPr lang="en-US" sz="2400" dirty="0" smtClean="0">
+                <a:latin typeface="Corbel" panose="020B0503020204020204" pitchFamily="34" charset="0"/>
+              </a:rPr>
+              <a:t>created </a:t>
+            </a:r>
+            <a:r>
+              <a:rPr lang="en-US" sz="2400" dirty="0">
+                <a:latin typeface="Corbel" panose="020B0503020204020204" pitchFamily="34" charset="0"/>
+              </a:rPr>
+              <a:t>tokens to </a:t>
+            </a:r>
+            <a:r>
+              <a:rPr lang="en-US" sz="2400" dirty="0" smtClean="0">
+                <a:latin typeface="Corbel" panose="020B0503020204020204" pitchFamily="34" charset="0"/>
+              </a:rPr>
+              <a:t>vocab</a:t>
+            </a:r>
+          </a:p>
+          <a:p>
+            <a:pPr algn="just"/>
+            <a:r>
+              <a:rPr lang="en-US" sz="2400" dirty="0">
+                <a:latin typeface="Corbel" panose="020B0503020204020204" pitchFamily="34" charset="0"/>
+              </a:rPr>
+              <a:t>Use the new vocabulary to tokenize</a:t>
+            </a:r>
+          </a:p>
+          <a:p>
+            <a:pPr algn="just"/>
+            <a:endParaRPr lang="en-US" sz="2400" dirty="0">
+              <a:latin typeface="Corbel" panose="020B0503020204020204" pitchFamily="34" charset="0"/>
+            </a:endParaRPr>
+          </a:p>
+        </p:txBody>
+      </p:sp>
+      <p:pic>
+        <p:nvPicPr>
+          <p:cNvPr id="3" name="Picture 2"/>
+          <p:cNvPicPr>
+            <a:picLocks noChangeAspect="1"/>
+          </p:cNvPicPr>
+          <p:nvPr/>
+        </p:nvPicPr>
+        <p:blipFill>
+          <a:blip r:embed="rId2"/>
+          <a:stretch>
+            <a:fillRect/>
+          </a:stretch>
+        </p:blipFill>
+        <p:spPr>
+          <a:xfrm>
+            <a:off x="5583189" y="1571625"/>
+            <a:ext cx="6243981" cy="3698781"/>
+          </a:xfrm>
+          <a:prstGeom prst="rect">
+            <a:avLst/>
+          </a:prstGeom>
+        </p:spPr>
+      </p:pic>
+    </p:spTree>
+    <p:extLst>
+      <p:ext uri="{BB962C8B-B14F-4D97-AF65-F5344CB8AC3E}">
+        <p14:creationId xmlns:p14="http://schemas.microsoft.com/office/powerpoint/2010/main" val="375622858"/>
+      </p:ext>
+    </p:extLst>
+  </p:cSld>
+  <p:clrMapOvr>
+    <a:masterClrMapping/>
+  </p:clrMapOvr>
+</p:sld>
+</file>
+
+<file path=ppt/slides/slide15.xml><?xml version="1.0" encoding="utf-8"?>
+<p:sld xmlns:a="http://schemas.openxmlformats.org/drawingml/2006/main" xmlns:r="http://schemas.openxmlformats.org/officeDocument/2006/relationships" xmlns:p="http://schemas.openxmlformats.org/presentationml/2006/main">
+  <p:cSld>
+    <p:bg>
+      <p:bgPr>
+        <a:solidFill>
+          <a:schemeClr val="bg1"/>
+        </a:solidFill>
+        <a:effectLst/>
+      </p:bgPr>
+    </p:bg>
+    <p:spTree>
+      <p:nvGrpSpPr>
+        <p:cNvPr id="1" name=""/>
+        <p:cNvGrpSpPr/>
+        <p:nvPr/>
+      </p:nvGrpSpPr>
+      <p:grpSpPr>
+        <a:xfrm>
+          <a:off x="0" y="0"/>
+          <a:ext cx="0" cy="0"/>
+          <a:chOff x="0" y="0"/>
+          <a:chExt cx="0" cy="0"/>
+        </a:xfrm>
+      </p:grpSpPr>
+      <p:sp>
+        <p:nvSpPr>
+          <p:cNvPr id="5" name="TextBox 4"/>
+          <p:cNvSpPr txBox="1"/>
+          <p:nvPr/>
+        </p:nvSpPr>
+        <p:spPr>
+          <a:xfrm>
+            <a:off x="0" y="0"/>
+            <a:ext cx="12192000" cy="769441"/>
+          </a:xfrm>
+          <a:prstGeom prst="rect">
+            <a:avLst/>
+          </a:prstGeom>
+          <a:solidFill>
+            <a:schemeClr val="accent2"/>
+          </a:solidFill>
+        </p:spPr>
+        <p:txBody>
+          <a:bodyPr wrap="square" rtlCol="0">
+            <a:spAutoFit/>
+          </a:bodyPr>
+          <a:lstStyle/>
+          <a:p>
+            <a:r>
+              <a:rPr lang="en-US" sz="4400" dirty="0" smtClean="0"/>
+              <a:t>Word Piece Tokenization</a:t>
+            </a:r>
+            <a:endParaRPr lang="en-US" sz="4400" dirty="0"/>
+          </a:p>
+        </p:txBody>
+      </p:sp>
+      <p:sp>
+        <p:nvSpPr>
+          <p:cNvPr id="7" name="Content Placeholder 2"/>
+          <p:cNvSpPr txBox="1">
+            <a:spLocks/>
+          </p:cNvSpPr>
+          <p:nvPr/>
+        </p:nvSpPr>
+        <p:spPr>
+          <a:xfrm>
+            <a:off x="1" y="1383804"/>
+            <a:ext cx="5129212" cy="5248656"/>
+          </a:xfrm>
+          <a:prstGeom prst="rect">
+            <a:avLst/>
+          </a:prstGeom>
+        </p:spPr>
+        <p:txBody>
+          <a:bodyPr>
+            <a:normAutofit fontScale="92500"/>
+          </a:bodyPr>
+          <a:lstStyle>
+            <a:lvl1pPr marL="228600" indent="-228600" algn="l" defTabSz="914400" rtl="0" eaLnBrk="1" latinLnBrk="0" hangingPunct="1">
+              <a:lnSpc>
+                <a:spcPct val="100000"/>
+              </a:lnSpc>
+              <a:spcBef>
+                <a:spcPts val="1000"/>
+              </a:spcBef>
+              <a:buClr>
+                <a:schemeClr val="accent2"/>
+              </a:buClr>
+              <a:buFont typeface="Arial" panose="020B0604020202020204" pitchFamily="34" charset="0"/>
+              <a:buChar char="•"/>
+              <a:defRPr sz="1800" kern="1200">
+                <a:solidFill>
+                  <a:schemeClr val="tx1">
+                    <a:lumMod val="85000"/>
+                    <a:lumOff val="15000"/>
+                  </a:schemeClr>
+                </a:solidFill>
+                <a:latin typeface="+mn-lt"/>
+                <a:ea typeface="+mn-ea"/>
+                <a:cs typeface="+mn-cs"/>
+              </a:defRPr>
+            </a:lvl1pPr>
+            <a:lvl2pPr marL="457200" indent="-228600" algn="l" defTabSz="914400" rtl="0" eaLnBrk="1" latinLnBrk="0" hangingPunct="1">
+              <a:lnSpc>
+                <a:spcPct val="100000"/>
+              </a:lnSpc>
+              <a:spcBef>
+                <a:spcPts val="1000"/>
+              </a:spcBef>
+              <a:buClr>
+                <a:schemeClr val="accent2"/>
+              </a:buClr>
+              <a:buFont typeface="Arial" panose="020B0604020202020204" pitchFamily="34" charset="0"/>
+              <a:buChar char="•"/>
+              <a:defRPr sz="1600" kern="1200">
+                <a:solidFill>
+                  <a:schemeClr val="tx1">
+                    <a:lumMod val="85000"/>
+                    <a:lumOff val="15000"/>
+                  </a:schemeClr>
+                </a:solidFill>
+                <a:latin typeface="+mn-lt"/>
+                <a:ea typeface="+mn-ea"/>
+                <a:cs typeface="+mn-cs"/>
+              </a:defRPr>
+            </a:lvl2pPr>
+            <a:lvl3pPr marL="685800" indent="-228600" algn="l" defTabSz="914400" rtl="0" eaLnBrk="1" latinLnBrk="0" hangingPunct="1">
+              <a:lnSpc>
+                <a:spcPct val="100000"/>
+              </a:lnSpc>
+              <a:spcBef>
+                <a:spcPts val="1000"/>
+              </a:spcBef>
+              <a:buClr>
+                <a:schemeClr val="accent2"/>
+              </a:buClr>
+              <a:buFont typeface="Arial" panose="020B0604020202020204" pitchFamily="34" charset="0"/>
+              <a:buChar char="•"/>
+              <a:defRPr sz="1600" kern="1200">
+                <a:solidFill>
+                  <a:schemeClr val="tx1">
+                    <a:lumMod val="85000"/>
+                    <a:lumOff val="15000"/>
+                  </a:schemeClr>
+                </a:solidFill>
+                <a:latin typeface="+mn-lt"/>
+                <a:ea typeface="+mn-ea"/>
+                <a:cs typeface="+mn-cs"/>
+              </a:defRPr>
+            </a:lvl3pPr>
+            <a:lvl4pPr marL="914400" indent="-228600" algn="l" defTabSz="914400" rtl="0" eaLnBrk="1" latinLnBrk="0" hangingPunct="1">
+              <a:lnSpc>
+                <a:spcPct val="100000"/>
+              </a:lnSpc>
+              <a:spcBef>
+                <a:spcPts val="1000"/>
+              </a:spcBef>
+              <a:buClr>
+                <a:schemeClr val="accent2"/>
+              </a:buClr>
+              <a:buFont typeface="Arial" panose="020B0604020202020204" pitchFamily="34" charset="0"/>
+              <a:buChar char="•"/>
+              <a:defRPr sz="1600" kern="1200">
+                <a:solidFill>
+                  <a:schemeClr val="tx1">
+                    <a:lumMod val="85000"/>
+                    <a:lumOff val="15000"/>
+                  </a:schemeClr>
+                </a:solidFill>
+                <a:latin typeface="+mn-lt"/>
+                <a:ea typeface="+mn-ea"/>
+                <a:cs typeface="+mn-cs"/>
+              </a:defRPr>
+            </a:lvl4pPr>
+            <a:lvl5pPr marL="1143000" indent="-228600" algn="l" defTabSz="914400" rtl="0" eaLnBrk="1" latinLnBrk="0" hangingPunct="1">
+              <a:lnSpc>
+                <a:spcPct val="100000"/>
+              </a:lnSpc>
+              <a:spcBef>
+                <a:spcPts val="1000"/>
+              </a:spcBef>
+              <a:buClr>
+                <a:schemeClr val="accent2"/>
+              </a:buClr>
+              <a:buFont typeface="Arial" panose="020B0604020202020204" pitchFamily="34" charset="0"/>
+              <a:buChar char="•"/>
+              <a:defRPr sz="1600" kern="1200">
+                <a:solidFill>
+                  <a:schemeClr val="tx1">
+                    <a:lumMod val="85000"/>
+                    <a:lumOff val="15000"/>
+                  </a:schemeClr>
+                </a:solidFill>
+                <a:latin typeface="+mn-lt"/>
+                <a:ea typeface="+mn-ea"/>
+                <a:cs typeface="+mn-cs"/>
+              </a:defRPr>
+            </a:lvl5pPr>
+            <a:lvl6pPr marL="1312863" indent="-228600" algn="l" defTabSz="914400" rtl="0" eaLnBrk="1" latinLnBrk="0" hangingPunct="1">
+              <a:lnSpc>
+                <a:spcPct val="100000"/>
+              </a:lnSpc>
+              <a:spcBef>
+                <a:spcPts val="1000"/>
+              </a:spcBef>
+              <a:buClr>
+                <a:schemeClr val="accent2"/>
+              </a:buClr>
+              <a:buFont typeface="Arial" panose="020B0604020202020204" pitchFamily="34" charset="0"/>
+              <a:buChar char="•"/>
+              <a:defRPr sz="1600" kern="1200">
+                <a:solidFill>
+                  <a:schemeClr val="tx1"/>
+                </a:solidFill>
+                <a:latin typeface="+mn-lt"/>
+                <a:ea typeface="+mn-ea"/>
+                <a:cs typeface="+mn-cs"/>
+              </a:defRPr>
+            </a:lvl6pPr>
+            <a:lvl7pPr marL="1484313" indent="-228600" algn="l" defTabSz="914400" rtl="0" eaLnBrk="1" latinLnBrk="0" hangingPunct="1">
+              <a:lnSpc>
+                <a:spcPct val="100000"/>
+              </a:lnSpc>
+              <a:spcBef>
+                <a:spcPts val="1000"/>
+              </a:spcBef>
+              <a:buClr>
+                <a:schemeClr val="accent2"/>
+              </a:buClr>
+              <a:buFont typeface="Arial" panose="020B0604020202020204" pitchFamily="34" charset="0"/>
+              <a:buChar char="•"/>
+              <a:defRPr sz="1600" kern="1200">
+                <a:solidFill>
+                  <a:schemeClr val="tx1"/>
+                </a:solidFill>
+                <a:latin typeface="+mn-lt"/>
+                <a:ea typeface="+mn-ea"/>
+                <a:cs typeface="+mn-cs"/>
+              </a:defRPr>
+            </a:lvl7pPr>
+            <a:lvl8pPr marL="1657350" indent="-228600" algn="l" defTabSz="914400" rtl="0" eaLnBrk="1" latinLnBrk="0" hangingPunct="1">
+              <a:lnSpc>
+                <a:spcPct val="100000"/>
+              </a:lnSpc>
+              <a:spcBef>
+                <a:spcPts val="1000"/>
+              </a:spcBef>
+              <a:buClr>
+                <a:schemeClr val="accent2"/>
+              </a:buClr>
+              <a:buFont typeface="Arial" panose="020B0604020202020204" pitchFamily="34" charset="0"/>
+              <a:buChar char="•"/>
+              <a:defRPr sz="1600" kern="1200" baseline="0">
+                <a:solidFill>
+                  <a:schemeClr val="tx1"/>
+                </a:solidFill>
+                <a:latin typeface="+mn-lt"/>
+                <a:ea typeface="+mn-ea"/>
+                <a:cs typeface="+mn-cs"/>
+              </a:defRPr>
+            </a:lvl8pPr>
+            <a:lvl9pPr marL="1882775" indent="-228600" algn="l" defTabSz="914400" rtl="0" eaLnBrk="1" latinLnBrk="0" hangingPunct="1">
+              <a:lnSpc>
+                <a:spcPct val="100000"/>
+              </a:lnSpc>
+              <a:spcBef>
+                <a:spcPts val="1000"/>
+              </a:spcBef>
+              <a:buClr>
+                <a:schemeClr val="accent2"/>
+              </a:buClr>
+              <a:buFont typeface="Arial" panose="020B0604020202020204" pitchFamily="34" charset="0"/>
+              <a:buChar char="•"/>
+              <a:defRPr sz="1600" kern="1200" baseline="0">
+                <a:solidFill>
+                  <a:schemeClr val="tx1"/>
+                </a:solidFill>
+                <a:latin typeface="+mn-lt"/>
+                <a:ea typeface="+mn-ea"/>
+                <a:cs typeface="+mn-cs"/>
+              </a:defRPr>
+            </a:lvl9pPr>
+          </a:lstStyle>
+          <a:p>
+            <a:pPr marL="0" indent="0" algn="just">
+              <a:buNone/>
+            </a:pPr>
+            <a:r>
+              <a:rPr lang="en-US" sz="2400" dirty="0" smtClean="0">
+                <a:latin typeface="Corbel" panose="020B0503020204020204" pitchFamily="34" charset="0"/>
+              </a:rPr>
+              <a:t>Word Piece starts with initial vocabulary</a:t>
+            </a:r>
+          </a:p>
+          <a:p>
+            <a:pPr algn="just"/>
+            <a:r>
+              <a:rPr lang="en-US" sz="2400" dirty="0" smtClean="0">
+                <a:latin typeface="Corbel" panose="020B0503020204020204" pitchFamily="34" charset="0"/>
+              </a:rPr>
+              <a:t>Step 1: Split words into smaller units (characters).</a:t>
+            </a:r>
+          </a:p>
+          <a:p>
+            <a:pPr algn="just"/>
+            <a:r>
+              <a:rPr lang="en-US" sz="2400" dirty="0" smtClean="0">
+                <a:latin typeface="Corbel" panose="020B0503020204020204" pitchFamily="34" charset="0"/>
+              </a:rPr>
+              <a:t>Step 2: count the pair frequencies</a:t>
+            </a:r>
+          </a:p>
+          <a:p>
+            <a:pPr algn="just"/>
+            <a:r>
+              <a:rPr lang="en-US" sz="2400" dirty="0" smtClean="0">
+                <a:latin typeface="Corbel" panose="020B0503020204020204" pitchFamily="34" charset="0"/>
+              </a:rPr>
+              <a:t>Step 3: Compute pair score</a:t>
+            </a:r>
+          </a:p>
+          <a:p>
+            <a:pPr lvl="1" algn="just"/>
+            <a:r>
+              <a:rPr lang="en-US" sz="2200" dirty="0" err="1" smtClean="0">
+                <a:latin typeface="Corbel" panose="020B0503020204020204" pitchFamily="34" charset="0"/>
+              </a:rPr>
+              <a:t>Freq</a:t>
+            </a:r>
+            <a:r>
+              <a:rPr lang="en-US" sz="2200" dirty="0" smtClean="0">
+                <a:latin typeface="Corbel" panose="020B0503020204020204" pitchFamily="34" charset="0"/>
+              </a:rPr>
+              <a:t> of pair/ (</a:t>
+            </a:r>
+            <a:r>
+              <a:rPr lang="en-US" sz="2200" dirty="0" err="1" smtClean="0">
+                <a:latin typeface="Corbel" panose="020B0503020204020204" pitchFamily="34" charset="0"/>
+              </a:rPr>
+              <a:t>freq</a:t>
+            </a:r>
+            <a:r>
+              <a:rPr lang="en-US" sz="2200" dirty="0" smtClean="0">
+                <a:latin typeface="Corbel" panose="020B0503020204020204" pitchFamily="34" charset="0"/>
+              </a:rPr>
+              <a:t> of element 1) * </a:t>
+            </a:r>
+            <a:r>
+              <a:rPr lang="en-US" sz="2200" dirty="0">
+                <a:latin typeface="Corbel" panose="020B0503020204020204" pitchFamily="34" charset="0"/>
+              </a:rPr>
+              <a:t>(</a:t>
+            </a:r>
+            <a:r>
+              <a:rPr lang="en-US" sz="2200" dirty="0" err="1">
+                <a:latin typeface="Corbel" panose="020B0503020204020204" pitchFamily="34" charset="0"/>
+              </a:rPr>
+              <a:t>freq</a:t>
+            </a:r>
+            <a:r>
+              <a:rPr lang="en-US" sz="2200" dirty="0">
+                <a:latin typeface="Corbel" panose="020B0503020204020204" pitchFamily="34" charset="0"/>
+              </a:rPr>
+              <a:t> of element </a:t>
+            </a:r>
+            <a:r>
+              <a:rPr lang="en-US" sz="2200" dirty="0" smtClean="0">
+                <a:latin typeface="Corbel" panose="020B0503020204020204" pitchFamily="34" charset="0"/>
+              </a:rPr>
+              <a:t>2) </a:t>
+            </a:r>
+          </a:p>
+          <a:p>
+            <a:pPr algn="just"/>
+            <a:r>
+              <a:rPr lang="en-US" sz="2400" dirty="0" smtClean="0">
+                <a:latin typeface="Corbel" panose="020B0503020204020204" pitchFamily="34" charset="0"/>
+              </a:rPr>
+              <a:t>Step 4: Do step 2 &amp; step 3 till we reach our desired max vocabulary size and add the newly created tokens to vocab</a:t>
+            </a:r>
+          </a:p>
+          <a:p>
+            <a:pPr algn="just"/>
+            <a:r>
+              <a:rPr lang="en-US" sz="2400" dirty="0" smtClean="0">
+                <a:latin typeface="Corbel" panose="020B0503020204020204" pitchFamily="34" charset="0"/>
+              </a:rPr>
+              <a:t>Step 5: Use the new vocabulary to tokenize</a:t>
+            </a:r>
+            <a:endParaRPr lang="en-US" sz="2400" dirty="0">
+              <a:latin typeface="Corbel" panose="020B0503020204020204" pitchFamily="34" charset="0"/>
+            </a:endParaRPr>
+          </a:p>
+        </p:txBody>
+      </p:sp>
+      <p:pic>
+        <p:nvPicPr>
+          <p:cNvPr id="2" name="Picture 1"/>
+          <p:cNvPicPr>
+            <a:picLocks noChangeAspect="1"/>
+          </p:cNvPicPr>
+          <p:nvPr/>
+        </p:nvPicPr>
+        <p:blipFill>
+          <a:blip r:embed="rId2"/>
+          <a:stretch>
+            <a:fillRect/>
+          </a:stretch>
+        </p:blipFill>
+        <p:spPr>
+          <a:xfrm>
+            <a:off x="5384907" y="1383804"/>
+            <a:ext cx="6450568" cy="3910414"/>
+          </a:xfrm>
+          <a:prstGeom prst="rect">
+            <a:avLst/>
+          </a:prstGeom>
+        </p:spPr>
+      </p:pic>
+    </p:spTree>
+    <p:extLst>
+      <p:ext uri="{BB962C8B-B14F-4D97-AF65-F5344CB8AC3E}">
+        <p14:creationId xmlns:p14="http://schemas.microsoft.com/office/powerpoint/2010/main" val="3168413201"/>
+      </p:ext>
+    </p:extLst>
+  </p:cSld>
+  <p:clrMapOvr>
+    <a:masterClrMapping/>
+  </p:clrMapOvr>
+</p:sld>
+</file>
+
+<file path=ppt/slides/slide16.xml><?xml version="1.0" encoding="utf-8"?>
+<p:sld xmlns:a="http://schemas.openxmlformats.org/drawingml/2006/main" xmlns:r="http://schemas.openxmlformats.org/officeDocument/2006/relationships" xmlns:p="http://schemas.openxmlformats.org/presentationml/2006/main">
+  <p:cSld>
     <p:spTree>
       <p:nvGrpSpPr>
         <p:cNvPr id="1" name=""/>
@@ -7160,7 +9658,11 @@
           <a:bodyPr/>
           <a:lstStyle/>
           <a:p>
-            <a:endParaRPr lang="en-US"/>
+            <a:r>
+              <a:rPr lang="en-US" dirty="0" err="1" smtClean="0"/>
+              <a:t>ComParisons</a:t>
+            </a:r>
+            <a:endParaRPr lang="en-US" dirty="0"/>
           </a:p>
         </p:txBody>
       </p:sp>
@@ -7203,7 +9705,7 @@
 </p:sld>
 </file>
 
-<file path=ppt/slides/slide11.xml><?xml version="1.0" encoding="utf-8"?>
+<file path=ppt/slides/slide17.xml><?xml version="1.0" encoding="utf-8"?>
 <p:sld xmlns:a="http://schemas.openxmlformats.org/drawingml/2006/main" xmlns:r="http://schemas.openxmlformats.org/officeDocument/2006/relationships" xmlns:p="http://schemas.openxmlformats.org/presentationml/2006/main">
   <p:cSld>
     <p:bg>
@@ -7516,7 +10018,7 @@
 </p:sld>
 </file>
 
-<file path=ppt/slides/slide12.xml><?xml version="1.0" encoding="utf-8"?>
+<file path=ppt/slides/slide18.xml><?xml version="1.0" encoding="utf-8"?>
 <p:sld xmlns:a="http://schemas.openxmlformats.org/drawingml/2006/main" xmlns:r="http://schemas.openxmlformats.org/officeDocument/2006/relationships" xmlns:p="http://schemas.openxmlformats.org/presentationml/2006/main">
   <p:cSld>
     <p:bg>
@@ -7821,7 +10323,350 @@
 </p:sld>
 </file>
 
-<file path=ppt/slides/slide13.xml><?xml version="1.0" encoding="utf-8"?>
+<file path=ppt/slides/slide19.xml><?xml version="1.0" encoding="utf-8"?>
+<p:sld xmlns:a="http://schemas.openxmlformats.org/drawingml/2006/main" xmlns:r="http://schemas.openxmlformats.org/officeDocument/2006/relationships" xmlns:p="http://schemas.openxmlformats.org/presentationml/2006/main">
+  <p:cSld>
+    <p:spTree>
+      <p:nvGrpSpPr>
+        <p:cNvPr id="1" name=""/>
+        <p:cNvGrpSpPr/>
+        <p:nvPr/>
+      </p:nvGrpSpPr>
+      <p:grpSpPr>
+        <a:xfrm>
+          <a:off x="0" y="0"/>
+          <a:ext cx="0" cy="0"/>
+          <a:chOff x="0" y="0"/>
+          <a:chExt cx="0" cy="0"/>
+        </a:xfrm>
+      </p:grpSpPr>
+      <p:sp>
+        <p:nvSpPr>
+          <p:cNvPr id="5" name="Title 4"/>
+          <p:cNvSpPr>
+            <a:spLocks noGrp="1"/>
+          </p:cNvSpPr>
+          <p:nvPr>
+            <p:ph type="ctrTitle"/>
+          </p:nvPr>
+        </p:nvSpPr>
+        <p:spPr/>
+        <p:txBody>
+          <a:bodyPr/>
+          <a:lstStyle/>
+          <a:p>
+            <a:r>
+              <a:rPr lang="en-US" dirty="0" err="1" smtClean="0"/>
+              <a:t>ComParisons</a:t>
+            </a:r>
+            <a:endParaRPr lang="en-US" dirty="0"/>
+          </a:p>
+        </p:txBody>
+      </p:sp>
+      <p:sp>
+        <p:nvSpPr>
+          <p:cNvPr id="6" name="Subtitle 5"/>
+          <p:cNvSpPr>
+            <a:spLocks noGrp="1"/>
+          </p:cNvSpPr>
+          <p:nvPr>
+            <p:ph type="subTitle" idx="1"/>
+          </p:nvPr>
+        </p:nvSpPr>
+        <p:spPr/>
+        <p:txBody>
+          <a:bodyPr/>
+          <a:lstStyle/>
+          <a:p>
+            <a:endParaRPr lang="en-US"/>
+          </a:p>
+        </p:txBody>
+      </p:sp>
+    </p:spTree>
+    <p:extLst>
+      <p:ext uri="{BB962C8B-B14F-4D97-AF65-F5344CB8AC3E}">
+        <p14:creationId xmlns:p14="http://schemas.microsoft.com/office/powerpoint/2010/main" val="3180914144"/>
+      </p:ext>
+    </p:extLst>
+  </p:cSld>
+  <p:clrMapOvr>
+    <a:masterClrMapping/>
+  </p:clrMapOvr>
+  <p:timing>
+    <p:tnLst>
+      <p:par>
+        <p:cTn id="1" dur="indefinite" restart="never" nodeType="tmRoot"/>
+      </p:par>
+    </p:tnLst>
+  </p:timing>
+</p:sld>
+</file>
+
+<file path=ppt/slides/slide2.xml><?xml version="1.0" encoding="utf-8"?>
+<p:sld xmlns:a="http://schemas.openxmlformats.org/drawingml/2006/main" xmlns:r="http://schemas.openxmlformats.org/officeDocument/2006/relationships" xmlns:p="http://schemas.openxmlformats.org/presentationml/2006/main">
+  <p:cSld>
+    <p:spTree>
+      <p:nvGrpSpPr>
+        <p:cNvPr id="1" name=""/>
+        <p:cNvGrpSpPr/>
+        <p:nvPr/>
+      </p:nvGrpSpPr>
+      <p:grpSpPr>
+        <a:xfrm>
+          <a:off x="0" y="0"/>
+          <a:ext cx="0" cy="0"/>
+          <a:chOff x="0" y="0"/>
+          <a:chExt cx="0" cy="0"/>
+        </a:xfrm>
+      </p:grpSpPr>
+      <p:sp>
+        <p:nvSpPr>
+          <p:cNvPr id="2" name="Title 1"/>
+          <p:cNvSpPr>
+            <a:spLocks noGrp="1"/>
+          </p:cNvSpPr>
+          <p:nvPr>
+            <p:ph type="title"/>
+          </p:nvPr>
+        </p:nvSpPr>
+        <p:spPr/>
+        <p:txBody>
+          <a:bodyPr/>
+          <a:lstStyle/>
+          <a:p>
+            <a:r>
+              <a:rPr lang="en-US" dirty="0" smtClean="0"/>
+              <a:t>LLM</a:t>
+            </a:r>
+            <a:endParaRPr lang="en-US" dirty="0"/>
+          </a:p>
+        </p:txBody>
+      </p:sp>
+      <p:sp>
+        <p:nvSpPr>
+          <p:cNvPr id="3" name="Content Placeholder 2"/>
+          <p:cNvSpPr>
+            <a:spLocks noGrp="1"/>
+          </p:cNvSpPr>
+          <p:nvPr>
+            <p:ph idx="1"/>
+          </p:nvPr>
+        </p:nvSpPr>
+        <p:spPr>
+          <a:xfrm>
+            <a:off x="5569527" y="0"/>
+            <a:ext cx="6622473" cy="6858000"/>
+          </a:xfrm>
+          <a:solidFill>
+            <a:schemeClr val="bg1"/>
+          </a:solidFill>
+        </p:spPr>
+        <p:txBody>
+          <a:bodyPr>
+            <a:normAutofit fontScale="92500" lnSpcReduction="10000"/>
+          </a:bodyPr>
+          <a:lstStyle/>
+          <a:p>
+            <a:pPr marL="342900" indent="-342900">
+              <a:buFont typeface="+mj-lt"/>
+              <a:buAutoNum type="arabicPeriod"/>
+            </a:pPr>
+            <a:endParaRPr lang="en-US" dirty="0" smtClean="0">
+              <a:latin typeface="Comic Sans MS" panose="030F0702030302020204" pitchFamily="66" charset="0"/>
+            </a:endParaRPr>
+          </a:p>
+          <a:p>
+            <a:pPr marL="342900" indent="-342900">
+              <a:buFont typeface="+mj-lt"/>
+              <a:buAutoNum type="arabicPeriod"/>
+            </a:pPr>
+            <a:r>
+              <a:rPr lang="en-US" dirty="0" smtClean="0">
+                <a:latin typeface="Comic Sans MS" panose="030F0702030302020204" pitchFamily="66" charset="0"/>
+              </a:rPr>
+              <a:t>Can </a:t>
+            </a:r>
+            <a:r>
+              <a:rPr lang="en-US" dirty="0">
+                <a:latin typeface="Comic Sans MS" panose="030F0702030302020204" pitchFamily="66" charset="0"/>
+              </a:rPr>
+              <a:t>you explain what a large language model is and how it works?</a:t>
+            </a:r>
+          </a:p>
+          <a:p>
+            <a:pPr marL="342900" indent="-342900">
+              <a:buFont typeface="+mj-lt"/>
+              <a:buAutoNum type="arabicPeriod"/>
+            </a:pPr>
+            <a:r>
+              <a:rPr lang="en-US" dirty="0">
+                <a:latin typeface="Comic Sans MS" panose="030F0702030302020204" pitchFamily="66" charset="0"/>
+              </a:rPr>
+              <a:t>How are large language models trained? Describe the pre-training and fine-tuning processes.</a:t>
+            </a:r>
+          </a:p>
+          <a:p>
+            <a:pPr marL="342900" indent="-342900">
+              <a:buFont typeface="+mj-lt"/>
+              <a:buAutoNum type="arabicPeriod"/>
+            </a:pPr>
+            <a:r>
+              <a:rPr lang="en-US" dirty="0">
+                <a:latin typeface="Comic Sans MS" panose="030F0702030302020204" pitchFamily="66" charset="0"/>
+              </a:rPr>
+              <a:t>What are some challenges or limitations associated with large language models?</a:t>
+            </a:r>
+          </a:p>
+          <a:p>
+            <a:pPr marL="342900" indent="-342900">
+              <a:buFont typeface="+mj-lt"/>
+              <a:buAutoNum type="arabicPeriod"/>
+            </a:pPr>
+            <a:r>
+              <a:rPr lang="en-US" dirty="0">
+                <a:latin typeface="Comic Sans MS" panose="030F0702030302020204" pitchFamily="66" charset="0"/>
+              </a:rPr>
+              <a:t>Large language models like GPT-3 have been known to generate text that may be biased or offensive. How would you address this issue in a production setting?</a:t>
+            </a:r>
+          </a:p>
+          <a:p>
+            <a:pPr marL="342900" indent="-342900">
+              <a:buFont typeface="+mj-lt"/>
+              <a:buAutoNum type="arabicPeriod"/>
+            </a:pPr>
+            <a:r>
+              <a:rPr lang="en-US" dirty="0">
+                <a:latin typeface="Comic Sans MS" panose="030F0702030302020204" pitchFamily="66" charset="0"/>
+              </a:rPr>
+              <a:t>How can large language models be used to generate text or assist in natural language processing tasks?</a:t>
+            </a:r>
+          </a:p>
+          <a:p>
+            <a:pPr marL="342900" indent="-342900">
+              <a:buFont typeface="+mj-lt"/>
+              <a:buAutoNum type="arabicPeriod"/>
+            </a:pPr>
+            <a:r>
+              <a:rPr lang="en-US" dirty="0">
+                <a:latin typeface="Comic Sans MS" panose="030F0702030302020204" pitchFamily="66" charset="0"/>
+              </a:rPr>
+              <a:t>What are some common applications of large language models in industry?</a:t>
+            </a:r>
+          </a:p>
+          <a:p>
+            <a:pPr marL="342900" indent="-342900">
+              <a:buFont typeface="+mj-lt"/>
+              <a:buAutoNum type="arabicPeriod"/>
+            </a:pPr>
+            <a:r>
+              <a:rPr lang="en-US" dirty="0">
+                <a:latin typeface="Comic Sans MS" panose="030F0702030302020204" pitchFamily="66" charset="0"/>
+              </a:rPr>
+              <a:t>How do you evaluate the performance of a large language model? What metrics or techniques can be used</a:t>
+            </a:r>
+            <a:r>
+              <a:rPr lang="en-US" dirty="0" smtClean="0">
+                <a:latin typeface="Comic Sans MS" panose="030F0702030302020204" pitchFamily="66" charset="0"/>
+              </a:rPr>
+              <a:t>?</a:t>
+            </a:r>
+          </a:p>
+          <a:p>
+            <a:pPr marL="342900" indent="-342900">
+              <a:buFont typeface="+mj-lt"/>
+              <a:buAutoNum type="arabicPeriod"/>
+            </a:pPr>
+            <a:r>
+              <a:rPr lang="en-US" dirty="0">
+                <a:latin typeface="Comic Sans MS" panose="030F0702030302020204" pitchFamily="66" charset="0"/>
+              </a:rPr>
+              <a:t>Can you explain the concept of transfer learning in the context of large language models?</a:t>
+            </a:r>
+          </a:p>
+          <a:p>
+            <a:pPr marL="342900" indent="-342900">
+              <a:buFont typeface="+mj-lt"/>
+              <a:buAutoNum type="arabicPeriod"/>
+            </a:pPr>
+            <a:r>
+              <a:rPr lang="en-US" dirty="0">
+                <a:latin typeface="Comic Sans MS" panose="030F0702030302020204" pitchFamily="66" charset="0"/>
+              </a:rPr>
+              <a:t>What are some alternatives to large language models for natural language processing tasks?</a:t>
+            </a:r>
+          </a:p>
+          <a:p>
+            <a:pPr marL="342900" indent="-342900">
+              <a:buFont typeface="+mj-lt"/>
+              <a:buAutoNum type="arabicPeriod"/>
+            </a:pPr>
+            <a:r>
+              <a:rPr lang="en-US" dirty="0">
+                <a:latin typeface="Comic Sans MS" panose="030F0702030302020204" pitchFamily="66" charset="0"/>
+              </a:rPr>
+              <a:t>Can you discuss any recent advancements or research in the field of large language models?</a:t>
+            </a:r>
+          </a:p>
+          <a:p>
+            <a:pPr marL="342900" indent="-342900">
+              <a:buFont typeface="+mj-lt"/>
+              <a:buAutoNum type="arabicPeriod"/>
+            </a:pPr>
+            <a:endParaRPr lang="en-US" dirty="0">
+              <a:latin typeface="Comic Sans MS" panose="030F0702030302020204" pitchFamily="66" charset="0"/>
+            </a:endParaRPr>
+          </a:p>
+          <a:p>
+            <a:pPr marL="342900" indent="-342900">
+              <a:buFont typeface="+mj-lt"/>
+              <a:buAutoNum type="arabicPeriod"/>
+            </a:pPr>
+            <a:endParaRPr lang="en-US" dirty="0">
+              <a:latin typeface="Comic Sans MS" panose="030F0702030302020204" pitchFamily="66" charset="0"/>
+            </a:endParaRPr>
+          </a:p>
+        </p:txBody>
+      </p:sp>
+      <p:sp>
+        <p:nvSpPr>
+          <p:cNvPr id="4" name="Text Placeholder 3"/>
+          <p:cNvSpPr>
+            <a:spLocks noGrp="1"/>
+          </p:cNvSpPr>
+          <p:nvPr>
+            <p:ph type="body" sz="half" idx="2"/>
+          </p:nvPr>
+        </p:nvSpPr>
+        <p:spPr/>
+        <p:txBody>
+          <a:bodyPr/>
+          <a:lstStyle/>
+          <a:p>
+            <a:endParaRPr lang="en-US"/>
+          </a:p>
+        </p:txBody>
+      </p:sp>
+    </p:spTree>
+    <p:extLst>
+      <p:ext uri="{BB962C8B-B14F-4D97-AF65-F5344CB8AC3E}">
+        <p14:creationId xmlns:p14="http://schemas.microsoft.com/office/powerpoint/2010/main" val="1758469939"/>
+      </p:ext>
+    </p:extLst>
+  </p:cSld>
+  <p:clrMapOvr>
+    <a:masterClrMapping/>
+  </p:clrMapOvr>
+  <p:timing>
+    <p:tnLst>
+      <p:par>
+        <p:cTn id="1" dur="indefinite" restart="never" nodeType="tmRoot"/>
+      </p:par>
+    </p:tnLst>
+  </p:timing>
+</p:sld>
+</file>
+
+<file path=ppt/slides/slide20.xml><?xml version="1.0" encoding="utf-8"?>
 <p:sld xmlns:a="http://schemas.openxmlformats.org/drawingml/2006/main" xmlns:r="http://schemas.openxmlformats.org/officeDocument/2006/relationships" xmlns:p="http://schemas.openxmlformats.org/presentationml/2006/main">
   <p:cSld>
     <p:bg>
@@ -8023,7 +10868,7 @@
 </p:sld>
 </file>
 
-<file path=ppt/slides/slide14.xml><?xml version="1.0" encoding="utf-8"?>
+<file path=ppt/slides/slide21.xml><?xml version="1.0" encoding="utf-8"?>
 <p:sld xmlns:a="http://schemas.openxmlformats.org/drawingml/2006/main" xmlns:r="http://schemas.openxmlformats.org/officeDocument/2006/relationships" xmlns:p="http://schemas.openxmlformats.org/presentationml/2006/main">
   <p:cSld>
     <p:bg>
@@ -8339,11 +11184,7 @@
             </a:r>
             <a:r>
               <a:rPr lang="en-US" dirty="0" smtClean="0"/>
-              <a:t> Data </a:t>
-            </a:r>
-            <a:r>
-              <a:rPr lang="en-US" dirty="0" smtClean="0"/>
-              <a:t>pre - processing</a:t>
+              <a:t> Data pre - processing</a:t>
             </a:r>
             <a:endParaRPr lang="en-US" dirty="0"/>
           </a:p>
@@ -8391,11 +11232,7 @@
             </a:r>
             <a:r>
               <a:rPr lang="en-US" dirty="0" smtClean="0"/>
-              <a:t> Text </a:t>
-            </a:r>
-            <a:r>
-              <a:rPr lang="en-US" dirty="0" smtClean="0"/>
-              <a:t>pre - processing</a:t>
+              <a:t> Text pre - processing</a:t>
             </a:r>
             <a:endParaRPr lang="en-US" dirty="0"/>
           </a:p>
@@ -8443,11 +11280,7 @@
             </a:r>
             <a:r>
               <a:rPr lang="en-US" dirty="0" smtClean="0"/>
-              <a:t> Word2Vec </a:t>
-            </a:r>
-            <a:r>
-              <a:rPr lang="en-US" dirty="0" smtClean="0"/>
-              <a:t>model</a:t>
+              <a:t> Word2Vec model</a:t>
             </a:r>
             <a:endParaRPr lang="en-US" dirty="0"/>
           </a:p>
@@ -8521,7 +11354,7 @@
 </p:sld>
 </file>
 
-<file path=ppt/slides/slide15.xml><?xml version="1.0" encoding="utf-8"?>
+<file path=ppt/slides/slide22.xml><?xml version="1.0" encoding="utf-8"?>
 <p:sld xmlns:a="http://schemas.openxmlformats.org/drawingml/2006/main" xmlns:r="http://schemas.openxmlformats.org/officeDocument/2006/relationships" xmlns:p="http://schemas.openxmlformats.org/presentationml/2006/main">
   <p:cSld>
     <p:bg>
@@ -8952,11 +11785,7 @@
             <a:pPr algn="ctr"/>
             <a:r>
               <a:rPr lang="en-US" dirty="0" smtClean="0"/>
-              <a:t>Sentence </a:t>
-            </a:r>
-            <a:r>
-              <a:rPr lang="en-US" dirty="0" smtClean="0"/>
-              <a:t>embedding</a:t>
+              <a:t>Sentence embedding</a:t>
             </a:r>
             <a:endParaRPr lang="en-US" dirty="0"/>
           </a:p>
@@ -8982,7 +11811,743 @@
 </p:sld>
 </file>
 
-<file path=ppt/slides/slide16.xml><?xml version="1.0" encoding="utf-8"?>
+<file path=ppt/slides/slide23.xml><?xml version="1.0" encoding="utf-8"?>
+<p:sld xmlns:a="http://schemas.openxmlformats.org/drawingml/2006/main" xmlns:r="http://schemas.openxmlformats.org/officeDocument/2006/relationships" xmlns:p="http://schemas.openxmlformats.org/presentationml/2006/main">
+  <p:cSld>
+    <p:bg>
+      <p:bgPr>
+        <a:solidFill>
+          <a:schemeClr val="bg1"/>
+        </a:solidFill>
+        <a:effectLst/>
+      </p:bgPr>
+    </p:bg>
+    <p:spTree>
+      <p:nvGrpSpPr>
+        <p:cNvPr id="1" name=""/>
+        <p:cNvGrpSpPr/>
+        <p:nvPr/>
+      </p:nvGrpSpPr>
+      <p:grpSpPr>
+        <a:xfrm>
+          <a:off x="0" y="0"/>
+          <a:ext cx="0" cy="0"/>
+          <a:chOff x="0" y="0"/>
+          <a:chExt cx="0" cy="0"/>
+        </a:xfrm>
+      </p:grpSpPr>
+      <p:sp>
+        <p:nvSpPr>
+          <p:cNvPr id="5" name="Rectangle 4"/>
+          <p:cNvSpPr/>
+          <p:nvPr/>
+        </p:nvSpPr>
+        <p:spPr>
+          <a:xfrm>
+            <a:off x="2571750" y="857251"/>
+            <a:ext cx="9184821" cy="1477328"/>
+          </a:xfrm>
+          <a:prstGeom prst="rect">
+            <a:avLst/>
+          </a:prstGeom>
+        </p:spPr>
+        <p:txBody>
+          <a:bodyPr wrap="square">
+            <a:spAutoFit/>
+          </a:bodyPr>
+          <a:lstStyle/>
+          <a:p>
+            <a:r>
+              <a:rPr lang="en-US" dirty="0">
+                <a:solidFill>
+                  <a:srgbClr val="374151"/>
+                </a:solidFill>
+                <a:latin typeface="Söhne"/>
+              </a:rPr>
+              <a:t>Imagine you are working as an NLP data scientist at a financial services firm, and your team is tasked with developing a transformer-based model to analyze customer feedback and complaints. Your model should be able to identify common themes and sentiments in the customer feedback, and provide recommendations to improve customer satisfaction</a:t>
+            </a:r>
+            <a:endParaRPr lang="en-US" dirty="0"/>
+          </a:p>
+        </p:txBody>
+      </p:sp>
+      <p:sp>
+        <p:nvSpPr>
+          <p:cNvPr id="6" name="Rectangle 5"/>
+          <p:cNvSpPr/>
+          <p:nvPr/>
+        </p:nvSpPr>
+        <p:spPr>
+          <a:xfrm>
+            <a:off x="1117600" y="3048000"/>
+            <a:ext cx="9666514" cy="3135086"/>
+          </a:xfrm>
+          <a:prstGeom prst="rect">
+            <a:avLst/>
+          </a:prstGeom>
+          <a:solidFill>
+            <a:schemeClr val="bg1"/>
+          </a:solidFill>
+          <a:ln>
+            <a:solidFill>
+              <a:schemeClr val="tx1"/>
+            </a:solidFill>
+          </a:ln>
+        </p:spPr>
+        <p:style>
+          <a:lnRef idx="2">
+            <a:schemeClr val="accent1">
+              <a:shade val="50000"/>
+            </a:schemeClr>
+          </a:lnRef>
+          <a:fillRef idx="1">
+            <a:schemeClr val="accent1"/>
+          </a:fillRef>
+          <a:effectRef idx="0">
+            <a:schemeClr val="accent1"/>
+          </a:effectRef>
+          <a:fontRef idx="minor">
+            <a:schemeClr val="lt1"/>
+          </a:fontRef>
+        </p:style>
+        <p:txBody>
+          <a:bodyPr rtlCol="0" anchor="ctr"/>
+          <a:lstStyle/>
+          <a:p>
+            <a:r>
+              <a:rPr lang="en-US" dirty="0" smtClean="0">
+                <a:ln w="0"/>
+                <a:solidFill>
+                  <a:schemeClr val="tx1"/>
+                </a:solidFill>
+                <a:effectLst>
+                  <a:outerShdw blurRad="38100" dist="19050" dir="2700000" algn="tl" rotWithShape="0">
+                    <a:schemeClr val="dk1">
+                      <a:alpha val="40000"/>
+                    </a:schemeClr>
+                  </a:outerShdw>
+                </a:effectLst>
+              </a:rPr>
+              <a:t>Business objective: Identify common themes and sentiments in customer feedback. </a:t>
+            </a:r>
+          </a:p>
+          <a:p>
+            <a:r>
+              <a:rPr lang="en-US" dirty="0" smtClean="0">
+                <a:ln w="0"/>
+                <a:solidFill>
+                  <a:schemeClr val="tx1"/>
+                </a:solidFill>
+                <a:effectLst>
+                  <a:outerShdw blurRad="38100" dist="19050" dir="2700000" algn="tl" rotWithShape="0">
+                    <a:schemeClr val="dk1">
+                      <a:alpha val="40000"/>
+                    </a:schemeClr>
+                  </a:outerShdw>
+                </a:effectLst>
+              </a:rPr>
+              <a:t>Data collection: Curate data (customer feedbacks, customer demographics, products subscribed by the customer, customer characteristics)</a:t>
+            </a:r>
+          </a:p>
+          <a:p>
+            <a:r>
+              <a:rPr lang="en-US" dirty="0" smtClean="0">
+                <a:ln w="0"/>
+                <a:solidFill>
+                  <a:schemeClr val="tx1"/>
+                </a:solidFill>
+                <a:effectLst>
+                  <a:outerShdw blurRad="38100" dist="19050" dir="2700000" algn="tl" rotWithShape="0">
+                    <a:schemeClr val="dk1">
+                      <a:alpha val="40000"/>
+                    </a:schemeClr>
+                  </a:outerShdw>
+                </a:effectLst>
+              </a:rPr>
+              <a:t>Data preprocessing: Remove timestamps, non verbal cues</a:t>
+            </a:r>
+          </a:p>
+          <a:p>
+            <a:r>
+              <a:rPr lang="en-US" dirty="0" smtClean="0">
+                <a:ln w="0"/>
+                <a:solidFill>
+                  <a:schemeClr val="tx1"/>
+                </a:solidFill>
+                <a:effectLst>
+                  <a:outerShdw blurRad="38100" dist="19050" dir="2700000" algn="tl" rotWithShape="0">
+                    <a:schemeClr val="dk1">
+                      <a:alpha val="40000"/>
+                    </a:schemeClr>
+                  </a:outerShdw>
+                </a:effectLst>
+              </a:rPr>
+              <a:t>Text </a:t>
+            </a:r>
+            <a:r>
+              <a:rPr lang="en-US" dirty="0" err="1" smtClean="0">
+                <a:ln w="0"/>
+                <a:solidFill>
+                  <a:schemeClr val="tx1"/>
+                </a:solidFill>
+                <a:effectLst>
+                  <a:outerShdw blurRad="38100" dist="19050" dir="2700000" algn="tl" rotWithShape="0">
+                    <a:schemeClr val="dk1">
+                      <a:alpha val="40000"/>
+                    </a:schemeClr>
+                  </a:outerShdw>
+                </a:effectLst>
+              </a:rPr>
+              <a:t>processing:Use</a:t>
+            </a:r>
+            <a:r>
+              <a:rPr lang="en-US" dirty="0" smtClean="0">
+                <a:ln w="0"/>
+                <a:solidFill>
+                  <a:schemeClr val="tx1"/>
+                </a:solidFill>
+                <a:effectLst>
+                  <a:outerShdw blurRad="38100" dist="19050" dir="2700000" algn="tl" rotWithShape="0">
+                    <a:schemeClr val="dk1">
+                      <a:alpha val="40000"/>
+                    </a:schemeClr>
+                  </a:outerShdw>
+                </a:effectLst>
+              </a:rPr>
+              <a:t> NLTK library to perform text preprocessing. </a:t>
+            </a:r>
+          </a:p>
+          <a:p>
+            <a:r>
+              <a:rPr lang="en-US" dirty="0" smtClean="0">
+                <a:ln w="0"/>
+                <a:solidFill>
+                  <a:schemeClr val="tx1"/>
+                </a:solidFill>
+                <a:effectLst>
+                  <a:outerShdw blurRad="38100" dist="19050" dir="2700000" algn="tl" rotWithShape="0">
+                    <a:schemeClr val="dk1">
+                      <a:alpha val="40000"/>
+                    </a:schemeClr>
+                  </a:outerShdw>
+                </a:effectLst>
+              </a:rPr>
+              <a:t>Tokenization: Convert individual sentences/feedbacks into tokens. Use </a:t>
+            </a:r>
+            <a:r>
+              <a:rPr lang="en-US" dirty="0" err="1" smtClean="0">
+                <a:ln w="0"/>
+                <a:solidFill>
+                  <a:schemeClr val="tx1"/>
+                </a:solidFill>
+                <a:effectLst>
+                  <a:outerShdw blurRad="38100" dist="19050" dir="2700000" algn="tl" rotWithShape="0">
+                    <a:schemeClr val="dk1">
+                      <a:alpha val="40000"/>
+                    </a:schemeClr>
+                  </a:outerShdw>
+                </a:effectLst>
+              </a:rPr>
+              <a:t>Huggingface</a:t>
+            </a:r>
+            <a:r>
+              <a:rPr lang="en-US" dirty="0" smtClean="0">
+                <a:ln w="0"/>
+                <a:solidFill>
+                  <a:schemeClr val="tx1"/>
+                </a:solidFill>
+                <a:effectLst>
+                  <a:outerShdw blurRad="38100" dist="19050" dir="2700000" algn="tl" rotWithShape="0">
+                    <a:schemeClr val="dk1">
+                      <a:alpha val="40000"/>
+                    </a:schemeClr>
+                  </a:outerShdw>
+                </a:effectLst>
+              </a:rPr>
+              <a:t> </a:t>
+            </a:r>
+            <a:r>
+              <a:rPr lang="en-US" dirty="0" err="1" smtClean="0">
+                <a:ln w="0"/>
+                <a:solidFill>
+                  <a:schemeClr val="tx1"/>
+                </a:solidFill>
+                <a:effectLst>
+                  <a:outerShdw blurRad="38100" dist="19050" dir="2700000" algn="tl" rotWithShape="0">
+                    <a:schemeClr val="dk1">
+                      <a:alpha val="40000"/>
+                    </a:schemeClr>
+                  </a:outerShdw>
+                </a:effectLst>
+              </a:rPr>
+              <a:t>Autotokenzer</a:t>
+            </a:r>
+            <a:r>
+              <a:rPr lang="en-US" dirty="0" smtClean="0">
+                <a:ln w="0"/>
+                <a:solidFill>
+                  <a:schemeClr val="tx1"/>
+                </a:solidFill>
+                <a:effectLst>
+                  <a:outerShdw blurRad="38100" dist="19050" dir="2700000" algn="tl" rotWithShape="0">
+                    <a:schemeClr val="dk1">
+                      <a:alpha val="40000"/>
+                    </a:schemeClr>
+                  </a:outerShdw>
+                </a:effectLst>
+              </a:rPr>
+              <a:t> based on the model</a:t>
+            </a:r>
+          </a:p>
+          <a:p>
+            <a:r>
+              <a:rPr lang="en-US" dirty="0" smtClean="0">
+                <a:ln w="0"/>
+                <a:solidFill>
+                  <a:schemeClr val="tx1"/>
+                </a:solidFill>
+                <a:effectLst>
+                  <a:outerShdw blurRad="38100" dist="19050" dir="2700000" algn="tl" rotWithShape="0">
+                    <a:schemeClr val="dk1">
+                      <a:alpha val="40000"/>
+                    </a:schemeClr>
+                  </a:outerShdw>
+                </a:effectLst>
+              </a:rPr>
+              <a:t>Model selection: We can use a base </a:t>
+            </a:r>
+            <a:r>
+              <a:rPr lang="en-US" dirty="0" err="1" smtClean="0">
+                <a:ln w="0"/>
+                <a:solidFill>
+                  <a:schemeClr val="tx1"/>
+                </a:solidFill>
+                <a:effectLst>
+                  <a:outerShdw blurRad="38100" dist="19050" dir="2700000" algn="tl" rotWithShape="0">
+                    <a:schemeClr val="dk1">
+                      <a:alpha val="40000"/>
+                    </a:schemeClr>
+                  </a:outerShdw>
+                </a:effectLst>
+              </a:rPr>
+              <a:t>bert</a:t>
+            </a:r>
+            <a:r>
+              <a:rPr lang="en-US" dirty="0" smtClean="0">
+                <a:ln w="0"/>
+                <a:solidFill>
+                  <a:schemeClr val="tx1"/>
+                </a:solidFill>
+                <a:effectLst>
+                  <a:outerShdw blurRad="38100" dist="19050" dir="2700000" algn="tl" rotWithShape="0">
+                    <a:schemeClr val="dk1">
+                      <a:alpha val="40000"/>
+                    </a:schemeClr>
+                  </a:outerShdw>
+                </a:effectLst>
+              </a:rPr>
+              <a:t> to train from scratch or leverage “sentiment analysis” </a:t>
+            </a:r>
+            <a:r>
+              <a:rPr lang="en-US" dirty="0" err="1" smtClean="0">
+                <a:ln w="0"/>
+                <a:solidFill>
+                  <a:schemeClr val="tx1"/>
+                </a:solidFill>
+                <a:effectLst>
+                  <a:outerShdw blurRad="38100" dist="19050" dir="2700000" algn="tl" rotWithShape="0">
+                    <a:schemeClr val="dk1">
+                      <a:alpha val="40000"/>
+                    </a:schemeClr>
+                  </a:outerShdw>
+                </a:effectLst>
+              </a:rPr>
+              <a:t>pretrained</a:t>
+            </a:r>
+            <a:r>
+              <a:rPr lang="en-US" dirty="0" smtClean="0">
+                <a:ln w="0"/>
+                <a:solidFill>
+                  <a:schemeClr val="tx1"/>
+                </a:solidFill>
+                <a:effectLst>
+                  <a:outerShdw blurRad="38100" dist="19050" dir="2700000" algn="tl" rotWithShape="0">
+                    <a:schemeClr val="dk1">
+                      <a:alpha val="40000"/>
+                    </a:schemeClr>
+                  </a:outerShdw>
+                </a:effectLst>
+              </a:rPr>
+              <a:t> model from hugging face</a:t>
+            </a:r>
+          </a:p>
+          <a:p>
+            <a:r>
+              <a:rPr lang="en-US" dirty="0" smtClean="0">
+                <a:ln w="0"/>
+                <a:solidFill>
+                  <a:schemeClr val="tx1"/>
+                </a:solidFill>
+                <a:effectLst>
+                  <a:outerShdw blurRad="38100" dist="19050" dir="2700000" algn="tl" rotWithShape="0">
+                    <a:schemeClr val="dk1">
+                      <a:alpha val="40000"/>
+                    </a:schemeClr>
+                  </a:outerShdw>
+                </a:effectLst>
+              </a:rPr>
+              <a:t>Model </a:t>
+            </a:r>
+            <a:r>
+              <a:rPr lang="en-US" dirty="0" err="1" smtClean="0">
+                <a:ln w="0"/>
+                <a:solidFill>
+                  <a:schemeClr val="tx1"/>
+                </a:solidFill>
+                <a:effectLst>
+                  <a:outerShdw blurRad="38100" dist="19050" dir="2700000" algn="tl" rotWithShape="0">
+                    <a:schemeClr val="dk1">
+                      <a:alpha val="40000"/>
+                    </a:schemeClr>
+                  </a:outerShdw>
+                </a:effectLst>
+              </a:rPr>
+              <a:t>Finetune</a:t>
+            </a:r>
+            <a:r>
+              <a:rPr lang="en-US" dirty="0" smtClean="0">
+                <a:ln w="0"/>
+                <a:solidFill>
+                  <a:schemeClr val="tx1"/>
+                </a:solidFill>
+                <a:effectLst>
+                  <a:outerShdw blurRad="38100" dist="19050" dir="2700000" algn="tl" rotWithShape="0">
+                    <a:schemeClr val="dk1">
+                      <a:alpha val="40000"/>
+                    </a:schemeClr>
+                  </a:outerShdw>
+                </a:effectLst>
+              </a:rPr>
+              <a:t>: prepare dataset with human annotated labels to fine tune the model. This is needed as we can leverage financial org specific terminologies to indicate sentiment</a:t>
+            </a:r>
+          </a:p>
+          <a:p>
+            <a:r>
+              <a:rPr lang="en-US" dirty="0" smtClean="0">
+                <a:ln w="0"/>
+                <a:solidFill>
+                  <a:schemeClr val="tx1"/>
+                </a:solidFill>
+                <a:effectLst>
+                  <a:outerShdw blurRad="38100" dist="19050" dir="2700000" algn="tl" rotWithShape="0">
+                    <a:schemeClr val="dk1">
+                      <a:alpha val="40000"/>
+                    </a:schemeClr>
+                  </a:outerShdw>
+                </a:effectLst>
+              </a:rPr>
+              <a:t>Model evaluation: We can use F1-score to evaluate the model performance</a:t>
+            </a:r>
+          </a:p>
+        </p:txBody>
+      </p:sp>
+      <p:sp>
+        <p:nvSpPr>
+          <p:cNvPr id="7" name="TextBox 6"/>
+          <p:cNvSpPr txBox="1"/>
+          <p:nvPr/>
+        </p:nvSpPr>
+        <p:spPr>
+          <a:xfrm>
+            <a:off x="0" y="391886"/>
+            <a:ext cx="2571750" cy="1384995"/>
+          </a:xfrm>
+          <a:prstGeom prst="rect">
+            <a:avLst/>
+          </a:prstGeom>
+          <a:noFill/>
+        </p:spPr>
+        <p:txBody>
+          <a:bodyPr wrap="square" rtlCol="0">
+            <a:spAutoFit/>
+          </a:bodyPr>
+          <a:lstStyle/>
+          <a:p>
+            <a:r>
+              <a:rPr lang="en-US" sz="2800" dirty="0" smtClean="0"/>
+              <a:t>Scenario: Sentiment Analysis</a:t>
+            </a:r>
+            <a:endParaRPr lang="en-US" sz="2800" dirty="0"/>
+          </a:p>
+        </p:txBody>
+      </p:sp>
+    </p:spTree>
+    <p:extLst>
+      <p:ext uri="{BB962C8B-B14F-4D97-AF65-F5344CB8AC3E}">
+        <p14:creationId xmlns:p14="http://schemas.microsoft.com/office/powerpoint/2010/main" val="940797225"/>
+      </p:ext>
+    </p:extLst>
+  </p:cSld>
+  <p:clrMapOvr>
+    <a:masterClrMapping/>
+  </p:clrMapOvr>
+</p:sld>
+</file>
+
+<file path=ppt/slides/slide24.xml><?xml version="1.0" encoding="utf-8"?>
+<p:sld xmlns:a="http://schemas.openxmlformats.org/drawingml/2006/main" xmlns:r="http://schemas.openxmlformats.org/officeDocument/2006/relationships" xmlns:p="http://schemas.openxmlformats.org/presentationml/2006/main">
+  <p:cSld>
+    <p:bg>
+      <p:bgPr>
+        <a:solidFill>
+          <a:schemeClr val="bg1"/>
+        </a:solidFill>
+        <a:effectLst/>
+      </p:bgPr>
+    </p:bg>
+    <p:spTree>
+      <p:nvGrpSpPr>
+        <p:cNvPr id="1" name=""/>
+        <p:cNvGrpSpPr/>
+        <p:nvPr/>
+      </p:nvGrpSpPr>
+      <p:grpSpPr>
+        <a:xfrm>
+          <a:off x="0" y="0"/>
+          <a:ext cx="0" cy="0"/>
+          <a:chOff x="0" y="0"/>
+          <a:chExt cx="0" cy="0"/>
+        </a:xfrm>
+      </p:grpSpPr>
+      <p:sp>
+        <p:nvSpPr>
+          <p:cNvPr id="5" name="Rectangle 4"/>
+          <p:cNvSpPr/>
+          <p:nvPr/>
+        </p:nvSpPr>
+        <p:spPr>
+          <a:xfrm>
+            <a:off x="2143125" y="391886"/>
+            <a:ext cx="9184821" cy="6463308"/>
+          </a:xfrm>
+          <a:prstGeom prst="rect">
+            <a:avLst/>
+          </a:prstGeom>
+        </p:spPr>
+        <p:txBody>
+          <a:bodyPr wrap="square">
+            <a:spAutoFit/>
+          </a:bodyPr>
+          <a:lstStyle/>
+          <a:p>
+            <a:r>
+              <a:rPr lang="en-US" dirty="0"/>
+              <a:t>Overall, your answer provides a good high-level overview of the steps involved in developing and training a transformer-based model for analyzing customer feedback. Here are some additional comments and suggestions:</a:t>
+            </a:r>
+          </a:p>
+          <a:p>
+            <a:pPr marL="342900" indent="-342900">
+              <a:buFont typeface="+mj-lt"/>
+              <a:buAutoNum type="arabicPeriod"/>
+            </a:pPr>
+            <a:r>
+              <a:rPr lang="en-US" dirty="0">
+                <a:solidFill>
+                  <a:srgbClr val="FF0000"/>
+                </a:solidFill>
+              </a:rPr>
+              <a:t>Data collection</a:t>
+            </a:r>
+            <a:r>
+              <a:rPr lang="en-US" dirty="0"/>
+              <a:t>: In addition to customer feedback and demographics, it may be useful to include data on the products or services that the customer used or interacted with, as this can help to contextualize the feedback and identify specific areas for improvement</a:t>
+            </a:r>
+            <a:r>
+              <a:rPr lang="en-US" dirty="0" smtClean="0"/>
+              <a:t>.</a:t>
+            </a:r>
+          </a:p>
+          <a:p>
+            <a:pPr marL="342900" indent="-342900">
+              <a:buFont typeface="+mj-lt"/>
+              <a:buAutoNum type="arabicPeriod"/>
+            </a:pPr>
+            <a:r>
+              <a:rPr lang="en-US" dirty="0" smtClean="0">
+                <a:solidFill>
+                  <a:srgbClr val="FF0000"/>
+                </a:solidFill>
+              </a:rPr>
+              <a:t>Text </a:t>
+            </a:r>
+            <a:r>
+              <a:rPr lang="en-US" dirty="0">
+                <a:solidFill>
+                  <a:srgbClr val="FF0000"/>
+                </a:solidFill>
+              </a:rPr>
+              <a:t>processing</a:t>
+            </a:r>
+            <a:r>
+              <a:rPr lang="en-US" dirty="0"/>
+              <a:t>: While NLTK is a useful library for text processing, it may be more efficient to use the built-in text preprocessing and tokenization functions provided by the transformer library that you are using (e.g., </a:t>
+            </a:r>
+            <a:r>
+              <a:rPr lang="en-US" dirty="0" err="1"/>
+              <a:t>Huggingface</a:t>
+            </a:r>
+            <a:r>
+              <a:rPr lang="en-US" dirty="0"/>
+              <a:t> Transformers). This can ensure that the preprocessing steps are consistent with the requirements of the model.</a:t>
+            </a:r>
+          </a:p>
+          <a:p>
+            <a:pPr marL="342900" indent="-342900">
+              <a:buFont typeface="+mj-lt"/>
+              <a:buAutoNum type="arabicPeriod"/>
+            </a:pPr>
+            <a:endParaRPr lang="en-US" dirty="0" smtClean="0"/>
+          </a:p>
+          <a:p>
+            <a:pPr marL="342900" indent="-342900">
+              <a:buFont typeface="+mj-lt"/>
+              <a:buAutoNum type="arabicPeriod"/>
+            </a:pPr>
+            <a:r>
+              <a:rPr lang="en-US" dirty="0" smtClean="0">
+                <a:solidFill>
+                  <a:srgbClr val="FF0000"/>
+                </a:solidFill>
+              </a:rPr>
+              <a:t>Model </a:t>
+            </a:r>
+            <a:r>
+              <a:rPr lang="en-US" dirty="0">
+                <a:solidFill>
+                  <a:srgbClr val="FF0000"/>
+                </a:solidFill>
+              </a:rPr>
+              <a:t>selection</a:t>
+            </a:r>
+            <a:r>
+              <a:rPr lang="en-US" dirty="0"/>
+              <a:t>: In addition to BERT and sentiment analysis models, it may be worth considering other transformer-based models such as T5 or GPT-3 that have shown promising results in natural language generation tasks</a:t>
+            </a:r>
+          </a:p>
+          <a:p>
+            <a:pPr marL="342900" indent="-342900">
+              <a:buFont typeface="+mj-lt"/>
+              <a:buAutoNum type="arabicPeriod"/>
+            </a:pPr>
+            <a:endParaRPr lang="en-US" dirty="0" smtClean="0">
+              <a:solidFill>
+                <a:srgbClr val="FF0000"/>
+              </a:solidFill>
+            </a:endParaRPr>
+          </a:p>
+          <a:p>
+            <a:pPr marL="342900" indent="-342900">
+              <a:buFont typeface="+mj-lt"/>
+              <a:buAutoNum type="arabicPeriod"/>
+            </a:pPr>
+            <a:r>
+              <a:rPr lang="en-US" dirty="0">
+                <a:solidFill>
+                  <a:srgbClr val="FF0000"/>
+                </a:solidFill>
+              </a:rPr>
+              <a:t>Model fine-tuning</a:t>
+            </a:r>
+            <a:r>
+              <a:rPr lang="en-US" dirty="0"/>
+              <a:t>: While using a pre-trained model can save time and resources, it's important to fine-tune the model on your specific task and domain to achieve optimal performance. It's also important to ensure that the labeled data used for fine-tuning is representative of the full range of feedback and sentiments that customers may express.</a:t>
+            </a:r>
+          </a:p>
+          <a:p>
+            <a:pPr marL="342900" indent="-342900">
+              <a:buFont typeface="+mj-lt"/>
+              <a:buAutoNum type="arabicPeriod"/>
+            </a:pPr>
+            <a:endParaRPr lang="en-US" dirty="0" smtClean="0"/>
+          </a:p>
+          <a:p>
+            <a:pPr marL="342900" indent="-342900">
+              <a:buFont typeface="+mj-lt"/>
+              <a:buAutoNum type="arabicPeriod"/>
+            </a:pPr>
+            <a:r>
+              <a:rPr lang="en-US" dirty="0" smtClean="0">
+                <a:solidFill>
+                  <a:srgbClr val="FF0000"/>
+                </a:solidFill>
+              </a:rPr>
+              <a:t>Model </a:t>
+            </a:r>
+            <a:r>
+              <a:rPr lang="en-US" dirty="0">
+                <a:solidFill>
+                  <a:srgbClr val="FF0000"/>
+                </a:solidFill>
+              </a:rPr>
+              <a:t>evaluation: </a:t>
+            </a:r>
+            <a:r>
+              <a:rPr lang="en-US" dirty="0"/>
+              <a:t>While F1-score is a useful metric for evaluating model performance, it may be worthwhile to also consider other metrics such as precision, recall, and accuracy</a:t>
+            </a:r>
+          </a:p>
+          <a:p>
+            <a:pPr marL="342900" indent="-342900">
+              <a:buFont typeface="+mj-lt"/>
+              <a:buAutoNum type="arabicPeriod"/>
+            </a:pPr>
+            <a:endParaRPr lang="en-US" dirty="0"/>
+          </a:p>
+        </p:txBody>
+      </p:sp>
+      <p:sp>
+        <p:nvSpPr>
+          <p:cNvPr id="7" name="TextBox 6"/>
+          <p:cNvSpPr txBox="1"/>
+          <p:nvPr/>
+        </p:nvSpPr>
+        <p:spPr>
+          <a:xfrm>
+            <a:off x="0" y="391886"/>
+            <a:ext cx="2571750" cy="1384995"/>
+          </a:xfrm>
+          <a:prstGeom prst="rect">
+            <a:avLst/>
+          </a:prstGeom>
+          <a:noFill/>
+        </p:spPr>
+        <p:txBody>
+          <a:bodyPr wrap="square" rtlCol="0">
+            <a:spAutoFit/>
+          </a:bodyPr>
+          <a:lstStyle/>
+          <a:p>
+            <a:r>
+              <a:rPr lang="en-US" sz="2800" dirty="0" smtClean="0"/>
+              <a:t>Scenario: Sentiment Analysis</a:t>
+            </a:r>
+            <a:endParaRPr lang="en-US" sz="2800" dirty="0"/>
+          </a:p>
+        </p:txBody>
+      </p:sp>
+    </p:spTree>
+    <p:extLst>
+      <p:ext uri="{BB962C8B-B14F-4D97-AF65-F5344CB8AC3E}">
+        <p14:creationId xmlns:p14="http://schemas.microsoft.com/office/powerpoint/2010/main" val="449971948"/>
+      </p:ext>
+    </p:extLst>
+  </p:cSld>
+  <p:clrMapOvr>
+    <a:masterClrMapping/>
+  </p:clrMapOvr>
+</p:sld>
+</file>
+
+<file path=ppt/slides/slide25.xml><?xml version="1.0" encoding="utf-8"?>
 <p:sld xmlns:a="http://schemas.openxmlformats.org/drawingml/2006/main" xmlns:r="http://schemas.openxmlformats.org/officeDocument/2006/relationships" xmlns:p="http://schemas.openxmlformats.org/presentationml/2006/main">
   <p:cSld>
     <p:spTree>
@@ -9061,7 +12626,7 @@
 </p:sld>
 </file>
 
-<file path=ppt/slides/slide17.xml><?xml version="1.0" encoding="utf-8"?>
+<file path=ppt/slides/slide26.xml><?xml version="1.0" encoding="utf-8"?>
 <p:sld xmlns:a="http://schemas.openxmlformats.org/drawingml/2006/main" xmlns:r="http://schemas.openxmlformats.org/officeDocument/2006/relationships" xmlns:p="http://schemas.openxmlformats.org/presentationml/2006/main">
   <p:cSld>
     <p:bg>
@@ -9220,7 +12785,7 @@
 </p:sld>
 </file>
 
-<file path=ppt/slides/slide18.xml><?xml version="1.0" encoding="utf-8"?>
+<file path=ppt/slides/slide27.xml><?xml version="1.0" encoding="utf-8"?>
 <p:sld xmlns:a="http://schemas.openxmlformats.org/drawingml/2006/main" xmlns:r="http://schemas.openxmlformats.org/officeDocument/2006/relationships" xmlns:p="http://schemas.openxmlformats.org/presentationml/2006/main">
   <p:cSld>
     <p:bg>
@@ -9382,7 +12947,7 @@
 </p:sld>
 </file>
 
-<file path=ppt/slides/slide19.xml><?xml version="1.0" encoding="utf-8"?>
+<file path=ppt/slides/slide28.xml><?xml version="1.0" encoding="utf-8"?>
 <p:sld xmlns:a="http://schemas.openxmlformats.org/drawingml/2006/main" xmlns:r="http://schemas.openxmlformats.org/officeDocument/2006/relationships" xmlns:p="http://schemas.openxmlformats.org/presentationml/2006/main">
   <p:cSld>
     <p:bg>
@@ -9544,271 +13109,7 @@
 </p:sld>
 </file>
 
-<file path=ppt/slides/slide2.xml><?xml version="1.0" encoding="utf-8"?>
-<p:sld xmlns:a="http://schemas.openxmlformats.org/drawingml/2006/main" xmlns:r="http://schemas.openxmlformats.org/officeDocument/2006/relationships" xmlns:p="http://schemas.openxmlformats.org/presentationml/2006/main">
-  <p:cSld>
-    <p:spTree>
-      <p:nvGrpSpPr>
-        <p:cNvPr id="1" name=""/>
-        <p:cNvGrpSpPr/>
-        <p:nvPr/>
-      </p:nvGrpSpPr>
-      <p:grpSpPr>
-        <a:xfrm>
-          <a:off x="0" y="0"/>
-          <a:ext cx="0" cy="0"/>
-          <a:chOff x="0" y="0"/>
-          <a:chExt cx="0" cy="0"/>
-        </a:xfrm>
-      </p:grpSpPr>
-      <p:sp>
-        <p:nvSpPr>
-          <p:cNvPr id="2" name="Title 1"/>
-          <p:cNvSpPr>
-            <a:spLocks noGrp="1"/>
-          </p:cNvSpPr>
-          <p:nvPr>
-            <p:ph type="title"/>
-          </p:nvPr>
-        </p:nvSpPr>
-        <p:spPr/>
-        <p:txBody>
-          <a:bodyPr/>
-          <a:lstStyle/>
-          <a:p>
-            <a:r>
-              <a:rPr lang="en-US" dirty="0" smtClean="0"/>
-              <a:t>LLM</a:t>
-            </a:r>
-            <a:endParaRPr lang="en-US" dirty="0"/>
-          </a:p>
-        </p:txBody>
-      </p:sp>
-      <p:sp>
-        <p:nvSpPr>
-          <p:cNvPr id="3" name="Content Placeholder 2"/>
-          <p:cNvSpPr>
-            <a:spLocks noGrp="1"/>
-          </p:cNvSpPr>
-          <p:nvPr>
-            <p:ph idx="1"/>
-          </p:nvPr>
-        </p:nvSpPr>
-        <p:spPr>
-          <a:xfrm>
-            <a:off x="5569527" y="0"/>
-            <a:ext cx="6622473" cy="6858000"/>
-          </a:xfrm>
-          <a:solidFill>
-            <a:schemeClr val="bg1"/>
-          </a:solidFill>
-        </p:spPr>
-        <p:txBody>
-          <a:bodyPr>
-            <a:normAutofit fontScale="92500" lnSpcReduction="10000"/>
-          </a:bodyPr>
-          <a:lstStyle/>
-          <a:p>
-            <a:pPr marL="342900" indent="-342900">
-              <a:buFont typeface="+mj-lt"/>
-              <a:buAutoNum type="arabicPeriod"/>
-            </a:pPr>
-            <a:endParaRPr lang="en-US" dirty="0" smtClean="0">
-              <a:latin typeface="Comic Sans MS" panose="030F0702030302020204" pitchFamily="66" charset="0"/>
-            </a:endParaRPr>
-          </a:p>
-          <a:p>
-            <a:pPr marL="342900" indent="-342900">
-              <a:buFont typeface="+mj-lt"/>
-              <a:buAutoNum type="arabicPeriod"/>
-            </a:pPr>
-            <a:r>
-              <a:rPr lang="en-US" dirty="0" smtClean="0">
-                <a:latin typeface="Comic Sans MS" panose="030F0702030302020204" pitchFamily="66" charset="0"/>
-              </a:rPr>
-              <a:t>Can </a:t>
-            </a:r>
-            <a:r>
-              <a:rPr lang="en-US" dirty="0">
-                <a:latin typeface="Comic Sans MS" panose="030F0702030302020204" pitchFamily="66" charset="0"/>
-              </a:rPr>
-              <a:t>you explain what a large language model is and how it works?</a:t>
-            </a:r>
-          </a:p>
-          <a:p>
-            <a:pPr marL="342900" indent="-342900">
-              <a:buFont typeface="+mj-lt"/>
-              <a:buAutoNum type="arabicPeriod"/>
-            </a:pPr>
-            <a:r>
-              <a:rPr lang="en-US" dirty="0">
-                <a:latin typeface="Comic Sans MS" panose="030F0702030302020204" pitchFamily="66" charset="0"/>
-              </a:rPr>
-              <a:t>How are large language models trained? Describe the pre-training and fine-tuning processes.</a:t>
-            </a:r>
-          </a:p>
-          <a:p>
-            <a:pPr marL="342900" indent="-342900">
-              <a:buFont typeface="+mj-lt"/>
-              <a:buAutoNum type="arabicPeriod"/>
-            </a:pPr>
-            <a:r>
-              <a:rPr lang="en-US" dirty="0">
-                <a:latin typeface="Comic Sans MS" panose="030F0702030302020204" pitchFamily="66" charset="0"/>
-              </a:rPr>
-              <a:t>What are some challenges or limitations associated with large language models?</a:t>
-            </a:r>
-          </a:p>
-          <a:p>
-            <a:pPr marL="342900" indent="-342900">
-              <a:buFont typeface="+mj-lt"/>
-              <a:buAutoNum type="arabicPeriod"/>
-            </a:pPr>
-            <a:r>
-              <a:rPr lang="en-US" dirty="0">
-                <a:latin typeface="Comic Sans MS" panose="030F0702030302020204" pitchFamily="66" charset="0"/>
-              </a:rPr>
-              <a:t>Large language models like GPT-3 have been known to generate text that may be biased or offensive. How would you address this issue in a production setting?</a:t>
-            </a:r>
-          </a:p>
-          <a:p>
-            <a:pPr marL="342900" indent="-342900">
-              <a:buFont typeface="+mj-lt"/>
-              <a:buAutoNum type="arabicPeriod"/>
-            </a:pPr>
-            <a:r>
-              <a:rPr lang="en-US" dirty="0">
-                <a:latin typeface="Comic Sans MS" panose="030F0702030302020204" pitchFamily="66" charset="0"/>
-              </a:rPr>
-              <a:t>How can large language models be used to generate text or assist in natural language processing tasks?</a:t>
-            </a:r>
-          </a:p>
-          <a:p>
-            <a:pPr marL="342900" indent="-342900">
-              <a:buFont typeface="+mj-lt"/>
-              <a:buAutoNum type="arabicPeriod"/>
-            </a:pPr>
-            <a:r>
-              <a:rPr lang="en-US" dirty="0">
-                <a:latin typeface="Comic Sans MS" panose="030F0702030302020204" pitchFamily="66" charset="0"/>
-              </a:rPr>
-              <a:t>What are some common applications of large language models in industry?</a:t>
-            </a:r>
-          </a:p>
-          <a:p>
-            <a:pPr marL="342900" indent="-342900">
-              <a:buFont typeface="+mj-lt"/>
-              <a:buAutoNum type="arabicPeriod"/>
-            </a:pPr>
-            <a:r>
-              <a:rPr lang="en-US" dirty="0">
-                <a:latin typeface="Comic Sans MS" panose="030F0702030302020204" pitchFamily="66" charset="0"/>
-              </a:rPr>
-              <a:t>How do you evaluate the performance of a large language model? What metrics or techniques can be used</a:t>
-            </a:r>
-            <a:r>
-              <a:rPr lang="en-US" dirty="0" smtClean="0">
-                <a:latin typeface="Comic Sans MS" panose="030F0702030302020204" pitchFamily="66" charset="0"/>
-              </a:rPr>
-              <a:t>?</a:t>
-            </a:r>
-          </a:p>
-          <a:p>
-            <a:pPr marL="342900" indent="-342900">
-              <a:buFont typeface="+mj-lt"/>
-              <a:buAutoNum type="arabicPeriod"/>
-            </a:pPr>
-            <a:r>
-              <a:rPr lang="en-US" dirty="0">
-                <a:latin typeface="Comic Sans MS" panose="030F0702030302020204" pitchFamily="66" charset="0"/>
-              </a:rPr>
-              <a:t>Can you explain the concept of transfer learning in the context of large language models?</a:t>
-            </a:r>
-          </a:p>
-          <a:p>
-            <a:pPr marL="342900" indent="-342900">
-              <a:buFont typeface="+mj-lt"/>
-              <a:buAutoNum type="arabicPeriod"/>
-            </a:pPr>
-            <a:r>
-              <a:rPr lang="en-US" dirty="0">
-                <a:latin typeface="Comic Sans MS" panose="030F0702030302020204" pitchFamily="66" charset="0"/>
-              </a:rPr>
-              <a:t>What are some alternatives to large language models for natural language processing tasks?</a:t>
-            </a:r>
-          </a:p>
-          <a:p>
-            <a:pPr marL="342900" indent="-342900">
-              <a:buFont typeface="+mj-lt"/>
-              <a:buAutoNum type="arabicPeriod"/>
-            </a:pPr>
-            <a:r>
-              <a:rPr lang="en-US" dirty="0">
-                <a:latin typeface="Comic Sans MS" panose="030F0702030302020204" pitchFamily="66" charset="0"/>
-              </a:rPr>
-              <a:t>Can you discuss any recent advancements or research in the field of large language models?</a:t>
-            </a:r>
-          </a:p>
-          <a:p>
-            <a:pPr marL="342900" indent="-342900">
-              <a:buFont typeface="+mj-lt"/>
-              <a:buAutoNum type="arabicPeriod"/>
-            </a:pPr>
-            <a:endParaRPr lang="en-US" dirty="0">
-              <a:latin typeface="Comic Sans MS" panose="030F0702030302020204" pitchFamily="66" charset="0"/>
-            </a:endParaRPr>
-          </a:p>
-          <a:p>
-            <a:pPr marL="342900" indent="-342900">
-              <a:buFont typeface="+mj-lt"/>
-              <a:buAutoNum type="arabicPeriod"/>
-            </a:pPr>
-            <a:endParaRPr lang="en-US" dirty="0">
-              <a:latin typeface="Comic Sans MS" panose="030F0702030302020204" pitchFamily="66" charset="0"/>
-            </a:endParaRPr>
-          </a:p>
-        </p:txBody>
-      </p:sp>
-      <p:sp>
-        <p:nvSpPr>
-          <p:cNvPr id="4" name="Text Placeholder 3"/>
-          <p:cNvSpPr>
-            <a:spLocks noGrp="1"/>
-          </p:cNvSpPr>
-          <p:nvPr>
-            <p:ph type="body" sz="half" idx="2"/>
-          </p:nvPr>
-        </p:nvSpPr>
-        <p:spPr/>
-        <p:txBody>
-          <a:bodyPr/>
-          <a:lstStyle/>
-          <a:p>
-            <a:endParaRPr lang="en-US"/>
-          </a:p>
-        </p:txBody>
-      </p:sp>
-    </p:spTree>
-    <p:extLst>
-      <p:ext uri="{BB962C8B-B14F-4D97-AF65-F5344CB8AC3E}">
-        <p14:creationId xmlns:p14="http://schemas.microsoft.com/office/powerpoint/2010/main" val="1758469939"/>
-      </p:ext>
-    </p:extLst>
-  </p:cSld>
-  <p:clrMapOvr>
-    <a:masterClrMapping/>
-  </p:clrMapOvr>
-  <p:timing>
-    <p:tnLst>
-      <p:par>
-        <p:cTn id="1" dur="indefinite" restart="never" nodeType="tmRoot"/>
-      </p:par>
-    </p:tnLst>
-  </p:timing>
-</p:sld>
-</file>
-
-<file path=ppt/slides/slide20.xml><?xml version="1.0" encoding="utf-8"?>
+<file path=ppt/slides/slide29.xml><?xml version="1.0" encoding="utf-8"?>
 <p:sld xmlns:a="http://schemas.openxmlformats.org/drawingml/2006/main" xmlns:r="http://schemas.openxmlformats.org/officeDocument/2006/relationships" xmlns:p="http://schemas.openxmlformats.org/presentationml/2006/main">
   <p:cSld>
     <p:bg>
@@ -10256,7 +13557,187 @@
 </p:sld>
 </file>
 
-<file path=ppt/slides/slide21.xml><?xml version="1.0" encoding="utf-8"?>
+<file path=ppt/slides/slide3.xml><?xml version="1.0" encoding="utf-8"?>
+<p:sld xmlns:a="http://schemas.openxmlformats.org/drawingml/2006/main" xmlns:r="http://schemas.openxmlformats.org/officeDocument/2006/relationships" xmlns:p="http://schemas.openxmlformats.org/presentationml/2006/main">
+  <p:cSld>
+    <p:bg>
+      <p:bgPr>
+        <a:solidFill>
+          <a:schemeClr val="bg1"/>
+        </a:solidFill>
+        <a:effectLst/>
+      </p:bgPr>
+    </p:bg>
+    <p:spTree>
+      <p:nvGrpSpPr>
+        <p:cNvPr id="1" name=""/>
+        <p:cNvGrpSpPr/>
+        <p:nvPr/>
+      </p:nvGrpSpPr>
+      <p:grpSpPr>
+        <a:xfrm>
+          <a:off x="0" y="0"/>
+          <a:ext cx="0" cy="0"/>
+          <a:chOff x="0" y="0"/>
+          <a:chExt cx="0" cy="0"/>
+        </a:xfrm>
+      </p:grpSpPr>
+      <p:sp>
+        <p:nvSpPr>
+          <p:cNvPr id="2" name="Title 1"/>
+          <p:cNvSpPr>
+            <a:spLocks noGrp="1"/>
+          </p:cNvSpPr>
+          <p:nvPr>
+            <p:ph type="title"/>
+          </p:nvPr>
+        </p:nvSpPr>
+        <p:spPr>
+          <a:xfrm>
+            <a:off x="832381" y="2867283"/>
+            <a:ext cx="4486656" cy="1141497"/>
+          </a:xfrm>
+        </p:spPr>
+        <p:txBody>
+          <a:bodyPr/>
+          <a:lstStyle/>
+          <a:p>
+            <a:r>
+              <a:rPr lang="en-US" dirty="0" smtClean="0"/>
+              <a:t>What IS LLM?</a:t>
+            </a:r>
+            <a:endParaRPr lang="en-US" dirty="0"/>
+          </a:p>
+        </p:txBody>
+      </p:sp>
+      <p:sp>
+        <p:nvSpPr>
+          <p:cNvPr id="3" name="Content Placeholder 2"/>
+          <p:cNvSpPr>
+            <a:spLocks noGrp="1"/>
+          </p:cNvSpPr>
+          <p:nvPr>
+            <p:ph idx="1"/>
+          </p:nvPr>
+        </p:nvSpPr>
+        <p:spPr>
+          <a:xfrm>
+            <a:off x="6123709" y="1146154"/>
+            <a:ext cx="6068291" cy="4807527"/>
+          </a:xfrm>
+          <a:solidFill>
+            <a:schemeClr val="bg1"/>
+          </a:solidFill>
+        </p:spPr>
+        <p:txBody>
+          <a:bodyPr>
+            <a:normAutofit/>
+          </a:bodyPr>
+          <a:lstStyle/>
+          <a:p>
+            <a:pPr marL="342900" indent="-342900" algn="just">
+              <a:buFont typeface="+mj-lt"/>
+              <a:buAutoNum type="arabicPeriod"/>
+            </a:pPr>
+            <a:r>
+              <a:rPr lang="en-US" dirty="0">
+                <a:latin typeface="Corbel" panose="020B0503020204020204" pitchFamily="34" charset="0"/>
+              </a:rPr>
+              <a:t>LLMs are powerful NLP models that use artificial neural networks and massive amounts of training data to understand and </a:t>
+            </a:r>
+            <a:r>
+              <a:rPr lang="en-US" b="1" dirty="0">
+                <a:latin typeface="Corbel" panose="020B0503020204020204" pitchFamily="34" charset="0"/>
+              </a:rPr>
+              <a:t>generate human </a:t>
+            </a:r>
+            <a:r>
+              <a:rPr lang="en-US" b="1" dirty="0" smtClean="0">
+                <a:latin typeface="Corbel" panose="020B0503020204020204" pitchFamily="34" charset="0"/>
+              </a:rPr>
+              <a:t>language</a:t>
+            </a:r>
+          </a:p>
+          <a:p>
+            <a:pPr marL="342900" indent="-342900" algn="just">
+              <a:buFont typeface="+mj-lt"/>
+              <a:buAutoNum type="arabicPeriod"/>
+            </a:pPr>
+            <a:r>
+              <a:rPr lang="en-US" dirty="0">
+                <a:latin typeface="Corbel" panose="020B0503020204020204" pitchFamily="34" charset="0"/>
+              </a:rPr>
+              <a:t>They are called "large" because they are trained on massive amounts of text data, typically using unsupervised learning techniques</a:t>
+            </a:r>
+            <a:r>
+              <a:rPr lang="en-US" dirty="0" smtClean="0">
+                <a:latin typeface="Corbel" panose="020B0503020204020204" pitchFamily="34" charset="0"/>
+              </a:rPr>
+              <a:t>.</a:t>
+            </a:r>
+          </a:p>
+          <a:p>
+            <a:pPr marL="342900" indent="-342900" algn="just">
+              <a:buFont typeface="+mj-lt"/>
+              <a:buAutoNum type="arabicPeriod"/>
+            </a:pPr>
+            <a:r>
+              <a:rPr lang="en-US" dirty="0">
+                <a:latin typeface="Corbel" panose="020B0503020204020204" pitchFamily="34" charset="0"/>
+              </a:rPr>
+              <a:t>LLMs are capable of performing a wide range of NLP tasks, such as language modeling, text classification, sentiment analysis, named entity recognition, machine translation, and text summarization. </a:t>
+            </a:r>
+            <a:endParaRPr lang="en-US" dirty="0" smtClean="0">
+              <a:latin typeface="Corbel" panose="020B0503020204020204" pitchFamily="34" charset="0"/>
+            </a:endParaRPr>
+          </a:p>
+          <a:p>
+            <a:pPr marL="342900" indent="-342900" algn="just">
+              <a:buFont typeface="+mj-lt"/>
+              <a:buAutoNum type="arabicPeriod"/>
+            </a:pPr>
+            <a:r>
+              <a:rPr lang="en-US" dirty="0" smtClean="0">
+                <a:latin typeface="Corbel" panose="020B0503020204020204" pitchFamily="34" charset="0"/>
+              </a:rPr>
+              <a:t>They </a:t>
+            </a:r>
+            <a:r>
+              <a:rPr lang="en-US" dirty="0">
+                <a:latin typeface="Corbel" panose="020B0503020204020204" pitchFamily="34" charset="0"/>
+              </a:rPr>
+              <a:t>achieve state-of-the-art performance by leveraging a variety of techniques, including </a:t>
+            </a:r>
+            <a:r>
+              <a:rPr lang="en-US" b="1" dirty="0">
+                <a:latin typeface="Corbel" panose="020B0503020204020204" pitchFamily="34" charset="0"/>
+              </a:rPr>
+              <a:t>attention mechanisms, positional encodings, and self-supervised learning</a:t>
+            </a:r>
+          </a:p>
+        </p:txBody>
+      </p:sp>
+    </p:spTree>
+    <p:extLst>
+      <p:ext uri="{BB962C8B-B14F-4D97-AF65-F5344CB8AC3E}">
+        <p14:creationId xmlns:p14="http://schemas.microsoft.com/office/powerpoint/2010/main" val="561808578"/>
+      </p:ext>
+    </p:extLst>
+  </p:cSld>
+  <p:clrMapOvr>
+    <a:masterClrMapping/>
+  </p:clrMapOvr>
+  <p:timing>
+    <p:tnLst>
+      <p:par>
+        <p:cTn id="1" dur="indefinite" restart="never" nodeType="tmRoot"/>
+      </p:par>
+    </p:tnLst>
+  </p:timing>
+</p:sld>
+</file>
+
+<file path=ppt/slides/slide30.xml><?xml version="1.0" encoding="utf-8"?>
 <p:sld xmlns:a="http://schemas.openxmlformats.org/drawingml/2006/main" xmlns:r="http://schemas.openxmlformats.org/officeDocument/2006/relationships" xmlns:p="http://schemas.openxmlformats.org/presentationml/2006/main">
   <p:cSld>
     <p:bg>
@@ -10542,7 +14023,7 @@
 </p:sld>
 </file>
 
-<file path=ppt/slides/slide22.xml><?xml version="1.0" encoding="utf-8"?>
+<file path=ppt/slides/slide31.xml><?xml version="1.0" encoding="utf-8"?>
 <p:sld xmlns:a="http://schemas.openxmlformats.org/drawingml/2006/main" xmlns:r="http://schemas.openxmlformats.org/officeDocument/2006/relationships" xmlns:p="http://schemas.openxmlformats.org/presentationml/2006/main">
   <p:cSld>
     <p:bg>
@@ -10632,130 +14113,94 @@
         </p:spPr>
         <p:txBody>
           <a:bodyPr>
-            <a:normAutofit fontScale="90000"/>
+            <a:normAutofit/>
           </a:bodyPr>
           <a:lstStyle/>
           <a:p>
             <a:r>
-              <a:rPr lang="en-US" dirty="0" err="1" smtClean="0"/>
-              <a:t>HandLE</a:t>
-            </a:r>
-            <a:r>
               <a:rPr lang="en-US" dirty="0" smtClean="0"/>
-              <a:t> BERT MAX TOKEN LENGTH</a:t>
+              <a:t>EXPLAIN ROGUE METRICS</a:t>
             </a:r>
             <a:endParaRPr lang="en-US" dirty="0"/>
           </a:p>
         </p:txBody>
       </p:sp>
-      <p:sp>
-        <p:nvSpPr>
-          <p:cNvPr id="7" name="Content Placeholder 6"/>
-          <p:cNvSpPr>
-            <a:spLocks noGrp="1"/>
-          </p:cNvSpPr>
-          <p:nvPr>
-            <p:ph sz="half" idx="1"/>
-          </p:nvPr>
-        </p:nvSpPr>
+      <p:pic>
+        <p:nvPicPr>
+          <p:cNvPr id="5" name="Picture 4"/>
+          <p:cNvPicPr>
+            <a:picLocks noChangeAspect="1"/>
+          </p:cNvPicPr>
+          <p:nvPr/>
+        </p:nvPicPr>
+        <p:blipFill>
+          <a:blip r:embed="rId2"/>
+          <a:stretch>
+            <a:fillRect/>
+          </a:stretch>
+        </p:blipFill>
         <p:spPr>
           <a:xfrm>
-            <a:off x="943356" y="1711005"/>
-            <a:ext cx="10305288" cy="5004120"/>
+            <a:off x="483282" y="2295359"/>
+            <a:ext cx="3133516" cy="3048166"/>
           </a:xfrm>
-          <a:solidFill>
-            <a:srgbClr val="FFFFFF"/>
-          </a:solidFill>
+          <a:prstGeom prst="rect">
+            <a:avLst/>
+          </a:prstGeom>
         </p:spPr>
-        <p:txBody>
-          <a:bodyPr>
-            <a:noAutofit/>
-          </a:bodyPr>
-          <a:lstStyle/>
-          <a:p>
-            <a:pPr marL="0" indent="0">
-              <a:buNone/>
-            </a:pPr>
-            <a:r>
-              <a:rPr lang="en-US" dirty="0"/>
-              <a:t>When using BERT for text summarization, it is common for the input sentences to be longer than the maximum token length that can be handled by the </a:t>
-            </a:r>
-            <a:r>
-              <a:rPr lang="en-US" dirty="0" smtClean="0"/>
-              <a:t>model</a:t>
-            </a:r>
-            <a:endParaRPr lang="en-US" dirty="0"/>
-          </a:p>
-          <a:p>
-            <a:r>
-              <a:rPr lang="en-US" dirty="0">
-                <a:solidFill>
-                  <a:srgbClr val="FF0000"/>
-                </a:solidFill>
-              </a:rPr>
-              <a:t>Truncate the input</a:t>
-            </a:r>
-            <a:r>
-              <a:rPr lang="en-US" dirty="0"/>
-              <a:t>: One approach is to simply truncate the input text to fit within the maximum token length of the model. This can result in loss of information, particularly for longer </a:t>
-            </a:r>
-            <a:r>
-              <a:rPr lang="en-US" dirty="0" smtClean="0"/>
-              <a:t>documents</a:t>
-            </a:r>
-            <a:endParaRPr lang="en-US" dirty="0"/>
-          </a:p>
-          <a:p>
-            <a:r>
-              <a:rPr lang="en-US" dirty="0">
-                <a:solidFill>
-                  <a:srgbClr val="FF0000"/>
-                </a:solidFill>
-              </a:rPr>
-              <a:t>Chunk the input: </a:t>
-            </a:r>
-            <a:r>
-              <a:rPr lang="en-US" dirty="0"/>
-              <a:t>Another approach is to split the input text into smaller chunks that fit within the maximum token length of the model. This can be done by splitting the document into paragraphs or sentences, for example, and processing each chunk separately. The resulting summaries can then be combined to form a summary of the entire document.</a:t>
-            </a:r>
-          </a:p>
-          <a:p>
-            <a:r>
-              <a:rPr lang="en-US" dirty="0">
-                <a:solidFill>
-                  <a:srgbClr val="FF0000"/>
-                </a:solidFill>
-              </a:rPr>
-              <a:t>Use a hierarchical model</a:t>
-            </a:r>
-            <a:r>
-              <a:rPr lang="en-US" dirty="0"/>
-              <a:t>: A third approach is to use a hierarchical model that can handle longer input sequences. In this approach, the input text is first processed by a lower-level model that extracts important information, such as key phrases or sentences, and then passes that information to a higher-level model that generates the summary.</a:t>
-            </a:r>
-          </a:p>
-          <a:p>
-            <a:r>
-              <a:rPr lang="en-US" dirty="0">
-                <a:solidFill>
-                  <a:srgbClr val="FF0000"/>
-                </a:solidFill>
-              </a:rPr>
-              <a:t>Use a summarization-specific model</a:t>
-            </a:r>
-            <a:r>
-              <a:rPr lang="en-US" dirty="0"/>
-              <a:t>: Finally, another approach is to use a model that is specifically designed for text summarization, such as the T5 or GPT-3 models. </a:t>
-            </a:r>
-            <a:endParaRPr lang="en-US" sz="3600" dirty="0" smtClean="0">
-              <a:latin typeface="Corbel" panose="020B0503020204020204" pitchFamily="34" charset="0"/>
-            </a:endParaRPr>
-          </a:p>
-        </p:txBody>
-      </p:sp>
+      </p:pic>
+      <p:pic>
+        <p:nvPicPr>
+          <p:cNvPr id="6" name="Picture 5"/>
+          <p:cNvPicPr>
+            <a:picLocks noChangeAspect="1"/>
+          </p:cNvPicPr>
+          <p:nvPr/>
+        </p:nvPicPr>
+        <p:blipFill>
+          <a:blip r:embed="rId3"/>
+          <a:stretch>
+            <a:fillRect/>
+          </a:stretch>
+        </p:blipFill>
+        <p:spPr>
+          <a:xfrm>
+            <a:off x="4400402" y="2471604"/>
+            <a:ext cx="3157685" cy="2871921"/>
+          </a:xfrm>
+          <a:prstGeom prst="rect">
+            <a:avLst/>
+          </a:prstGeom>
+        </p:spPr>
+      </p:pic>
+      <p:pic>
+        <p:nvPicPr>
+          <p:cNvPr id="8" name="Picture 7"/>
+          <p:cNvPicPr>
+            <a:picLocks noChangeAspect="1"/>
+          </p:cNvPicPr>
+          <p:nvPr/>
+        </p:nvPicPr>
+        <p:blipFill>
+          <a:blip r:embed="rId4"/>
+          <a:stretch>
+            <a:fillRect/>
+          </a:stretch>
+        </p:blipFill>
+        <p:spPr>
+          <a:xfrm>
+            <a:off x="8341691" y="2295359"/>
+            <a:ext cx="2859709" cy="3075536"/>
+          </a:xfrm>
+          <a:prstGeom prst="rect">
+            <a:avLst/>
+          </a:prstGeom>
+        </p:spPr>
+      </p:pic>
     </p:spTree>
     <p:extLst>
       <p:ext uri="{BB962C8B-B14F-4D97-AF65-F5344CB8AC3E}">
-        <p14:creationId xmlns:p14="http://schemas.microsoft.com/office/powerpoint/2010/main" val="3951248322"/>
+        <p14:creationId xmlns:p14="http://schemas.microsoft.com/office/powerpoint/2010/main" val="819938784"/>
       </p:ext>
     </p:extLst>
   </p:cSld>
@@ -10772,7 +14217,7 @@
 </p:sld>
 </file>
 
-<file path=ppt/slides/slide23.xml><?xml version="1.0" encoding="utf-8"?>
+<file path=ppt/slides/slide32.xml><?xml version="1.0" encoding="utf-8"?>
 <p:sld xmlns:a="http://schemas.openxmlformats.org/drawingml/2006/main" xmlns:r="http://schemas.openxmlformats.org/officeDocument/2006/relationships" xmlns:p="http://schemas.openxmlformats.org/presentationml/2006/main">
   <p:cSld>
     <p:bg>
@@ -10868,238 +14313,94 @@
           <a:p>
             <a:r>
               <a:rPr lang="en-US" dirty="0" smtClean="0"/>
-              <a:t>MULTI-HEADED ATTENTION</a:t>
+              <a:t>ROGUE-1 Example</a:t>
             </a:r>
             <a:endParaRPr lang="en-US" dirty="0"/>
           </a:p>
         </p:txBody>
       </p:sp>
+      <p:pic>
+        <p:nvPicPr>
+          <p:cNvPr id="3" name="Picture 2"/>
+          <p:cNvPicPr>
+            <a:picLocks noChangeAspect="1"/>
+          </p:cNvPicPr>
+          <p:nvPr/>
+        </p:nvPicPr>
+        <p:blipFill>
+          <a:blip r:embed="rId2"/>
+          <a:stretch>
+            <a:fillRect/>
+          </a:stretch>
+        </p:blipFill>
+        <p:spPr>
+          <a:xfrm>
+            <a:off x="214015" y="2228679"/>
+            <a:ext cx="5847751" cy="3343445"/>
+          </a:xfrm>
+          <a:prstGeom prst="rect">
+            <a:avLst/>
+          </a:prstGeom>
+        </p:spPr>
+      </p:pic>
       <p:sp>
         <p:nvSpPr>
-          <p:cNvPr id="7" name="Content Placeholder 6"/>
-          <p:cNvSpPr>
-            <a:spLocks noGrp="1"/>
-          </p:cNvSpPr>
-          <p:nvPr>
-            <p:ph sz="half" idx="1"/>
-          </p:nvPr>
+          <p:cNvPr id="7" name="TextBox 6"/>
+          <p:cNvSpPr txBox="1"/>
+          <p:nvPr/>
         </p:nvSpPr>
         <p:spPr>
           <a:xfrm>
-            <a:off x="943356" y="1711005"/>
-            <a:ext cx="10305288" cy="5004120"/>
+            <a:off x="6986587" y="1997846"/>
+            <a:ext cx="3871913" cy="461665"/>
           </a:xfrm>
-          <a:solidFill>
-            <a:srgbClr val="FFFFFF"/>
-          </a:solidFill>
+          <a:prstGeom prst="rect">
+            <a:avLst/>
+          </a:prstGeom>
+          <a:noFill/>
         </p:spPr>
         <p:txBody>
-          <a:bodyPr>
-            <a:noAutofit/>
+          <a:bodyPr wrap="square" rtlCol="0">
+            <a:spAutoFit/>
           </a:bodyPr>
           <a:lstStyle/>
           <a:p>
-            <a:pPr marL="0" indent="0">
-              <a:buNone/>
-            </a:pPr>
-            <a:r>
-              <a:rPr lang="en-US" dirty="0">
-                <a:latin typeface="Corbel" panose="020B0503020204020204" pitchFamily="34" charset="0"/>
-              </a:rPr>
-              <a:t>In the transformer architecture, the input sequence is first passed through a series of multi-headed self-attention layers, followed by feedforward </a:t>
-            </a:r>
-            <a:r>
-              <a:rPr lang="en-US" dirty="0" smtClean="0">
-                <a:latin typeface="Corbel" panose="020B0503020204020204" pitchFamily="34" charset="0"/>
-              </a:rPr>
-              <a:t>layers. </a:t>
-            </a:r>
-            <a:r>
-              <a:rPr lang="en-US" dirty="0">
-                <a:latin typeface="Corbel" panose="020B0503020204020204" pitchFamily="34" charset="0"/>
-              </a:rPr>
-              <a:t>The multi-headed attention layer is composed of several attention heads. Each attention head is responsible for attending to different parts of the input sequence, allowing the model to capture more fine-grained information</a:t>
-            </a:r>
-            <a:r>
-              <a:rPr lang="en-US" dirty="0" smtClean="0">
-                <a:latin typeface="Corbel" panose="020B0503020204020204" pitchFamily="34" charset="0"/>
-              </a:rPr>
-              <a:t>.</a:t>
-            </a:r>
-          </a:p>
-          <a:p>
-            <a:pPr marL="457200" indent="-457200">
-              <a:buFont typeface="+mj-lt"/>
-              <a:buAutoNum type="arabicPeriod"/>
-            </a:pPr>
-            <a:r>
-              <a:rPr lang="en-US" dirty="0">
-                <a:latin typeface="Corbel" panose="020B0503020204020204" pitchFamily="34" charset="0"/>
-              </a:rPr>
-              <a:t>The input sequence is first transformed into three matrices: </a:t>
-            </a:r>
-            <a:r>
-              <a:rPr lang="en-US" dirty="0">
-                <a:solidFill>
-                  <a:srgbClr val="FF0000"/>
-                </a:solidFill>
-                <a:latin typeface="Corbel" panose="020B0503020204020204" pitchFamily="34" charset="0"/>
-              </a:rPr>
-              <a:t>query, key, and value</a:t>
-            </a:r>
-            <a:r>
-              <a:rPr lang="en-US" dirty="0">
-                <a:latin typeface="Corbel" panose="020B0503020204020204" pitchFamily="34" charset="0"/>
-              </a:rPr>
-              <a:t>, by multiplying with learnable </a:t>
-            </a:r>
-            <a:r>
-              <a:rPr lang="en-US" dirty="0" smtClean="0">
-                <a:latin typeface="Corbel" panose="020B0503020204020204" pitchFamily="34" charset="0"/>
-              </a:rPr>
-              <a:t>weights.</a:t>
-            </a:r>
-          </a:p>
-          <a:p>
-            <a:pPr marL="457200" indent="-457200">
-              <a:buFont typeface="+mj-lt"/>
-              <a:buAutoNum type="arabicPeriod"/>
-            </a:pPr>
-            <a:r>
-              <a:rPr lang="en-US" dirty="0" smtClean="0">
-                <a:latin typeface="Corbel" panose="020B0503020204020204" pitchFamily="34" charset="0"/>
-              </a:rPr>
-              <a:t>Each </a:t>
-            </a:r>
-            <a:r>
-              <a:rPr lang="en-US" dirty="0">
-                <a:solidFill>
-                  <a:srgbClr val="FF0000"/>
-                </a:solidFill>
-                <a:latin typeface="Corbel" panose="020B0503020204020204" pitchFamily="34" charset="0"/>
-              </a:rPr>
-              <a:t>attention head</a:t>
-            </a:r>
-            <a:r>
-              <a:rPr lang="en-US" dirty="0">
-                <a:latin typeface="Corbel" panose="020B0503020204020204" pitchFamily="34" charset="0"/>
-              </a:rPr>
-              <a:t> then calculates a weighted sum of the values based on the dot product between the query and key matrices. This is done by computing the </a:t>
-            </a:r>
-            <a:r>
-              <a:rPr lang="en-US" dirty="0">
-                <a:solidFill>
-                  <a:srgbClr val="FF0000"/>
-                </a:solidFill>
-                <a:latin typeface="Corbel" panose="020B0503020204020204" pitchFamily="34" charset="0"/>
-              </a:rPr>
-              <a:t>softmax of the dot product</a:t>
-            </a:r>
-            <a:r>
-              <a:rPr lang="en-US" dirty="0">
-                <a:latin typeface="Corbel" panose="020B0503020204020204" pitchFamily="34" charset="0"/>
-              </a:rPr>
-              <a:t> between the query and key matrices, and then multiplying the result with the value matrix. This results in an attention vector for each attention </a:t>
-            </a:r>
-            <a:r>
-              <a:rPr lang="en-US" dirty="0" smtClean="0">
-                <a:latin typeface="Corbel" panose="020B0503020204020204" pitchFamily="34" charset="0"/>
-              </a:rPr>
-              <a:t>head.</a:t>
-            </a:r>
-          </a:p>
-          <a:p>
-            <a:pPr marL="457200" indent="-457200">
-              <a:buFont typeface="+mj-lt"/>
-              <a:buAutoNum type="arabicPeriod"/>
-            </a:pPr>
-            <a:r>
-              <a:rPr lang="en-US" dirty="0" smtClean="0">
-                <a:latin typeface="Corbel" panose="020B0503020204020204" pitchFamily="34" charset="0"/>
-              </a:rPr>
-              <a:t>The </a:t>
-            </a:r>
-            <a:r>
-              <a:rPr lang="en-US" dirty="0">
-                <a:latin typeface="Corbel" panose="020B0503020204020204" pitchFamily="34" charset="0"/>
-              </a:rPr>
-              <a:t>attention vectors for each attention head are concatenated and multiplied by another </a:t>
-            </a:r>
-            <a:r>
-              <a:rPr lang="en-US" dirty="0">
-                <a:solidFill>
-                  <a:srgbClr val="FF0000"/>
-                </a:solidFill>
-                <a:latin typeface="Corbel" panose="020B0503020204020204" pitchFamily="34" charset="0"/>
-              </a:rPr>
-              <a:t>learnable weight matrix</a:t>
-            </a:r>
-            <a:r>
-              <a:rPr lang="en-US" dirty="0">
-                <a:latin typeface="Corbel" panose="020B0503020204020204" pitchFamily="34" charset="0"/>
-              </a:rPr>
-              <a:t> to produce the output of the </a:t>
-            </a:r>
-            <a:r>
-              <a:rPr lang="en-US" dirty="0">
-                <a:solidFill>
-                  <a:srgbClr val="FF0000"/>
-                </a:solidFill>
-                <a:latin typeface="Corbel" panose="020B0503020204020204" pitchFamily="34" charset="0"/>
-              </a:rPr>
-              <a:t>multi-headed attention </a:t>
-            </a:r>
-            <a:r>
-              <a:rPr lang="en-US" dirty="0" smtClean="0">
-                <a:solidFill>
-                  <a:srgbClr val="FF0000"/>
-                </a:solidFill>
-                <a:latin typeface="Corbel" panose="020B0503020204020204" pitchFamily="34" charset="0"/>
-              </a:rPr>
-              <a:t>layer.</a:t>
-            </a:r>
-          </a:p>
-          <a:p>
-            <a:pPr marL="0" indent="0">
-              <a:buNone/>
-            </a:pPr>
-            <a:r>
-              <a:rPr lang="en-US" dirty="0">
-                <a:latin typeface="Corbel" panose="020B0503020204020204" pitchFamily="34" charset="0"/>
-              </a:rPr>
-              <a:t>By allowing the model to attend to different parts of the input sequence, the multi-headed attention layer can capture more complex and nuanced </a:t>
-            </a:r>
-            <a:r>
-              <a:rPr lang="en-US" dirty="0" smtClean="0">
-                <a:latin typeface="Corbel" panose="020B0503020204020204" pitchFamily="34" charset="0"/>
-              </a:rPr>
-              <a:t>relationships </a:t>
-            </a:r>
-            <a:r>
-              <a:rPr lang="en-US" dirty="0">
-                <a:latin typeface="Corbel" panose="020B0503020204020204" pitchFamily="34" charset="0"/>
-              </a:rPr>
-              <a:t>between the input </a:t>
-            </a:r>
-            <a:r>
-              <a:rPr lang="en-US" dirty="0" smtClean="0">
-                <a:latin typeface="Corbel" panose="020B0503020204020204" pitchFamily="34" charset="0"/>
-              </a:rPr>
-              <a:t>tokens</a:t>
-            </a:r>
-            <a:endParaRPr lang="en-US" sz="2000" dirty="0" smtClean="0">
-              <a:solidFill>
-                <a:srgbClr val="FF0000"/>
-              </a:solidFill>
-              <a:latin typeface="Corbel" panose="020B0503020204020204" pitchFamily="34" charset="0"/>
-            </a:endParaRPr>
+            <a:r>
+              <a:rPr lang="en-US" sz="2400" dirty="0" smtClean="0"/>
+              <a:t>6 unigram word matches</a:t>
+            </a:r>
+            <a:endParaRPr lang="en-US" sz="2400" dirty="0"/>
           </a:p>
         </p:txBody>
       </p:sp>
+      <p:pic>
+        <p:nvPicPr>
+          <p:cNvPr id="10" name="Picture 9"/>
+          <p:cNvPicPr>
+            <a:picLocks noChangeAspect="1"/>
+          </p:cNvPicPr>
+          <p:nvPr/>
+        </p:nvPicPr>
+        <p:blipFill>
+          <a:blip r:embed="rId3"/>
+          <a:stretch>
+            <a:fillRect/>
+          </a:stretch>
+        </p:blipFill>
+        <p:spPr>
+          <a:xfrm>
+            <a:off x="6455485" y="2757144"/>
+            <a:ext cx="4640663" cy="3176731"/>
+          </a:xfrm>
+          <a:prstGeom prst="rect">
+            <a:avLst/>
+          </a:prstGeom>
+        </p:spPr>
+      </p:pic>
     </p:spTree>
     <p:extLst>
       <p:ext uri="{BB962C8B-B14F-4D97-AF65-F5344CB8AC3E}">
-        <p14:creationId xmlns:p14="http://schemas.microsoft.com/office/powerpoint/2010/main" val="2885024062"/>
+        <p14:creationId xmlns:p14="http://schemas.microsoft.com/office/powerpoint/2010/main" val="1429994109"/>
       </p:ext>
     </p:extLst>
   </p:cSld>
@@ -11116,7 +14417,7 @@
 </p:sld>
 </file>
 
-<file path=ppt/slides/slide24.xml><?xml version="1.0" encoding="utf-8"?>
+<file path=ppt/slides/slide33.xml><?xml version="1.0" encoding="utf-8"?>
 <p:sld xmlns:a="http://schemas.openxmlformats.org/drawingml/2006/main" xmlns:r="http://schemas.openxmlformats.org/officeDocument/2006/relationships" xmlns:p="http://schemas.openxmlformats.org/presentationml/2006/main">
   <p:cSld>
     <p:bg>
@@ -11212,7 +14513,385 @@
           <a:p>
             <a:r>
               <a:rPr lang="en-US" dirty="0" smtClean="0"/>
-              <a:t>ATTENTION MASK</a:t>
+              <a:t>ROGUE-2 Example</a:t>
+            </a:r>
+            <a:endParaRPr lang="en-US" dirty="0"/>
+          </a:p>
+        </p:txBody>
+      </p:sp>
+      <p:sp>
+        <p:nvSpPr>
+          <p:cNvPr id="7" name="TextBox 6"/>
+          <p:cNvSpPr txBox="1"/>
+          <p:nvPr/>
+        </p:nvSpPr>
+        <p:spPr>
+          <a:xfrm>
+            <a:off x="6986587" y="1997846"/>
+            <a:ext cx="3871913" cy="461665"/>
+          </a:xfrm>
+          <a:prstGeom prst="rect">
+            <a:avLst/>
+          </a:prstGeom>
+          <a:noFill/>
+        </p:spPr>
+        <p:txBody>
+          <a:bodyPr wrap="square" rtlCol="0">
+            <a:spAutoFit/>
+          </a:bodyPr>
+          <a:lstStyle/>
+          <a:p>
+            <a:r>
+              <a:rPr lang="en-US" sz="2400" dirty="0"/>
+              <a:t>4</a:t>
+            </a:r>
+            <a:r>
+              <a:rPr lang="en-US" sz="2400" dirty="0" smtClean="0"/>
+              <a:t> bigram matches</a:t>
+            </a:r>
+            <a:endParaRPr lang="en-US" sz="2400" dirty="0"/>
+          </a:p>
+        </p:txBody>
+      </p:sp>
+      <p:pic>
+        <p:nvPicPr>
+          <p:cNvPr id="5" name="Picture 4"/>
+          <p:cNvPicPr>
+            <a:picLocks noChangeAspect="1"/>
+          </p:cNvPicPr>
+          <p:nvPr/>
+        </p:nvPicPr>
+        <p:blipFill>
+          <a:blip r:embed="rId2"/>
+          <a:stretch>
+            <a:fillRect/>
+          </a:stretch>
+        </p:blipFill>
+        <p:spPr>
+          <a:xfrm>
+            <a:off x="852244" y="2228678"/>
+            <a:ext cx="4848469" cy="3894672"/>
+          </a:xfrm>
+          <a:prstGeom prst="rect">
+            <a:avLst/>
+          </a:prstGeom>
+        </p:spPr>
+      </p:pic>
+      <p:pic>
+        <p:nvPicPr>
+          <p:cNvPr id="6" name="Picture 5"/>
+          <p:cNvPicPr>
+            <a:picLocks noChangeAspect="1"/>
+          </p:cNvPicPr>
+          <p:nvPr/>
+        </p:nvPicPr>
+        <p:blipFill>
+          <a:blip r:embed="rId3"/>
+          <a:stretch>
+            <a:fillRect/>
+          </a:stretch>
+        </p:blipFill>
+        <p:spPr>
+          <a:xfrm>
+            <a:off x="6226254" y="2985977"/>
+            <a:ext cx="5392578" cy="2771885"/>
+          </a:xfrm>
+          <a:prstGeom prst="rect">
+            <a:avLst/>
+          </a:prstGeom>
+        </p:spPr>
+      </p:pic>
+    </p:spTree>
+    <p:extLst>
+      <p:ext uri="{BB962C8B-B14F-4D97-AF65-F5344CB8AC3E}">
+        <p14:creationId xmlns:p14="http://schemas.microsoft.com/office/powerpoint/2010/main" val="1580647131"/>
+      </p:ext>
+    </p:extLst>
+  </p:cSld>
+  <p:clrMapOvr>
+    <a:masterClrMapping/>
+  </p:clrMapOvr>
+  <p:timing>
+    <p:tnLst>
+      <p:par>
+        <p:cTn id="1" dur="indefinite" restart="never" nodeType="tmRoot"/>
+      </p:par>
+    </p:tnLst>
+  </p:timing>
+</p:sld>
+</file>
+
+<file path=ppt/slides/slide34.xml><?xml version="1.0" encoding="utf-8"?>
+<p:sld xmlns:a="http://schemas.openxmlformats.org/drawingml/2006/main" xmlns:r="http://schemas.openxmlformats.org/officeDocument/2006/relationships" xmlns:p="http://schemas.openxmlformats.org/presentationml/2006/main">
+  <p:cSld>
+    <p:bg>
+      <p:bgPr>
+        <a:solidFill>
+          <a:schemeClr val="bg1"/>
+        </a:solidFill>
+        <a:effectLst/>
+      </p:bgPr>
+    </p:bg>
+    <p:spTree>
+      <p:nvGrpSpPr>
+        <p:cNvPr id="1" name=""/>
+        <p:cNvGrpSpPr/>
+        <p:nvPr/>
+      </p:nvGrpSpPr>
+      <p:grpSpPr>
+        <a:xfrm>
+          <a:off x="0" y="0"/>
+          <a:ext cx="0" cy="0"/>
+          <a:chOff x="0" y="0"/>
+          <a:chExt cx="0" cy="0"/>
+        </a:xfrm>
+      </p:grpSpPr>
+      <p:sp>
+        <p:nvSpPr>
+          <p:cNvPr id="4" name="Rectangle 3"/>
+          <p:cNvSpPr/>
+          <p:nvPr/>
+        </p:nvSpPr>
+        <p:spPr>
+          <a:xfrm>
+            <a:off x="0" y="0"/>
+            <a:ext cx="12192000" cy="1700213"/>
+          </a:xfrm>
+          <a:prstGeom prst="rect">
+            <a:avLst/>
+          </a:prstGeom>
+          <a:solidFill>
+            <a:schemeClr val="accent2"/>
+          </a:solidFill>
+        </p:spPr>
+        <p:style>
+          <a:lnRef idx="2">
+            <a:schemeClr val="accent1">
+              <a:shade val="50000"/>
+            </a:schemeClr>
+          </a:lnRef>
+          <a:fillRef idx="1">
+            <a:schemeClr val="accent1"/>
+          </a:fillRef>
+          <a:effectRef idx="0">
+            <a:schemeClr val="accent1"/>
+          </a:effectRef>
+          <a:fontRef idx="minor">
+            <a:schemeClr val="lt1"/>
+          </a:fontRef>
+        </p:style>
+        <p:txBody>
+          <a:bodyPr rtlCol="0" anchor="ctr"/>
+          <a:lstStyle/>
+          <a:p>
+            <a:pPr algn="ctr"/>
+            <a:endParaRPr lang="en-US">
+              <a:solidFill>
+                <a:srgbClr val="418AB3"/>
+              </a:solidFill>
+            </a:endParaRPr>
+          </a:p>
+        </p:txBody>
+      </p:sp>
+      <p:sp>
+        <p:nvSpPr>
+          <p:cNvPr id="2" name="Title 1"/>
+          <p:cNvSpPr>
+            <a:spLocks noGrp="1"/>
+          </p:cNvSpPr>
+          <p:nvPr>
+            <p:ph type="title"/>
+          </p:nvPr>
+        </p:nvSpPr>
+        <p:spPr>
+          <a:xfrm>
+            <a:off x="2931549" y="379411"/>
+            <a:ext cx="5844268" cy="952183"/>
+          </a:xfrm>
+        </p:spPr>
+        <p:txBody>
+          <a:bodyPr>
+            <a:normAutofit/>
+          </a:bodyPr>
+          <a:lstStyle/>
+          <a:p>
+            <a:r>
+              <a:rPr lang="en-US" dirty="0" smtClean="0"/>
+              <a:t>ROGUE-L Example</a:t>
+            </a:r>
+            <a:endParaRPr lang="en-US" dirty="0"/>
+          </a:p>
+        </p:txBody>
+      </p:sp>
+      <p:pic>
+        <p:nvPicPr>
+          <p:cNvPr id="3" name="Picture 2"/>
+          <p:cNvPicPr>
+            <a:picLocks noChangeAspect="1"/>
+          </p:cNvPicPr>
+          <p:nvPr/>
+        </p:nvPicPr>
+        <p:blipFill>
+          <a:blip r:embed="rId2"/>
+          <a:stretch>
+            <a:fillRect/>
+          </a:stretch>
+        </p:blipFill>
+        <p:spPr>
+          <a:xfrm>
+            <a:off x="542646" y="2459510"/>
+            <a:ext cx="5550237" cy="3298351"/>
+          </a:xfrm>
+          <a:prstGeom prst="rect">
+            <a:avLst/>
+          </a:prstGeom>
+        </p:spPr>
+      </p:pic>
+      <p:pic>
+        <p:nvPicPr>
+          <p:cNvPr id="8" name="Picture 7"/>
+          <p:cNvPicPr>
+            <a:picLocks noChangeAspect="1"/>
+          </p:cNvPicPr>
+          <p:nvPr/>
+        </p:nvPicPr>
+        <p:blipFill>
+          <a:blip r:embed="rId3"/>
+          <a:stretch>
+            <a:fillRect/>
+          </a:stretch>
+        </p:blipFill>
+        <p:spPr>
+          <a:xfrm>
+            <a:off x="6986586" y="3033593"/>
+            <a:ext cx="4626689" cy="2724268"/>
+          </a:xfrm>
+          <a:prstGeom prst="rect">
+            <a:avLst/>
+          </a:prstGeom>
+        </p:spPr>
+      </p:pic>
+    </p:spTree>
+    <p:extLst>
+      <p:ext uri="{BB962C8B-B14F-4D97-AF65-F5344CB8AC3E}">
+        <p14:creationId xmlns:p14="http://schemas.microsoft.com/office/powerpoint/2010/main" val="1892969337"/>
+      </p:ext>
+    </p:extLst>
+  </p:cSld>
+  <p:clrMapOvr>
+    <a:masterClrMapping/>
+  </p:clrMapOvr>
+  <p:timing>
+    <p:tnLst>
+      <p:par>
+        <p:cTn id="1" dur="indefinite" restart="never" nodeType="tmRoot"/>
+      </p:par>
+    </p:tnLst>
+  </p:timing>
+</p:sld>
+</file>
+
+<file path=ppt/slides/slide35.xml><?xml version="1.0" encoding="utf-8"?>
+<p:sld xmlns:a="http://schemas.openxmlformats.org/drawingml/2006/main" xmlns:r="http://schemas.openxmlformats.org/officeDocument/2006/relationships" xmlns:p="http://schemas.openxmlformats.org/presentationml/2006/main">
+  <p:cSld>
+    <p:bg>
+      <p:bgPr>
+        <a:solidFill>
+          <a:schemeClr val="bg1"/>
+        </a:solidFill>
+        <a:effectLst/>
+      </p:bgPr>
+    </p:bg>
+    <p:spTree>
+      <p:nvGrpSpPr>
+        <p:cNvPr id="1" name=""/>
+        <p:cNvGrpSpPr/>
+        <p:nvPr/>
+      </p:nvGrpSpPr>
+      <p:grpSpPr>
+        <a:xfrm>
+          <a:off x="0" y="0"/>
+          <a:ext cx="0" cy="0"/>
+          <a:chOff x="0" y="0"/>
+          <a:chExt cx="0" cy="0"/>
+        </a:xfrm>
+      </p:grpSpPr>
+      <p:sp>
+        <p:nvSpPr>
+          <p:cNvPr id="4" name="Rectangle 3"/>
+          <p:cNvSpPr/>
+          <p:nvPr/>
+        </p:nvSpPr>
+        <p:spPr>
+          <a:xfrm>
+            <a:off x="0" y="0"/>
+            <a:ext cx="12192000" cy="1700213"/>
+          </a:xfrm>
+          <a:prstGeom prst="rect">
+            <a:avLst/>
+          </a:prstGeom>
+          <a:solidFill>
+            <a:schemeClr val="accent2"/>
+          </a:solidFill>
+        </p:spPr>
+        <p:style>
+          <a:lnRef idx="2">
+            <a:schemeClr val="accent1">
+              <a:shade val="50000"/>
+            </a:schemeClr>
+          </a:lnRef>
+          <a:fillRef idx="1">
+            <a:schemeClr val="accent1"/>
+          </a:fillRef>
+          <a:effectRef idx="0">
+            <a:schemeClr val="accent1"/>
+          </a:effectRef>
+          <a:fontRef idx="minor">
+            <a:schemeClr val="lt1"/>
+          </a:fontRef>
+        </p:style>
+        <p:txBody>
+          <a:bodyPr rtlCol="0" anchor="ctr"/>
+          <a:lstStyle/>
+          <a:p>
+            <a:pPr algn="ctr"/>
+            <a:endParaRPr lang="en-US">
+              <a:solidFill>
+                <a:srgbClr val="418AB3"/>
+              </a:solidFill>
+            </a:endParaRPr>
+          </a:p>
+        </p:txBody>
+      </p:sp>
+      <p:sp>
+        <p:nvSpPr>
+          <p:cNvPr id="2" name="Title 1"/>
+          <p:cNvSpPr>
+            <a:spLocks noGrp="1"/>
+          </p:cNvSpPr>
+          <p:nvPr>
+            <p:ph type="title"/>
+          </p:nvPr>
+        </p:nvSpPr>
+        <p:spPr>
+          <a:xfrm>
+            <a:off x="2931549" y="379411"/>
+            <a:ext cx="5844268" cy="952183"/>
+          </a:xfrm>
+        </p:spPr>
+        <p:txBody>
+          <a:bodyPr>
+            <a:normAutofit fontScale="90000"/>
+          </a:bodyPr>
+          <a:lstStyle/>
+          <a:p>
+            <a:r>
+              <a:rPr lang="en-US" dirty="0" err="1" smtClean="0"/>
+              <a:t>HandLE</a:t>
+            </a:r>
+            <a:r>
+              <a:rPr lang="en-US" dirty="0" smtClean="0"/>
+              <a:t> BERT MAX TOKEN LENGTH</a:t>
             </a:r>
             <a:endParaRPr lang="en-US" dirty="0"/>
           </a:p>
@@ -11243,167 +14922,80 @@
           </a:bodyPr>
           <a:lstStyle/>
           <a:p>
-            <a:pPr>
-              <a:buFont typeface="Wingdings" panose="05000000000000000000" pitchFamily="2" charset="2"/>
-              <a:buChar char="Ø"/>
+            <a:pPr marL="0" indent="0">
+              <a:buNone/>
             </a:pPr>
             <a:r>
-              <a:rPr lang="en-US" sz="2000" dirty="0">
+              <a:rPr lang="en-US" dirty="0"/>
+              <a:t>When using BERT for text summarization, it is common for the input sentences to be longer than the maximum token length that can be handled by the </a:t>
+            </a:r>
+            <a:r>
+              <a:rPr lang="en-US" dirty="0" smtClean="0"/>
+              <a:t>model</a:t>
+            </a:r>
+            <a:endParaRPr lang="en-US" dirty="0"/>
+          </a:p>
+          <a:p>
+            <a:r>
+              <a:rPr lang="en-US" dirty="0">
                 <a:solidFill>
                   <a:srgbClr val="FF0000"/>
                 </a:solidFill>
-                <a:latin typeface="Corbel" panose="020B0503020204020204" pitchFamily="34" charset="0"/>
-              </a:rPr>
-              <a:t>T</a:t>
-            </a:r>
-            <a:r>
-              <a:rPr lang="en-US" sz="2000" dirty="0" smtClean="0">
+              </a:rPr>
+              <a:t>Truncate the input</a:t>
+            </a:r>
+            <a:r>
+              <a:rPr lang="en-US" dirty="0"/>
+              <a:t>: One approach is to simply truncate the input text to fit within the maximum token length of the model. This can result in loss of information, particularly for longer </a:t>
+            </a:r>
+            <a:r>
+              <a:rPr lang="en-US" dirty="0" smtClean="0"/>
+              <a:t>documents</a:t>
+            </a:r>
+            <a:endParaRPr lang="en-US" dirty="0"/>
+          </a:p>
+          <a:p>
+            <a:r>
+              <a:rPr lang="en-US" dirty="0">
                 <a:solidFill>
                   <a:srgbClr val="FF0000"/>
                 </a:solidFill>
-                <a:latin typeface="Corbel" panose="020B0503020204020204" pitchFamily="34" charset="0"/>
-              </a:rPr>
-              <a:t>he </a:t>
-            </a:r>
-            <a:r>
-              <a:rPr lang="en-US" sz="2000" dirty="0">
+              </a:rPr>
+              <a:t>Chunk the input: </a:t>
+            </a:r>
+            <a:r>
+              <a:rPr lang="en-US" dirty="0"/>
+              <a:t>Another approach is to split the input text into smaller chunks that fit within the maximum token length of the model. This can be done by splitting the document into paragraphs or sentences, for example, and processing each chunk separately. The resulting summaries can then be combined to form a summary of the entire document.</a:t>
+            </a:r>
+          </a:p>
+          <a:p>
+            <a:r>
+              <a:rPr lang="en-US" dirty="0">
                 <a:solidFill>
                   <a:srgbClr val="FF0000"/>
                 </a:solidFill>
-                <a:latin typeface="Corbel" panose="020B0503020204020204" pitchFamily="34" charset="0"/>
-              </a:rPr>
-              <a:t>attention mechanism </a:t>
-            </a:r>
-            <a:r>
-              <a:rPr lang="en-US" sz="2000" dirty="0">
-                <a:latin typeface="Corbel" panose="020B0503020204020204" pitchFamily="34" charset="0"/>
-              </a:rPr>
-              <a:t>allows the model to focus on specific parts of the input sequence when generating output. The attention mechanism computes a weighted sum of the input sequence, where the weights are determined by the relevance of each input element to the current output step</a:t>
-            </a:r>
-            <a:r>
-              <a:rPr lang="en-US" sz="2000" dirty="0" smtClean="0">
-                <a:latin typeface="Corbel" panose="020B0503020204020204" pitchFamily="34" charset="0"/>
-              </a:rPr>
-              <a:t>.</a:t>
-            </a:r>
-          </a:p>
-          <a:p>
-            <a:pPr>
-              <a:buFont typeface="Wingdings" panose="05000000000000000000" pitchFamily="2" charset="2"/>
-              <a:buChar char="Ø"/>
-            </a:pPr>
-            <a:r>
-              <a:rPr lang="en-US" sz="2000" dirty="0" smtClean="0">
-                <a:latin typeface="Corbel" panose="020B0503020204020204" pitchFamily="34" charset="0"/>
-              </a:rPr>
-              <a:t>In </a:t>
-            </a:r>
-            <a:r>
-              <a:rPr lang="en-US" sz="2000" dirty="0">
-                <a:latin typeface="Corbel" panose="020B0503020204020204" pitchFamily="34" charset="0"/>
-              </a:rPr>
-              <a:t>some cases, not all elements of the input sequence are relevant for the task at hand. For example, in natural language processing tasks, </a:t>
-            </a:r>
-            <a:r>
-              <a:rPr lang="en-US" sz="2000" dirty="0">
+              </a:rPr>
+              <a:t>Use a hierarchical model</a:t>
+            </a:r>
+            <a:r>
+              <a:rPr lang="en-US" dirty="0"/>
+              <a:t>: A third approach is to use a hierarchical model that can handle longer input sequences. In this approach, the input text is first processed by a lower-level model that extracts important information, such as key phrases or sentences, and then passes that information to a higher-level model that generates the summary.</a:t>
+            </a:r>
+          </a:p>
+          <a:p>
+            <a:r>
+              <a:rPr lang="en-US" dirty="0">
                 <a:solidFill>
                   <a:srgbClr val="FF0000"/>
                 </a:solidFill>
-                <a:latin typeface="Corbel" panose="020B0503020204020204" pitchFamily="34" charset="0"/>
-              </a:rPr>
-              <a:t>padding tokens </a:t>
-            </a:r>
-            <a:r>
-              <a:rPr lang="en-US" sz="2000" dirty="0">
-                <a:latin typeface="Corbel" panose="020B0503020204020204" pitchFamily="34" charset="0"/>
-              </a:rPr>
-              <a:t>may be added to the input sequence to ensure that all sequences have the same length, but these padding tokens do not provide any useful information for the </a:t>
-            </a:r>
-            <a:r>
-              <a:rPr lang="en-US" sz="2000" dirty="0" smtClean="0">
-                <a:latin typeface="Corbel" panose="020B0503020204020204" pitchFamily="34" charset="0"/>
-              </a:rPr>
-              <a:t>model</a:t>
-            </a:r>
-          </a:p>
-          <a:p>
-            <a:pPr>
-              <a:buFont typeface="Wingdings" panose="05000000000000000000" pitchFamily="2" charset="2"/>
-              <a:buChar char="Ø"/>
-            </a:pPr>
-            <a:r>
-              <a:rPr lang="en-US" sz="2000" dirty="0">
-                <a:latin typeface="Corbel" panose="020B0503020204020204" pitchFamily="34" charset="0"/>
-              </a:rPr>
-              <a:t>To address this issue, an </a:t>
-            </a:r>
-            <a:r>
-              <a:rPr lang="en-US" sz="2000" dirty="0">
-                <a:solidFill>
-                  <a:srgbClr val="FF0000"/>
-                </a:solidFill>
-                <a:latin typeface="Corbel" panose="020B0503020204020204" pitchFamily="34" charset="0"/>
-              </a:rPr>
-              <a:t>attention mask </a:t>
-            </a:r>
-            <a:r>
-              <a:rPr lang="en-US" sz="2000" dirty="0">
-                <a:latin typeface="Corbel" panose="020B0503020204020204" pitchFamily="34" charset="0"/>
-              </a:rPr>
-              <a:t>can be used to indicate which elements of the input sequence are relevant for the task and which are not. The attention mask is a </a:t>
-            </a:r>
-            <a:r>
-              <a:rPr lang="en-US" sz="2000" dirty="0">
-                <a:solidFill>
-                  <a:srgbClr val="FF0000"/>
-                </a:solidFill>
-                <a:latin typeface="Corbel" panose="020B0503020204020204" pitchFamily="34" charset="0"/>
-              </a:rPr>
-              <a:t>binary tensor </a:t>
-            </a:r>
-            <a:r>
-              <a:rPr lang="en-US" sz="2000" dirty="0">
-                <a:latin typeface="Corbel" panose="020B0503020204020204" pitchFamily="34" charset="0"/>
-              </a:rPr>
-              <a:t>with the same shape as the input sequence, where each element is either 0 or </a:t>
-            </a:r>
-            <a:r>
-              <a:rPr lang="en-US" sz="2000" dirty="0" smtClean="0">
-                <a:latin typeface="Corbel" panose="020B0503020204020204" pitchFamily="34" charset="0"/>
-              </a:rPr>
-              <a:t>1</a:t>
-            </a:r>
-          </a:p>
-          <a:p>
-            <a:pPr>
-              <a:buFont typeface="Wingdings" panose="05000000000000000000" pitchFamily="2" charset="2"/>
-              <a:buChar char="Ø"/>
-            </a:pPr>
-            <a:r>
-              <a:rPr lang="en-US" sz="2000" dirty="0">
-                <a:latin typeface="Corbel" panose="020B0503020204020204" pitchFamily="34" charset="0"/>
-              </a:rPr>
-              <a:t>During training and inference, the attention mask is </a:t>
-            </a:r>
-            <a:r>
-              <a:rPr lang="en-US" sz="2000" dirty="0">
-                <a:solidFill>
-                  <a:srgbClr val="FF0000"/>
-                </a:solidFill>
-                <a:latin typeface="Corbel" panose="020B0503020204020204" pitchFamily="34" charset="0"/>
-              </a:rPr>
-              <a:t>multiplied element-wise with the attention weights</a:t>
-            </a:r>
-            <a:r>
-              <a:rPr lang="en-US" sz="2000" dirty="0">
-                <a:latin typeface="Corbel" panose="020B0503020204020204" pitchFamily="34" charset="0"/>
-              </a:rPr>
-              <a:t> to ensure that only valid elements of the input sequence are used to compute the output</a:t>
-            </a:r>
-            <a:endParaRPr lang="en-US" sz="2400" dirty="0" smtClean="0">
-              <a:solidFill>
-                <a:srgbClr val="FF0000"/>
-              </a:solidFill>
+              </a:rPr>
+              <a:t>Use a summarization-specific model</a:t>
+            </a:r>
+            <a:r>
+              <a:rPr lang="en-US" dirty="0"/>
+              <a:t>: Finally, another approach is to use a model that is specifically designed for text summarization, such as the T5 or GPT-3 models. </a:t>
+            </a:r>
+            <a:endParaRPr lang="en-US" sz="3600" dirty="0" smtClean="0">
               <a:latin typeface="Corbel" panose="020B0503020204020204" pitchFamily="34" charset="0"/>
             </a:endParaRPr>
           </a:p>
@@ -11412,7 +15004,7 @@
     </p:spTree>
     <p:extLst>
       <p:ext uri="{BB962C8B-B14F-4D97-AF65-F5344CB8AC3E}">
-        <p14:creationId xmlns:p14="http://schemas.microsoft.com/office/powerpoint/2010/main" val="1927364680"/>
+        <p14:creationId xmlns:p14="http://schemas.microsoft.com/office/powerpoint/2010/main" val="3951248322"/>
       </p:ext>
     </p:extLst>
   </p:cSld>
@@ -11429,7 +15021,7 @@
 </p:sld>
 </file>
 
-<file path=ppt/slides/slide25.xml><?xml version="1.0" encoding="utf-8"?>
+<file path=ppt/slides/slide36.xml><?xml version="1.0" encoding="utf-8"?>
 <p:sld xmlns:a="http://schemas.openxmlformats.org/drawingml/2006/main" xmlns:r="http://schemas.openxmlformats.org/officeDocument/2006/relationships" xmlns:p="http://schemas.openxmlformats.org/presentationml/2006/main">
   <p:cSld>
     <p:bg>
@@ -11456,60 +15048,21 @@
       </p:grpSpPr>
       <p:sp>
         <p:nvSpPr>
-          <p:cNvPr id="5" name="Rectangle 4"/>
+          <p:cNvPr id="4" name="Rectangle 3"/>
           <p:cNvSpPr/>
           <p:nvPr/>
         </p:nvSpPr>
         <p:spPr>
           <a:xfrm>
-            <a:off x="2571750" y="857251"/>
-            <a:ext cx="9184821" cy="1477328"/>
-          </a:xfrm>
-          <a:prstGeom prst="rect">
-            <a:avLst/>
-          </a:prstGeom>
-        </p:spPr>
-        <p:txBody>
-          <a:bodyPr wrap="square">
-            <a:spAutoFit/>
-          </a:bodyPr>
-          <a:lstStyle/>
-          <a:p>
-            <a:r>
-              <a:rPr lang="en-US" dirty="0">
-                <a:solidFill>
-                  <a:srgbClr val="374151"/>
-                </a:solidFill>
-                <a:latin typeface="Söhne"/>
-              </a:rPr>
-              <a:t>Imagine you are working as an NLP data scientist at a financial services firm, and your team is tasked with developing a transformer-based model to analyze customer feedback and complaints. Your model should be able to identify common themes and sentiments in the customer feedback, and provide recommendations to improve customer satisfaction</a:t>
-            </a:r>
-            <a:endParaRPr lang="en-US" dirty="0"/>
-          </a:p>
-        </p:txBody>
-      </p:sp>
-      <p:sp>
-        <p:nvSpPr>
-          <p:cNvPr id="6" name="Rectangle 5"/>
-          <p:cNvSpPr/>
-          <p:nvPr/>
-        </p:nvSpPr>
-        <p:spPr>
-          <a:xfrm>
-            <a:off x="1117600" y="3048000"/>
-            <a:ext cx="9666514" cy="3135086"/>
+            <a:off x="0" y="0"/>
+            <a:ext cx="12192000" cy="1700213"/>
           </a:xfrm>
           <a:prstGeom prst="rect">
             <a:avLst/>
           </a:prstGeom>
           <a:solidFill>
-            <a:schemeClr val="bg1"/>
+            <a:schemeClr val="accent2"/>
           </a:solidFill>
-          <a:ln>
-            <a:solidFill>
-              <a:schemeClr val="tx1"/>
-            </a:solidFill>
-          </a:ln>
         </p:spPr>
         <p:style>
           <a:lnRef idx="2">
@@ -11531,387 +15084,288 @@
           <a:bodyPr rtlCol="0" anchor="ctr"/>
           <a:lstStyle/>
           <a:p>
-            <a:r>
-              <a:rPr lang="en-US" dirty="0" smtClean="0">
-                <a:ln w="0"/>
-                <a:solidFill>
-                  <a:schemeClr val="tx1"/>
-                </a:solidFill>
-                <a:effectLst>
-                  <a:outerShdw blurRad="38100" dist="19050" dir="2700000" algn="tl" rotWithShape="0">
-                    <a:schemeClr val="dk1">
-                      <a:alpha val="40000"/>
-                    </a:schemeClr>
-                  </a:outerShdw>
-                </a:effectLst>
-              </a:rPr>
-              <a:t>Business objective: Identify common themes and sentiments in customer feedback. </a:t>
-            </a:r>
-          </a:p>
-          <a:p>
-            <a:r>
-              <a:rPr lang="en-US" dirty="0" smtClean="0">
-                <a:ln w="0"/>
-                <a:solidFill>
-                  <a:schemeClr val="tx1"/>
-                </a:solidFill>
-                <a:effectLst>
-                  <a:outerShdw blurRad="38100" dist="19050" dir="2700000" algn="tl" rotWithShape="0">
-                    <a:schemeClr val="dk1">
-                      <a:alpha val="40000"/>
-                    </a:schemeClr>
-                  </a:outerShdw>
-                </a:effectLst>
-              </a:rPr>
-              <a:t>Data collection: Curate data (customer feedbacks, customer demographics, products subscribed by the customer, customer characteristics)</a:t>
-            </a:r>
-          </a:p>
-          <a:p>
-            <a:r>
-              <a:rPr lang="en-US" dirty="0" smtClean="0">
-                <a:ln w="0"/>
-                <a:solidFill>
-                  <a:schemeClr val="tx1"/>
-                </a:solidFill>
-                <a:effectLst>
-                  <a:outerShdw blurRad="38100" dist="19050" dir="2700000" algn="tl" rotWithShape="0">
-                    <a:schemeClr val="dk1">
-                      <a:alpha val="40000"/>
-                    </a:schemeClr>
-                  </a:outerShdw>
-                </a:effectLst>
-              </a:rPr>
-              <a:t>Data preprocessing: Remove timestamps, non verbal cues</a:t>
-            </a:r>
-          </a:p>
-          <a:p>
-            <a:r>
-              <a:rPr lang="en-US" dirty="0" smtClean="0">
-                <a:ln w="0"/>
-                <a:solidFill>
-                  <a:schemeClr val="tx1"/>
-                </a:solidFill>
-                <a:effectLst>
-                  <a:outerShdw blurRad="38100" dist="19050" dir="2700000" algn="tl" rotWithShape="0">
-                    <a:schemeClr val="dk1">
-                      <a:alpha val="40000"/>
-                    </a:schemeClr>
-                  </a:outerShdw>
-                </a:effectLst>
-              </a:rPr>
-              <a:t>Text </a:t>
-            </a:r>
-            <a:r>
-              <a:rPr lang="en-US" dirty="0" err="1" smtClean="0">
-                <a:ln w="0"/>
-                <a:solidFill>
-                  <a:schemeClr val="tx1"/>
-                </a:solidFill>
-                <a:effectLst>
-                  <a:outerShdw blurRad="38100" dist="19050" dir="2700000" algn="tl" rotWithShape="0">
-                    <a:schemeClr val="dk1">
-                      <a:alpha val="40000"/>
-                    </a:schemeClr>
-                  </a:outerShdw>
-                </a:effectLst>
-              </a:rPr>
-              <a:t>processing:Use</a:t>
-            </a:r>
-            <a:r>
-              <a:rPr lang="en-US" dirty="0" smtClean="0">
-                <a:ln w="0"/>
-                <a:solidFill>
-                  <a:schemeClr val="tx1"/>
-                </a:solidFill>
-                <a:effectLst>
-                  <a:outerShdw blurRad="38100" dist="19050" dir="2700000" algn="tl" rotWithShape="0">
-                    <a:schemeClr val="dk1">
-                      <a:alpha val="40000"/>
-                    </a:schemeClr>
-                  </a:outerShdw>
-                </a:effectLst>
-              </a:rPr>
-              <a:t> NLTK library to perform text preprocessing. </a:t>
-            </a:r>
-          </a:p>
-          <a:p>
-            <a:r>
-              <a:rPr lang="en-US" dirty="0" smtClean="0">
-                <a:ln w="0"/>
-                <a:solidFill>
-                  <a:schemeClr val="tx1"/>
-                </a:solidFill>
-                <a:effectLst>
-                  <a:outerShdw blurRad="38100" dist="19050" dir="2700000" algn="tl" rotWithShape="0">
-                    <a:schemeClr val="dk1">
-                      <a:alpha val="40000"/>
-                    </a:schemeClr>
-                  </a:outerShdw>
-                </a:effectLst>
-              </a:rPr>
-              <a:t>Tokenization: Convert individual sentences/feedbacks into tokens. Use </a:t>
-            </a:r>
-            <a:r>
-              <a:rPr lang="en-US" dirty="0" err="1" smtClean="0">
-                <a:ln w="0"/>
-                <a:solidFill>
-                  <a:schemeClr val="tx1"/>
-                </a:solidFill>
-                <a:effectLst>
-                  <a:outerShdw blurRad="38100" dist="19050" dir="2700000" algn="tl" rotWithShape="0">
-                    <a:schemeClr val="dk1">
-                      <a:alpha val="40000"/>
-                    </a:schemeClr>
-                  </a:outerShdw>
-                </a:effectLst>
-              </a:rPr>
-              <a:t>Huggingface</a:t>
-            </a:r>
-            <a:r>
-              <a:rPr lang="en-US" dirty="0" smtClean="0">
-                <a:ln w="0"/>
-                <a:solidFill>
-                  <a:schemeClr val="tx1"/>
-                </a:solidFill>
-                <a:effectLst>
-                  <a:outerShdw blurRad="38100" dist="19050" dir="2700000" algn="tl" rotWithShape="0">
-                    <a:schemeClr val="dk1">
-                      <a:alpha val="40000"/>
-                    </a:schemeClr>
-                  </a:outerShdw>
-                </a:effectLst>
-              </a:rPr>
-              <a:t> </a:t>
-            </a:r>
-            <a:r>
-              <a:rPr lang="en-US" dirty="0" err="1" smtClean="0">
-                <a:ln w="0"/>
-                <a:solidFill>
-                  <a:schemeClr val="tx1"/>
-                </a:solidFill>
-                <a:effectLst>
-                  <a:outerShdw blurRad="38100" dist="19050" dir="2700000" algn="tl" rotWithShape="0">
-                    <a:schemeClr val="dk1">
-                      <a:alpha val="40000"/>
-                    </a:schemeClr>
-                  </a:outerShdw>
-                </a:effectLst>
-              </a:rPr>
-              <a:t>Autotokenzer</a:t>
-            </a:r>
-            <a:r>
-              <a:rPr lang="en-US" dirty="0" smtClean="0">
-                <a:ln w="0"/>
-                <a:solidFill>
-                  <a:schemeClr val="tx1"/>
-                </a:solidFill>
-                <a:effectLst>
-                  <a:outerShdw blurRad="38100" dist="19050" dir="2700000" algn="tl" rotWithShape="0">
-                    <a:schemeClr val="dk1">
-                      <a:alpha val="40000"/>
-                    </a:schemeClr>
-                  </a:outerShdw>
-                </a:effectLst>
-              </a:rPr>
-              <a:t> based on the model</a:t>
-            </a:r>
-          </a:p>
-          <a:p>
-            <a:r>
-              <a:rPr lang="en-US" dirty="0" smtClean="0">
-                <a:ln w="0"/>
-                <a:solidFill>
-                  <a:schemeClr val="tx1"/>
-                </a:solidFill>
-                <a:effectLst>
-                  <a:outerShdw blurRad="38100" dist="19050" dir="2700000" algn="tl" rotWithShape="0">
-                    <a:schemeClr val="dk1">
-                      <a:alpha val="40000"/>
-                    </a:schemeClr>
-                  </a:outerShdw>
-                </a:effectLst>
-              </a:rPr>
-              <a:t>Model selection: We can use a base </a:t>
-            </a:r>
-            <a:r>
-              <a:rPr lang="en-US" dirty="0" err="1" smtClean="0">
-                <a:ln w="0"/>
-                <a:solidFill>
-                  <a:schemeClr val="tx1"/>
-                </a:solidFill>
-                <a:effectLst>
-                  <a:outerShdw blurRad="38100" dist="19050" dir="2700000" algn="tl" rotWithShape="0">
-                    <a:schemeClr val="dk1">
-                      <a:alpha val="40000"/>
-                    </a:schemeClr>
-                  </a:outerShdw>
-                </a:effectLst>
-              </a:rPr>
-              <a:t>bert</a:t>
-            </a:r>
-            <a:r>
-              <a:rPr lang="en-US" dirty="0" smtClean="0">
-                <a:ln w="0"/>
-                <a:solidFill>
-                  <a:schemeClr val="tx1"/>
-                </a:solidFill>
-                <a:effectLst>
-                  <a:outerShdw blurRad="38100" dist="19050" dir="2700000" algn="tl" rotWithShape="0">
-                    <a:schemeClr val="dk1">
-                      <a:alpha val="40000"/>
-                    </a:schemeClr>
-                  </a:outerShdw>
-                </a:effectLst>
-              </a:rPr>
-              <a:t> to train from scratch or leverage “sentiment analysis” </a:t>
-            </a:r>
-            <a:r>
-              <a:rPr lang="en-US" dirty="0" err="1" smtClean="0">
-                <a:ln w="0"/>
-                <a:solidFill>
-                  <a:schemeClr val="tx1"/>
-                </a:solidFill>
-                <a:effectLst>
-                  <a:outerShdw blurRad="38100" dist="19050" dir="2700000" algn="tl" rotWithShape="0">
-                    <a:schemeClr val="dk1">
-                      <a:alpha val="40000"/>
-                    </a:schemeClr>
-                  </a:outerShdw>
-                </a:effectLst>
-              </a:rPr>
-              <a:t>pretrained</a:t>
-            </a:r>
-            <a:r>
-              <a:rPr lang="en-US" dirty="0" smtClean="0">
-                <a:ln w="0"/>
-                <a:solidFill>
-                  <a:schemeClr val="tx1"/>
-                </a:solidFill>
-                <a:effectLst>
-                  <a:outerShdw blurRad="38100" dist="19050" dir="2700000" algn="tl" rotWithShape="0">
-                    <a:schemeClr val="dk1">
-                      <a:alpha val="40000"/>
-                    </a:schemeClr>
-                  </a:outerShdw>
-                </a:effectLst>
-              </a:rPr>
-              <a:t> model from hugging face</a:t>
-            </a:r>
-          </a:p>
-          <a:p>
-            <a:r>
-              <a:rPr lang="en-US" dirty="0" smtClean="0">
-                <a:ln w="0"/>
-                <a:solidFill>
-                  <a:schemeClr val="tx1"/>
-                </a:solidFill>
-                <a:effectLst>
-                  <a:outerShdw blurRad="38100" dist="19050" dir="2700000" algn="tl" rotWithShape="0">
-                    <a:schemeClr val="dk1">
-                      <a:alpha val="40000"/>
-                    </a:schemeClr>
-                  </a:outerShdw>
-                </a:effectLst>
-              </a:rPr>
-              <a:t>Model </a:t>
-            </a:r>
-            <a:r>
-              <a:rPr lang="en-US" dirty="0" err="1" smtClean="0">
-                <a:ln w="0"/>
-                <a:solidFill>
-                  <a:schemeClr val="tx1"/>
-                </a:solidFill>
-                <a:effectLst>
-                  <a:outerShdw blurRad="38100" dist="19050" dir="2700000" algn="tl" rotWithShape="0">
-                    <a:schemeClr val="dk1">
-                      <a:alpha val="40000"/>
-                    </a:schemeClr>
-                  </a:outerShdw>
-                </a:effectLst>
-              </a:rPr>
-              <a:t>Finetune</a:t>
-            </a:r>
-            <a:r>
-              <a:rPr lang="en-US" dirty="0" smtClean="0">
-                <a:ln w="0"/>
-                <a:solidFill>
-                  <a:schemeClr val="tx1"/>
-                </a:solidFill>
-                <a:effectLst>
-                  <a:outerShdw blurRad="38100" dist="19050" dir="2700000" algn="tl" rotWithShape="0">
-                    <a:schemeClr val="dk1">
-                      <a:alpha val="40000"/>
-                    </a:schemeClr>
-                  </a:outerShdw>
-                </a:effectLst>
-              </a:rPr>
-              <a:t>: prepare dataset with human annotated labels to fine tune the model. This is needed as we can leverage financial org specific terminologies to indicate sentiment</a:t>
-            </a:r>
-          </a:p>
-          <a:p>
-            <a:r>
-              <a:rPr lang="en-US" dirty="0" smtClean="0">
-                <a:ln w="0"/>
-                <a:solidFill>
-                  <a:schemeClr val="tx1"/>
-                </a:solidFill>
-                <a:effectLst>
-                  <a:outerShdw blurRad="38100" dist="19050" dir="2700000" algn="tl" rotWithShape="0">
-                    <a:schemeClr val="dk1">
-                      <a:alpha val="40000"/>
-                    </a:schemeClr>
-                  </a:outerShdw>
-                </a:effectLst>
-              </a:rPr>
-              <a:t>Model evaluation: We can use F1-score to evaluate the model performance</a:t>
-            </a:r>
+            <a:pPr algn="ctr"/>
+            <a:endParaRPr lang="en-US">
+              <a:solidFill>
+                <a:srgbClr val="418AB3"/>
+              </a:solidFill>
+            </a:endParaRPr>
           </a:p>
         </p:txBody>
       </p:sp>
       <p:sp>
         <p:nvSpPr>
-          <p:cNvPr id="7" name="TextBox 6"/>
-          <p:cNvSpPr txBox="1"/>
-          <p:nvPr/>
+          <p:cNvPr id="2" name="Title 1"/>
+          <p:cNvSpPr>
+            <a:spLocks noGrp="1"/>
+          </p:cNvSpPr>
+          <p:nvPr>
+            <p:ph type="title"/>
+          </p:nvPr>
         </p:nvSpPr>
         <p:spPr>
           <a:xfrm>
-            <a:off x="0" y="391886"/>
-            <a:ext cx="2571750" cy="1384995"/>
+            <a:off x="2931549" y="379411"/>
+            <a:ext cx="5844268" cy="952183"/>
           </a:xfrm>
-          <a:prstGeom prst="rect">
-            <a:avLst/>
-          </a:prstGeom>
-          <a:noFill/>
         </p:spPr>
         <p:txBody>
-          <a:bodyPr wrap="square" rtlCol="0">
-            <a:spAutoFit/>
+          <a:bodyPr>
+            <a:normAutofit/>
           </a:bodyPr>
           <a:lstStyle/>
           <a:p>
             <a:r>
-              <a:rPr lang="en-US" sz="2800" dirty="0" smtClean="0"/>
-              <a:t>Scenario: Sentiment Analysis</a:t>
-            </a:r>
-            <a:endParaRPr lang="en-US" sz="2800" dirty="0"/>
+              <a:rPr lang="en-US" dirty="0" smtClean="0"/>
+              <a:t>MULTI-HEADED ATTENTION</a:t>
+            </a:r>
+            <a:endParaRPr lang="en-US" dirty="0"/>
+          </a:p>
+        </p:txBody>
+      </p:sp>
+      <p:sp>
+        <p:nvSpPr>
+          <p:cNvPr id="7" name="Content Placeholder 6"/>
+          <p:cNvSpPr>
+            <a:spLocks noGrp="1"/>
+          </p:cNvSpPr>
+          <p:nvPr>
+            <p:ph sz="half" idx="1"/>
+          </p:nvPr>
+        </p:nvSpPr>
+        <p:spPr>
+          <a:xfrm>
+            <a:off x="943356" y="1711005"/>
+            <a:ext cx="10305288" cy="5004120"/>
+          </a:xfrm>
+          <a:solidFill>
+            <a:srgbClr val="FFFFFF"/>
+          </a:solidFill>
+        </p:spPr>
+        <p:txBody>
+          <a:bodyPr>
+            <a:noAutofit/>
+          </a:bodyPr>
+          <a:lstStyle/>
+          <a:p>
+            <a:pPr marL="0" indent="0">
+              <a:buNone/>
+            </a:pPr>
+            <a:r>
+              <a:rPr lang="en-US" dirty="0">
+                <a:latin typeface="Corbel" panose="020B0503020204020204" pitchFamily="34" charset="0"/>
+              </a:rPr>
+              <a:t>In the transformer architecture, the input sequence is first passed through a series of multi-headed self-attention layers, followed by feedforward </a:t>
+            </a:r>
+            <a:r>
+              <a:rPr lang="en-US" dirty="0" smtClean="0">
+                <a:latin typeface="Corbel" panose="020B0503020204020204" pitchFamily="34" charset="0"/>
+              </a:rPr>
+              <a:t>layers. </a:t>
+            </a:r>
+            <a:r>
+              <a:rPr lang="en-US" dirty="0">
+                <a:latin typeface="Corbel" panose="020B0503020204020204" pitchFamily="34" charset="0"/>
+              </a:rPr>
+              <a:t>The multi-headed attention layer is composed of several attention heads. Each attention head is responsible for attending to different parts of the input sequence, allowing the model to capture more fine-grained information</a:t>
+            </a:r>
+            <a:r>
+              <a:rPr lang="en-US" dirty="0" smtClean="0">
+                <a:latin typeface="Corbel" panose="020B0503020204020204" pitchFamily="34" charset="0"/>
+              </a:rPr>
+              <a:t>.</a:t>
+            </a:r>
+          </a:p>
+          <a:p>
+            <a:pPr marL="457200" indent="-457200">
+              <a:buFont typeface="+mj-lt"/>
+              <a:buAutoNum type="arabicPeriod"/>
+            </a:pPr>
+            <a:r>
+              <a:rPr lang="en-US" dirty="0">
+                <a:latin typeface="Corbel" panose="020B0503020204020204" pitchFamily="34" charset="0"/>
+              </a:rPr>
+              <a:t>The input sequence is first transformed into three matrices: </a:t>
+            </a:r>
+            <a:r>
+              <a:rPr lang="en-US" dirty="0">
+                <a:solidFill>
+                  <a:srgbClr val="FF0000"/>
+                </a:solidFill>
+                <a:latin typeface="Corbel" panose="020B0503020204020204" pitchFamily="34" charset="0"/>
+              </a:rPr>
+              <a:t>query, key, and value</a:t>
+            </a:r>
+            <a:r>
+              <a:rPr lang="en-US" dirty="0">
+                <a:latin typeface="Corbel" panose="020B0503020204020204" pitchFamily="34" charset="0"/>
+              </a:rPr>
+              <a:t>, by multiplying with learnable </a:t>
+            </a:r>
+            <a:r>
+              <a:rPr lang="en-US" dirty="0" smtClean="0">
+                <a:latin typeface="Corbel" panose="020B0503020204020204" pitchFamily="34" charset="0"/>
+              </a:rPr>
+              <a:t>weights.</a:t>
+            </a:r>
+          </a:p>
+          <a:p>
+            <a:pPr marL="457200" indent="-457200">
+              <a:buFont typeface="+mj-lt"/>
+              <a:buAutoNum type="arabicPeriod"/>
+            </a:pPr>
+            <a:r>
+              <a:rPr lang="en-US" dirty="0" smtClean="0">
+                <a:latin typeface="Corbel" panose="020B0503020204020204" pitchFamily="34" charset="0"/>
+              </a:rPr>
+              <a:t>Each </a:t>
+            </a:r>
+            <a:r>
+              <a:rPr lang="en-US" dirty="0">
+                <a:solidFill>
+                  <a:srgbClr val="FF0000"/>
+                </a:solidFill>
+                <a:latin typeface="Corbel" panose="020B0503020204020204" pitchFamily="34" charset="0"/>
+              </a:rPr>
+              <a:t>attention head</a:t>
+            </a:r>
+            <a:r>
+              <a:rPr lang="en-US" dirty="0">
+                <a:latin typeface="Corbel" panose="020B0503020204020204" pitchFamily="34" charset="0"/>
+              </a:rPr>
+              <a:t> then calculates a weighted sum of the values based on the dot product between the query and key matrices. This is done by computing the </a:t>
+            </a:r>
+            <a:r>
+              <a:rPr lang="en-US" dirty="0">
+                <a:solidFill>
+                  <a:srgbClr val="FF0000"/>
+                </a:solidFill>
+                <a:latin typeface="Corbel" panose="020B0503020204020204" pitchFamily="34" charset="0"/>
+              </a:rPr>
+              <a:t>softmax of the dot product</a:t>
+            </a:r>
+            <a:r>
+              <a:rPr lang="en-US" dirty="0">
+                <a:latin typeface="Corbel" panose="020B0503020204020204" pitchFamily="34" charset="0"/>
+              </a:rPr>
+              <a:t> between the query and key matrices, and then multiplying the result with the value matrix. This results in an attention vector for each attention </a:t>
+            </a:r>
+            <a:r>
+              <a:rPr lang="en-US" dirty="0" smtClean="0">
+                <a:latin typeface="Corbel" panose="020B0503020204020204" pitchFamily="34" charset="0"/>
+              </a:rPr>
+              <a:t>head.</a:t>
+            </a:r>
+          </a:p>
+          <a:p>
+            <a:pPr marL="457200" indent="-457200">
+              <a:buFont typeface="+mj-lt"/>
+              <a:buAutoNum type="arabicPeriod"/>
+            </a:pPr>
+            <a:r>
+              <a:rPr lang="en-US" dirty="0" smtClean="0">
+                <a:latin typeface="Corbel" panose="020B0503020204020204" pitchFamily="34" charset="0"/>
+              </a:rPr>
+              <a:t>The </a:t>
+            </a:r>
+            <a:r>
+              <a:rPr lang="en-US" dirty="0">
+                <a:latin typeface="Corbel" panose="020B0503020204020204" pitchFamily="34" charset="0"/>
+              </a:rPr>
+              <a:t>attention vectors for each attention head are concatenated and multiplied by another </a:t>
+            </a:r>
+            <a:r>
+              <a:rPr lang="en-US" dirty="0">
+                <a:solidFill>
+                  <a:srgbClr val="FF0000"/>
+                </a:solidFill>
+                <a:latin typeface="Corbel" panose="020B0503020204020204" pitchFamily="34" charset="0"/>
+              </a:rPr>
+              <a:t>learnable weight matrix</a:t>
+            </a:r>
+            <a:r>
+              <a:rPr lang="en-US" dirty="0">
+                <a:latin typeface="Corbel" panose="020B0503020204020204" pitchFamily="34" charset="0"/>
+              </a:rPr>
+              <a:t> to produce the output of the </a:t>
+            </a:r>
+            <a:r>
+              <a:rPr lang="en-US" dirty="0">
+                <a:solidFill>
+                  <a:srgbClr val="FF0000"/>
+                </a:solidFill>
+                <a:latin typeface="Corbel" panose="020B0503020204020204" pitchFamily="34" charset="0"/>
+              </a:rPr>
+              <a:t>multi-headed attention </a:t>
+            </a:r>
+            <a:r>
+              <a:rPr lang="en-US" dirty="0" smtClean="0">
+                <a:solidFill>
+                  <a:srgbClr val="FF0000"/>
+                </a:solidFill>
+                <a:latin typeface="Corbel" panose="020B0503020204020204" pitchFamily="34" charset="0"/>
+              </a:rPr>
+              <a:t>layer.</a:t>
+            </a:r>
+          </a:p>
+          <a:p>
+            <a:pPr marL="0" indent="0">
+              <a:buNone/>
+            </a:pPr>
+            <a:r>
+              <a:rPr lang="en-US" dirty="0">
+                <a:latin typeface="Corbel" panose="020B0503020204020204" pitchFamily="34" charset="0"/>
+              </a:rPr>
+              <a:t>By allowing the model to attend to different parts of the input sequence, the multi-headed attention layer can capture more complex and nuanced </a:t>
+            </a:r>
+            <a:r>
+              <a:rPr lang="en-US" dirty="0" smtClean="0">
+                <a:latin typeface="Corbel" panose="020B0503020204020204" pitchFamily="34" charset="0"/>
+              </a:rPr>
+              <a:t>relationships </a:t>
+            </a:r>
+            <a:r>
+              <a:rPr lang="en-US" dirty="0">
+                <a:latin typeface="Corbel" panose="020B0503020204020204" pitchFamily="34" charset="0"/>
+              </a:rPr>
+              <a:t>between the input </a:t>
+            </a:r>
+            <a:r>
+              <a:rPr lang="en-US" dirty="0" smtClean="0">
+                <a:latin typeface="Corbel" panose="020B0503020204020204" pitchFamily="34" charset="0"/>
+              </a:rPr>
+              <a:t>tokens</a:t>
+            </a:r>
+            <a:endParaRPr lang="en-US" sz="2000" dirty="0" smtClean="0">
+              <a:solidFill>
+                <a:srgbClr val="FF0000"/>
+              </a:solidFill>
+              <a:latin typeface="Corbel" panose="020B0503020204020204" pitchFamily="34" charset="0"/>
+            </a:endParaRPr>
           </a:p>
         </p:txBody>
       </p:sp>
     </p:spTree>
     <p:extLst>
       <p:ext uri="{BB962C8B-B14F-4D97-AF65-F5344CB8AC3E}">
-        <p14:creationId xmlns:p14="http://schemas.microsoft.com/office/powerpoint/2010/main" val="940797225"/>
+        <p14:creationId xmlns:p14="http://schemas.microsoft.com/office/powerpoint/2010/main" val="2885024062"/>
       </p:ext>
     </p:extLst>
   </p:cSld>
   <p:clrMapOvr>
     <a:masterClrMapping/>
   </p:clrMapOvr>
+  <p:timing>
+    <p:tnLst>
+      <p:par>
+        <p:cTn id="1" dur="indefinite" restart="never" nodeType="tmRoot"/>
+      </p:par>
+    </p:tnLst>
+  </p:timing>
 </p:sld>
 </file>
 
-<file path=ppt/slides/slide26.xml><?xml version="1.0" encoding="utf-8"?>
+<file path=ppt/slides/slide37.xml><?xml version="1.0" encoding="utf-8"?>
 <p:sld xmlns:a="http://schemas.openxmlformats.org/drawingml/2006/main" xmlns:r="http://schemas.openxmlformats.org/officeDocument/2006/relationships" xmlns:p="http://schemas.openxmlformats.org/presentationml/2006/main">
   <p:cSld>
     <p:bg>
@@ -11938,258 +15392,51 @@
       </p:grpSpPr>
       <p:sp>
         <p:nvSpPr>
-          <p:cNvPr id="5" name="Rectangle 4"/>
+          <p:cNvPr id="4" name="Rectangle 3"/>
           <p:cNvSpPr/>
           <p:nvPr/>
         </p:nvSpPr>
         <p:spPr>
           <a:xfrm>
-            <a:off x="2143125" y="391886"/>
-            <a:ext cx="9184821" cy="6463308"/>
+            <a:off x="0" y="0"/>
+            <a:ext cx="12192000" cy="1700213"/>
           </a:xfrm>
           <a:prstGeom prst="rect">
             <a:avLst/>
           </a:prstGeom>
+          <a:solidFill>
+            <a:schemeClr val="accent2"/>
+          </a:solidFill>
         </p:spPr>
+        <p:style>
+          <a:lnRef idx="2">
+            <a:schemeClr val="accent1">
+              <a:shade val="50000"/>
+            </a:schemeClr>
+          </a:lnRef>
+          <a:fillRef idx="1">
+            <a:schemeClr val="accent1"/>
+          </a:fillRef>
+          <a:effectRef idx="0">
+            <a:schemeClr val="accent1"/>
+          </a:effectRef>
+          <a:fontRef idx="minor">
+            <a:schemeClr val="lt1"/>
+          </a:fontRef>
+        </p:style>
         <p:txBody>
-          <a:bodyPr wrap="square">
-            <a:spAutoFit/>
-          </a:bodyPr>
+          <a:bodyPr rtlCol="0" anchor="ctr"/>
           <a:lstStyle/>
           <a:p>
-            <a:r>
-              <a:rPr lang="en-US" dirty="0"/>
-              <a:t>Overall, your answer provides a good high-level overview of the steps involved in developing and training a transformer-based model for analyzing customer feedback. Here are some additional comments and suggestions:</a:t>
-            </a:r>
-          </a:p>
-          <a:p>
-            <a:pPr marL="342900" indent="-342900">
-              <a:buFont typeface="+mj-lt"/>
-              <a:buAutoNum type="arabicPeriod"/>
-            </a:pPr>
-            <a:r>
-              <a:rPr lang="en-US" dirty="0">
-                <a:solidFill>
-                  <a:srgbClr val="FF0000"/>
-                </a:solidFill>
-              </a:rPr>
-              <a:t>Data collection</a:t>
-            </a:r>
-            <a:r>
-              <a:rPr lang="en-US" dirty="0"/>
-              <a:t>: In addition to customer feedback and demographics, it may be useful to include data on the products or services that the customer used or interacted with, as this can help to contextualize the feedback and identify specific areas for improvement</a:t>
-            </a:r>
-            <a:r>
-              <a:rPr lang="en-US" dirty="0" smtClean="0"/>
-              <a:t>.</a:t>
-            </a:r>
-          </a:p>
-          <a:p>
-            <a:pPr marL="342900" indent="-342900">
-              <a:buFont typeface="+mj-lt"/>
-              <a:buAutoNum type="arabicPeriod"/>
-            </a:pPr>
-            <a:r>
-              <a:rPr lang="en-US" dirty="0" smtClean="0">
-                <a:solidFill>
-                  <a:srgbClr val="FF0000"/>
-                </a:solidFill>
-              </a:rPr>
-              <a:t>Text </a:t>
-            </a:r>
-            <a:r>
-              <a:rPr lang="en-US" dirty="0">
-                <a:solidFill>
-                  <a:srgbClr val="FF0000"/>
-                </a:solidFill>
-              </a:rPr>
-              <a:t>processing</a:t>
-            </a:r>
-            <a:r>
-              <a:rPr lang="en-US" dirty="0"/>
-              <a:t>: While NLTK is a useful library for text processing, it may be more efficient to use the built-in text preprocessing and tokenization functions provided by the transformer library that you are using (e.g., </a:t>
-            </a:r>
-            <a:r>
-              <a:rPr lang="en-US" dirty="0" err="1"/>
-              <a:t>Huggingface</a:t>
-            </a:r>
-            <a:r>
-              <a:rPr lang="en-US" dirty="0"/>
-              <a:t> Transformers). This can ensure that the preprocessing steps are consistent with the requirements of the model.</a:t>
-            </a:r>
-          </a:p>
-          <a:p>
-            <a:pPr marL="342900" indent="-342900">
-              <a:buFont typeface="+mj-lt"/>
-              <a:buAutoNum type="arabicPeriod"/>
-            </a:pPr>
-            <a:endParaRPr lang="en-US" dirty="0" smtClean="0"/>
-          </a:p>
-          <a:p>
-            <a:pPr marL="342900" indent="-342900">
-              <a:buFont typeface="+mj-lt"/>
-              <a:buAutoNum type="arabicPeriod"/>
-            </a:pPr>
-            <a:r>
-              <a:rPr lang="en-US" dirty="0" smtClean="0">
-                <a:solidFill>
-                  <a:srgbClr val="FF0000"/>
-                </a:solidFill>
-              </a:rPr>
-              <a:t>Model </a:t>
-            </a:r>
-            <a:r>
-              <a:rPr lang="en-US" dirty="0">
-                <a:solidFill>
-                  <a:srgbClr val="FF0000"/>
-                </a:solidFill>
-              </a:rPr>
-              <a:t>selection</a:t>
-            </a:r>
-            <a:r>
-              <a:rPr lang="en-US" dirty="0"/>
-              <a:t>: In addition to BERT and sentiment analysis models, it may be worth considering other transformer-based models such as T5 or GPT-3 that have shown promising results in natural language generation tasks</a:t>
-            </a:r>
-          </a:p>
-          <a:p>
-            <a:pPr marL="342900" indent="-342900">
-              <a:buFont typeface="+mj-lt"/>
-              <a:buAutoNum type="arabicPeriod"/>
-            </a:pPr>
-            <a:endParaRPr lang="en-US" dirty="0" smtClean="0">
+            <a:pPr algn="ctr"/>
+            <a:endParaRPr lang="en-US">
               <a:solidFill>
-                <a:srgbClr val="FF0000"/>
+                <a:srgbClr val="418AB3"/>
               </a:solidFill>
             </a:endParaRPr>
           </a:p>
-          <a:p>
-            <a:pPr marL="342900" indent="-342900">
-              <a:buFont typeface="+mj-lt"/>
-              <a:buAutoNum type="arabicPeriod"/>
-            </a:pPr>
-            <a:r>
-              <a:rPr lang="en-US" dirty="0">
-                <a:solidFill>
-                  <a:srgbClr val="FF0000"/>
-                </a:solidFill>
-              </a:rPr>
-              <a:t>Model fine-tuning</a:t>
-            </a:r>
-            <a:r>
-              <a:rPr lang="en-US" dirty="0"/>
-              <a:t>: While using a pre-trained model can save time and resources, it's important to fine-tune the model on your specific task and domain to achieve optimal performance. It's also important to ensure that the labeled data used for fine-tuning is representative of the full range of feedback and sentiments that customers may express.</a:t>
-            </a:r>
-          </a:p>
-          <a:p>
-            <a:pPr marL="342900" indent="-342900">
-              <a:buFont typeface="+mj-lt"/>
-              <a:buAutoNum type="arabicPeriod"/>
-            </a:pPr>
-            <a:endParaRPr lang="en-US" dirty="0" smtClean="0"/>
-          </a:p>
-          <a:p>
-            <a:pPr marL="342900" indent="-342900">
-              <a:buFont typeface="+mj-lt"/>
-              <a:buAutoNum type="arabicPeriod"/>
-            </a:pPr>
-            <a:r>
-              <a:rPr lang="en-US" dirty="0" smtClean="0">
-                <a:solidFill>
-                  <a:srgbClr val="FF0000"/>
-                </a:solidFill>
-              </a:rPr>
-              <a:t>Model </a:t>
-            </a:r>
-            <a:r>
-              <a:rPr lang="en-US" dirty="0">
-                <a:solidFill>
-                  <a:srgbClr val="FF0000"/>
-                </a:solidFill>
-              </a:rPr>
-              <a:t>evaluation: </a:t>
-            </a:r>
-            <a:r>
-              <a:rPr lang="en-US" dirty="0"/>
-              <a:t>While F1-score is a useful metric for evaluating model performance, it may be worthwhile to also consider other metrics such as precision, recall, and accuracy</a:t>
-            </a:r>
-          </a:p>
-          <a:p>
-            <a:pPr marL="342900" indent="-342900">
-              <a:buFont typeface="+mj-lt"/>
-              <a:buAutoNum type="arabicPeriod"/>
-            </a:pPr>
-            <a:endParaRPr lang="en-US" dirty="0"/>
-          </a:p>
         </p:txBody>
       </p:sp>
-      <p:sp>
-        <p:nvSpPr>
-          <p:cNvPr id="7" name="TextBox 6"/>
-          <p:cNvSpPr txBox="1"/>
-          <p:nvPr/>
-        </p:nvSpPr>
-        <p:spPr>
-          <a:xfrm>
-            <a:off x="0" y="391886"/>
-            <a:ext cx="2571750" cy="1384995"/>
-          </a:xfrm>
-          <a:prstGeom prst="rect">
-            <a:avLst/>
-          </a:prstGeom>
-          <a:noFill/>
-        </p:spPr>
-        <p:txBody>
-          <a:bodyPr wrap="square" rtlCol="0">
-            <a:spAutoFit/>
-          </a:bodyPr>
-          <a:lstStyle/>
-          <a:p>
-            <a:r>
-              <a:rPr lang="en-US" sz="2800" dirty="0" smtClean="0"/>
-              <a:t>Scenario: Sentiment Analysis</a:t>
-            </a:r>
-            <a:endParaRPr lang="en-US" sz="2800" dirty="0"/>
-          </a:p>
-        </p:txBody>
-      </p:sp>
-    </p:spTree>
-    <p:extLst>
-      <p:ext uri="{BB962C8B-B14F-4D97-AF65-F5344CB8AC3E}">
-        <p14:creationId xmlns:p14="http://schemas.microsoft.com/office/powerpoint/2010/main" val="449971948"/>
-      </p:ext>
-    </p:extLst>
-  </p:cSld>
-  <p:clrMapOvr>
-    <a:masterClrMapping/>
-  </p:clrMapOvr>
-</p:sld>
-</file>
-
-<file path=ppt/slides/slide3.xml><?xml version="1.0" encoding="utf-8"?>
-<p:sld xmlns:a="http://schemas.openxmlformats.org/drawingml/2006/main" xmlns:r="http://schemas.openxmlformats.org/officeDocument/2006/relationships" xmlns:p="http://schemas.openxmlformats.org/presentationml/2006/main">
-  <p:cSld>
-    <p:bg>
-      <p:bgPr>
-        <a:solidFill>
-          <a:schemeClr val="bg1"/>
-        </a:solidFill>
-        <a:effectLst/>
-      </p:bgPr>
-    </p:bg>
-    <p:spTree>
-      <p:nvGrpSpPr>
-        <p:cNvPr id="1" name=""/>
-        <p:cNvGrpSpPr/>
-        <p:nvPr/>
-      </p:nvGrpSpPr>
-      <p:grpSpPr>
-        <a:xfrm>
-          <a:off x="0" y="0"/>
-          <a:ext cx="0" cy="0"/>
-          <a:chOff x="0" y="0"/>
-          <a:chExt cx="0" cy="0"/>
-        </a:xfrm>
-      </p:grpSpPr>
       <p:sp>
         <p:nvSpPr>
           <p:cNvPr id="2" name="Title 1"/>
@@ -12202,40 +15449,9 @@
         </p:nvSpPr>
         <p:spPr>
           <a:xfrm>
-            <a:off x="832381" y="2867283"/>
-            <a:ext cx="4486656" cy="1141497"/>
+            <a:off x="2931549" y="379411"/>
+            <a:ext cx="5844268" cy="952183"/>
           </a:xfrm>
-        </p:spPr>
-        <p:txBody>
-          <a:bodyPr/>
-          <a:lstStyle/>
-          <a:p>
-            <a:r>
-              <a:rPr lang="en-US" dirty="0" smtClean="0"/>
-              <a:t>What IS LLM?</a:t>
-            </a:r>
-            <a:endParaRPr lang="en-US" dirty="0"/>
-          </a:p>
-        </p:txBody>
-      </p:sp>
-      <p:sp>
-        <p:nvSpPr>
-          <p:cNvPr id="3" name="Content Placeholder 2"/>
-          <p:cNvSpPr>
-            <a:spLocks noGrp="1"/>
-          </p:cNvSpPr>
-          <p:nvPr>
-            <p:ph idx="1"/>
-          </p:nvPr>
-        </p:nvSpPr>
-        <p:spPr>
-          <a:xfrm>
-            <a:off x="6123709" y="1146154"/>
-            <a:ext cx="6068291" cy="4807527"/>
-          </a:xfrm>
-          <a:solidFill>
-            <a:schemeClr val="bg1"/>
-          </a:solidFill>
         </p:spPr>
         <p:txBody>
           <a:bodyPr>
@@ -12243,86 +15459,200 @@
           </a:bodyPr>
           <a:lstStyle/>
           <a:p>
-            <a:pPr marL="342900" indent="-342900" algn="just">
-              <a:buFont typeface="+mj-lt"/>
-              <a:buAutoNum type="arabicPeriod"/>
+            <a:r>
+              <a:rPr lang="en-US" dirty="0" smtClean="0"/>
+              <a:t>ATTENTION MASK</a:t>
+            </a:r>
+            <a:endParaRPr lang="en-US" dirty="0"/>
+          </a:p>
+        </p:txBody>
+      </p:sp>
+      <p:sp>
+        <p:nvSpPr>
+          <p:cNvPr id="7" name="Content Placeholder 6"/>
+          <p:cNvSpPr>
+            <a:spLocks noGrp="1"/>
+          </p:cNvSpPr>
+          <p:nvPr>
+            <p:ph sz="half" idx="1"/>
+          </p:nvPr>
+        </p:nvSpPr>
+        <p:spPr>
+          <a:xfrm>
+            <a:off x="943356" y="1711005"/>
+            <a:ext cx="10305288" cy="5004120"/>
+          </a:xfrm>
+          <a:solidFill>
+            <a:srgbClr val="FFFFFF"/>
+          </a:solidFill>
+        </p:spPr>
+        <p:txBody>
+          <a:bodyPr>
+            <a:noAutofit/>
+          </a:bodyPr>
+          <a:lstStyle/>
+          <a:p>
+            <a:pPr>
+              <a:buFont typeface="Wingdings" panose="05000000000000000000" pitchFamily="2" charset="2"/>
+              <a:buChar char="Ø"/>
             </a:pPr>
             <a:r>
-              <a:rPr lang="en-US" dirty="0">
-                <a:latin typeface="Corbel" panose="020B0503020204020204" pitchFamily="34" charset="0"/>
-              </a:rPr>
-              <a:t>LLMs are powerful NLP models that use artificial neural networks and massive amounts of training data to understand and </a:t>
-            </a:r>
-            <a:r>
-              <a:rPr lang="en-US" b="1" dirty="0">
-                <a:latin typeface="Corbel" panose="020B0503020204020204" pitchFamily="34" charset="0"/>
-              </a:rPr>
-              <a:t>generate human </a:t>
-            </a:r>
-            <a:r>
-              <a:rPr lang="en-US" b="1" dirty="0" smtClean="0">
-                <a:latin typeface="Corbel" panose="020B0503020204020204" pitchFamily="34" charset="0"/>
-              </a:rPr>
-              <a:t>language</a:t>
-            </a:r>
-          </a:p>
-          <a:p>
-            <a:pPr marL="342900" indent="-342900" algn="just">
-              <a:buFont typeface="+mj-lt"/>
-              <a:buAutoNum type="arabicPeriod"/>
+              <a:rPr lang="en-US" sz="2000" dirty="0">
+                <a:solidFill>
+                  <a:srgbClr val="FF0000"/>
+                </a:solidFill>
+                <a:latin typeface="Corbel" panose="020B0503020204020204" pitchFamily="34" charset="0"/>
+              </a:rPr>
+              <a:t>T</a:t>
+            </a:r>
+            <a:r>
+              <a:rPr lang="en-US" sz="2000" dirty="0" smtClean="0">
+                <a:solidFill>
+                  <a:srgbClr val="FF0000"/>
+                </a:solidFill>
+                <a:latin typeface="Corbel" panose="020B0503020204020204" pitchFamily="34" charset="0"/>
+              </a:rPr>
+              <a:t>he </a:t>
+            </a:r>
+            <a:r>
+              <a:rPr lang="en-US" sz="2000" dirty="0">
+                <a:solidFill>
+                  <a:srgbClr val="FF0000"/>
+                </a:solidFill>
+                <a:latin typeface="Corbel" panose="020B0503020204020204" pitchFamily="34" charset="0"/>
+              </a:rPr>
+              <a:t>attention mechanism </a:t>
+            </a:r>
+            <a:r>
+              <a:rPr lang="en-US" sz="2000" dirty="0">
+                <a:latin typeface="Corbel" panose="020B0503020204020204" pitchFamily="34" charset="0"/>
+              </a:rPr>
+              <a:t>allows the model to focus on specific parts of the input sequence when generating output. The attention mechanism computes a weighted sum of the input sequence, where the weights are determined by the relevance of each input element to the current output step</a:t>
+            </a:r>
+            <a:r>
+              <a:rPr lang="en-US" sz="2000" dirty="0" smtClean="0">
+                <a:latin typeface="Corbel" panose="020B0503020204020204" pitchFamily="34" charset="0"/>
+              </a:rPr>
+              <a:t>.</a:t>
+            </a:r>
+          </a:p>
+          <a:p>
+            <a:pPr>
+              <a:buFont typeface="Wingdings" panose="05000000000000000000" pitchFamily="2" charset="2"/>
+              <a:buChar char="Ø"/>
             </a:pPr>
             <a:r>
-              <a:rPr lang="en-US" dirty="0">
-                <a:latin typeface="Corbel" panose="020B0503020204020204" pitchFamily="34" charset="0"/>
-              </a:rPr>
-              <a:t>They are called "large" because they are trained on massive amounts of text data, typically using unsupervised learning techniques</a:t>
-            </a:r>
-            <a:r>
-              <a:rPr lang="en-US" dirty="0" smtClean="0">
-                <a:latin typeface="Corbel" panose="020B0503020204020204" pitchFamily="34" charset="0"/>
-              </a:rPr>
-              <a:t>.</a:t>
-            </a:r>
-          </a:p>
-          <a:p>
-            <a:pPr marL="342900" indent="-342900" algn="just">
-              <a:buFont typeface="+mj-lt"/>
-              <a:buAutoNum type="arabicPeriod"/>
+              <a:rPr lang="en-US" sz="2000" dirty="0" smtClean="0">
+                <a:latin typeface="Corbel" panose="020B0503020204020204" pitchFamily="34" charset="0"/>
+              </a:rPr>
+              <a:t>In </a:t>
+            </a:r>
+            <a:r>
+              <a:rPr lang="en-US" sz="2000" dirty="0">
+                <a:latin typeface="Corbel" panose="020B0503020204020204" pitchFamily="34" charset="0"/>
+              </a:rPr>
+              <a:t>some cases, not all elements of the input sequence are relevant for the task at hand. For example, in natural language processing tasks, </a:t>
+            </a:r>
+            <a:r>
+              <a:rPr lang="en-US" sz="2000" dirty="0">
+                <a:solidFill>
+                  <a:srgbClr val="FF0000"/>
+                </a:solidFill>
+                <a:latin typeface="Corbel" panose="020B0503020204020204" pitchFamily="34" charset="0"/>
+              </a:rPr>
+              <a:t>padding tokens </a:t>
+            </a:r>
+            <a:r>
+              <a:rPr lang="en-US" sz="2000" dirty="0">
+                <a:latin typeface="Corbel" panose="020B0503020204020204" pitchFamily="34" charset="0"/>
+              </a:rPr>
+              <a:t>may be added to the input sequence to ensure that all sequences have the same length, but these padding tokens do not provide any useful information for the </a:t>
+            </a:r>
+            <a:r>
+              <a:rPr lang="en-US" sz="2000" dirty="0" smtClean="0">
+                <a:latin typeface="Corbel" panose="020B0503020204020204" pitchFamily="34" charset="0"/>
+              </a:rPr>
+              <a:t>model</a:t>
+            </a:r>
+          </a:p>
+          <a:p>
+            <a:pPr>
+              <a:buFont typeface="Wingdings" panose="05000000000000000000" pitchFamily="2" charset="2"/>
+              <a:buChar char="Ø"/>
             </a:pPr>
             <a:r>
-              <a:rPr lang="en-US" dirty="0">
-                <a:latin typeface="Corbel" panose="020B0503020204020204" pitchFamily="34" charset="0"/>
-              </a:rPr>
-              <a:t>LLMs are capable of performing a wide range of NLP tasks, such as language modeling, text classification, sentiment analysis, named entity recognition, machine translation, and text summarization. </a:t>
-            </a:r>
-            <a:endParaRPr lang="en-US" dirty="0" smtClean="0">
-              <a:latin typeface="Corbel" panose="020B0503020204020204" pitchFamily="34" charset="0"/>
-            </a:endParaRPr>
-          </a:p>
-          <a:p>
-            <a:pPr marL="342900" indent="-342900" algn="just">
-              <a:buFont typeface="+mj-lt"/>
-              <a:buAutoNum type="arabicPeriod"/>
+              <a:rPr lang="en-US" sz="2000" dirty="0">
+                <a:latin typeface="Corbel" panose="020B0503020204020204" pitchFamily="34" charset="0"/>
+              </a:rPr>
+              <a:t>To address this issue, an </a:t>
+            </a:r>
+            <a:r>
+              <a:rPr lang="en-US" sz="2000" dirty="0">
+                <a:solidFill>
+                  <a:srgbClr val="FF0000"/>
+                </a:solidFill>
+                <a:latin typeface="Corbel" panose="020B0503020204020204" pitchFamily="34" charset="0"/>
+              </a:rPr>
+              <a:t>attention mask </a:t>
+            </a:r>
+            <a:r>
+              <a:rPr lang="en-US" sz="2000" dirty="0">
+                <a:latin typeface="Corbel" panose="020B0503020204020204" pitchFamily="34" charset="0"/>
+              </a:rPr>
+              <a:t>can be used to indicate which elements of the input sequence are relevant for the task and which are not. The attention mask is a </a:t>
+            </a:r>
+            <a:r>
+              <a:rPr lang="en-US" sz="2000" dirty="0">
+                <a:solidFill>
+                  <a:srgbClr val="FF0000"/>
+                </a:solidFill>
+                <a:latin typeface="Corbel" panose="020B0503020204020204" pitchFamily="34" charset="0"/>
+              </a:rPr>
+              <a:t>binary tensor </a:t>
+            </a:r>
+            <a:r>
+              <a:rPr lang="en-US" sz="2000" dirty="0">
+                <a:latin typeface="Corbel" panose="020B0503020204020204" pitchFamily="34" charset="0"/>
+              </a:rPr>
+              <a:t>with the same shape as the input sequence, where each element is either 0 or </a:t>
+            </a:r>
+            <a:r>
+              <a:rPr lang="en-US" sz="2000" dirty="0" smtClean="0">
+                <a:latin typeface="Corbel" panose="020B0503020204020204" pitchFamily="34" charset="0"/>
+              </a:rPr>
+              <a:t>1</a:t>
+            </a:r>
+          </a:p>
+          <a:p>
+            <a:pPr>
+              <a:buFont typeface="Wingdings" panose="05000000000000000000" pitchFamily="2" charset="2"/>
+              <a:buChar char="Ø"/>
             </a:pPr>
             <a:r>
-              <a:rPr lang="en-US" dirty="0" smtClean="0">
-                <a:latin typeface="Corbel" panose="020B0503020204020204" pitchFamily="34" charset="0"/>
-              </a:rPr>
-              <a:t>They </a:t>
-            </a:r>
-            <a:r>
-              <a:rPr lang="en-US" dirty="0">
-                <a:latin typeface="Corbel" panose="020B0503020204020204" pitchFamily="34" charset="0"/>
-              </a:rPr>
-              <a:t>achieve state-of-the-art performance by leveraging a variety of techniques, including </a:t>
-            </a:r>
-            <a:r>
-              <a:rPr lang="en-US" b="1" dirty="0">
-                <a:latin typeface="Corbel" panose="020B0503020204020204" pitchFamily="34" charset="0"/>
-              </a:rPr>
-              <a:t>attention mechanisms, positional encodings, and self-supervised learning</a:t>
-            </a:r>
-            <a:endParaRPr lang="en-US" b="1" dirty="0">
+              <a:rPr lang="en-US" sz="2000" dirty="0">
+                <a:latin typeface="Corbel" panose="020B0503020204020204" pitchFamily="34" charset="0"/>
+              </a:rPr>
+              <a:t>During training and inference, the attention mask is </a:t>
+            </a:r>
+            <a:r>
+              <a:rPr lang="en-US" sz="2000" dirty="0">
+                <a:solidFill>
+                  <a:srgbClr val="FF0000"/>
+                </a:solidFill>
+                <a:latin typeface="Corbel" panose="020B0503020204020204" pitchFamily="34" charset="0"/>
+              </a:rPr>
+              <a:t>multiplied element-wise with the attention weights</a:t>
+            </a:r>
+            <a:r>
+              <a:rPr lang="en-US" sz="2000" dirty="0">
+                <a:latin typeface="Corbel" panose="020B0503020204020204" pitchFamily="34" charset="0"/>
+              </a:rPr>
+              <a:t> to ensure that only valid elements of the input sequence are used to compute the output</a:t>
+            </a:r>
+            <a:endParaRPr lang="en-US" sz="2400" dirty="0" smtClean="0">
+              <a:solidFill>
+                <a:srgbClr val="FF0000"/>
+              </a:solidFill>
               <a:latin typeface="Corbel" panose="020B0503020204020204" pitchFamily="34" charset="0"/>
             </a:endParaRPr>
           </a:p>
@@ -12331,7 +15661,7 @@
     </p:spTree>
     <p:extLst>
       <p:ext uri="{BB962C8B-B14F-4D97-AF65-F5344CB8AC3E}">
-        <p14:creationId xmlns:p14="http://schemas.microsoft.com/office/powerpoint/2010/main" val="561808578"/>
+        <p14:creationId xmlns:p14="http://schemas.microsoft.com/office/powerpoint/2010/main" val="1927364680"/>
       </p:ext>
     </p:extLst>
   </p:cSld>
@@ -12881,9 +16211,6 @@
               </a:rPr>
               <a:t>.</a:t>
             </a:r>
-            <a:endParaRPr lang="en-US" dirty="0">
-              <a:latin typeface="Corbel" panose="020B0503020204020204" pitchFamily="34" charset="0"/>
-            </a:endParaRPr>
           </a:p>
         </p:txBody>
       </p:sp>
@@ -13248,9 +16575,6 @@
               </a:rPr>
               <a:t>The decoder uses the encoder’s representation (features) along with other inputs to generate a target sequence. This means that the model is optimized for generating outputs.</a:t>
             </a:r>
-            <a:endParaRPr lang="en-US" sz="2400" dirty="0">
-              <a:latin typeface="Corbel" panose="020B0503020204020204" pitchFamily="34" charset="0"/>
-            </a:endParaRPr>
           </a:p>
         </p:txBody>
       </p:sp>
